--- a/Engineering-Presentation-Billy-Paulson.pptx
+++ b/Engineering-Presentation-Billy-Paulson.pptx
@@ -2,18 +2,16 @@
 <file path=ppt/presentation.xml><?xml version="1.0" encoding="utf-8"?>
 <p:presentation xmlns:a="http://schemas.openxmlformats.org/drawingml/2006/main" xmlns:r="http://schemas.openxmlformats.org/officeDocument/2006/relationships" xmlns:p="http://schemas.openxmlformats.org/presentationml/2006/main" saveSubsetFonts="1">
   <p:sldMasterIdLst>
-    <p:sldMasterId id="2147483684" r:id="rId1"/>
+    <p:sldMasterId id="2147483696" r:id="rId1"/>
   </p:sldMasterIdLst>
   <p:sldIdLst>
     <p:sldId id="256" r:id="rId2"/>
     <p:sldId id="257" r:id="rId3"/>
-    <p:sldId id="275" r:id="rId4"/>
-    <p:sldId id="260" r:id="rId5"/>
-    <p:sldId id="273" r:id="rId6"/>
-    <p:sldId id="266" r:id="rId7"/>
-    <p:sldId id="276" r:id="rId8"/>
-    <p:sldId id="269" r:id="rId9"/>
-    <p:sldId id="270" r:id="rId10"/>
+    <p:sldId id="277" r:id="rId4"/>
+    <p:sldId id="275" r:id="rId5"/>
+    <p:sldId id="269" r:id="rId6"/>
+    <p:sldId id="270" r:id="rId7"/>
+    <p:sldId id="266" r:id="rId8"/>
   </p:sldIdLst>
   <p:sldSz cx="12192000" cy="6858000"/>
   <p:notesSz cx="6858000" cy="9144000"/>
@@ -137,113 +135,561 @@
           <a:chExt cx="0" cy="0"/>
         </a:xfrm>
       </p:grpSpPr>
-      <p:sp>
-        <p:nvSpPr>
-          <p:cNvPr id="7" name="Rectangle 6"/>
-          <p:cNvSpPr/>
+      <p:grpSp>
+        <p:nvGrpSpPr>
+          <p:cNvPr id="7" name="Group 6"/>
+          <p:cNvGrpSpPr/>
           <p:nvPr/>
+        </p:nvGrpSpPr>
+        <p:grpSpPr>
+          <a:xfrm>
+            <a:off x="0" y="-8467"/>
+            <a:ext cx="12192000" cy="6866467"/>
+            <a:chOff x="0" y="-8467"/>
+            <a:chExt cx="12192000" cy="6866467"/>
+          </a:xfrm>
+        </p:grpSpPr>
+        <p:cxnSp>
+          <p:nvCxnSpPr>
+            <p:cNvPr id="32" name="Straight Connector 31"/>
+            <p:cNvCxnSpPr/>
+            <p:nvPr/>
+          </p:nvCxnSpPr>
+          <p:spPr>
+            <a:xfrm>
+              <a:off x="9371012" y="0"/>
+              <a:ext cx="1219200" cy="6858000"/>
+            </a:xfrm>
+            <a:prstGeom prst="line">
+              <a:avLst/>
+            </a:prstGeom>
+            <a:ln w="9525">
+              <a:solidFill>
+                <a:schemeClr val="bg1">
+                  <a:lumMod val="75000"/>
+                </a:schemeClr>
+              </a:solidFill>
+            </a:ln>
+          </p:spPr>
+          <p:style>
+            <a:lnRef idx="2">
+              <a:schemeClr val="accent1"/>
+            </a:lnRef>
+            <a:fillRef idx="0">
+              <a:schemeClr val="accent1"/>
+            </a:fillRef>
+            <a:effectRef idx="1">
+              <a:schemeClr val="accent1"/>
+            </a:effectRef>
+            <a:fontRef idx="minor">
+              <a:schemeClr val="tx1"/>
+            </a:fontRef>
+          </p:style>
+        </p:cxnSp>
+        <p:cxnSp>
+          <p:nvCxnSpPr>
+            <p:cNvPr id="21" name="Straight Connector 20"/>
+            <p:cNvCxnSpPr/>
+            <p:nvPr/>
+          </p:nvCxnSpPr>
+          <p:spPr>
+            <a:xfrm flipH="1">
+              <a:off x="7425267" y="3681413"/>
+              <a:ext cx="4763558" cy="3176587"/>
+            </a:xfrm>
+            <a:prstGeom prst="line">
+              <a:avLst/>
+            </a:prstGeom>
+            <a:ln w="9525">
+              <a:solidFill>
+                <a:schemeClr val="bg1">
+                  <a:lumMod val="85000"/>
+                </a:schemeClr>
+              </a:solidFill>
+            </a:ln>
+          </p:spPr>
+          <p:style>
+            <a:lnRef idx="2">
+              <a:schemeClr val="accent1"/>
+            </a:lnRef>
+            <a:fillRef idx="0">
+              <a:schemeClr val="accent1"/>
+            </a:fillRef>
+            <a:effectRef idx="1">
+              <a:schemeClr val="accent1"/>
+            </a:effectRef>
+            <a:fontRef idx="minor">
+              <a:schemeClr val="tx1"/>
+            </a:fontRef>
+          </p:style>
+        </p:cxnSp>
+        <p:sp>
+          <p:nvSpPr>
+            <p:cNvPr id="24" name="Rectangle 23"/>
+            <p:cNvSpPr/>
+            <p:nvPr/>
+          </p:nvSpPr>
+          <p:spPr>
+            <a:xfrm>
+              <a:off x="9181476" y="-8467"/>
+              <a:ext cx="3007349" cy="6866467"/>
+            </a:xfrm>
+            <a:custGeom>
+              <a:avLst/>
+              <a:gdLst/>
+              <a:ahLst/>
+              <a:cxnLst/>
+              <a:rect l="l" t="t" r="r" b="b"/>
+              <a:pathLst>
+                <a:path w="3007349" h="6866467">
+                  <a:moveTo>
+                    <a:pt x="2045532" y="0"/>
+                  </a:moveTo>
+                  <a:lnTo>
+                    <a:pt x="3007349" y="0"/>
+                  </a:lnTo>
+                  <a:lnTo>
+                    <a:pt x="3007349" y="6866467"/>
+                  </a:lnTo>
+                  <a:lnTo>
+                    <a:pt x="0" y="6866467"/>
+                  </a:lnTo>
+                  <a:lnTo>
+                    <a:pt x="2045532" y="0"/>
+                  </a:lnTo>
+                  <a:close/>
+                </a:path>
+              </a:pathLst>
+            </a:custGeom>
+            <a:solidFill>
+              <a:schemeClr val="accent1">
+                <a:alpha val="30000"/>
+              </a:schemeClr>
+            </a:solidFill>
+            <a:ln>
+              <a:noFill/>
+            </a:ln>
+            <a:effectLst/>
+          </p:spPr>
+          <p:style>
+            <a:lnRef idx="1">
+              <a:schemeClr val="accent1"/>
+            </a:lnRef>
+            <a:fillRef idx="3">
+              <a:schemeClr val="accent1"/>
+            </a:fillRef>
+            <a:effectRef idx="2">
+              <a:schemeClr val="accent1"/>
+            </a:effectRef>
+            <a:fontRef idx="minor">
+              <a:schemeClr val="lt1"/>
+            </a:fontRef>
+          </p:style>
+        </p:sp>
+        <p:sp>
+          <p:nvSpPr>
+            <p:cNvPr id="26" name="Rectangle 25"/>
+            <p:cNvSpPr/>
+            <p:nvPr/>
+          </p:nvSpPr>
+          <p:spPr>
+            <a:xfrm>
+              <a:off x="9603442" y="-8467"/>
+              <a:ext cx="2588558" cy="6866467"/>
+            </a:xfrm>
+            <a:custGeom>
+              <a:avLst/>
+              <a:gdLst/>
+              <a:ahLst/>
+              <a:cxnLst/>
+              <a:rect l="l" t="t" r="r" b="b"/>
+              <a:pathLst>
+                <a:path w="2573311" h="6866467">
+                  <a:moveTo>
+                    <a:pt x="0" y="0"/>
+                  </a:moveTo>
+                  <a:lnTo>
+                    <a:pt x="2573311" y="0"/>
+                  </a:lnTo>
+                  <a:lnTo>
+                    <a:pt x="2573311" y="6866467"/>
+                  </a:lnTo>
+                  <a:lnTo>
+                    <a:pt x="1202336" y="6866467"/>
+                  </a:lnTo>
+                  <a:lnTo>
+                    <a:pt x="0" y="0"/>
+                  </a:lnTo>
+                  <a:close/>
+                </a:path>
+              </a:pathLst>
+            </a:custGeom>
+            <a:solidFill>
+              <a:schemeClr val="accent1">
+                <a:alpha val="20000"/>
+              </a:schemeClr>
+            </a:solidFill>
+            <a:ln>
+              <a:noFill/>
+            </a:ln>
+            <a:effectLst/>
+          </p:spPr>
+          <p:style>
+            <a:lnRef idx="1">
+              <a:schemeClr val="accent1"/>
+            </a:lnRef>
+            <a:fillRef idx="3">
+              <a:schemeClr val="accent1"/>
+            </a:fillRef>
+            <a:effectRef idx="2">
+              <a:schemeClr val="accent1"/>
+            </a:effectRef>
+            <a:fontRef idx="minor">
+              <a:schemeClr val="lt1"/>
+            </a:fontRef>
+          </p:style>
+        </p:sp>
+        <p:sp>
+          <p:nvSpPr>
+            <p:cNvPr id="27" name="Isosceles Triangle 26"/>
+            <p:cNvSpPr/>
+            <p:nvPr/>
+          </p:nvSpPr>
+          <p:spPr>
+            <a:xfrm>
+              <a:off x="8932333" y="3048000"/>
+              <a:ext cx="3259667" cy="3810000"/>
+            </a:xfrm>
+            <a:prstGeom prst="triangle">
+              <a:avLst>
+                <a:gd name="adj" fmla="val 100000"/>
+              </a:avLst>
+            </a:prstGeom>
+            <a:solidFill>
+              <a:schemeClr val="accent2">
+                <a:alpha val="72000"/>
+              </a:schemeClr>
+            </a:solidFill>
+            <a:ln>
+              <a:noFill/>
+            </a:ln>
+            <a:effectLst/>
+          </p:spPr>
+          <p:style>
+            <a:lnRef idx="1">
+              <a:schemeClr val="accent1"/>
+            </a:lnRef>
+            <a:fillRef idx="3">
+              <a:schemeClr val="accent1"/>
+            </a:fillRef>
+            <a:effectRef idx="2">
+              <a:schemeClr val="accent1"/>
+            </a:effectRef>
+            <a:fontRef idx="minor">
+              <a:schemeClr val="lt1"/>
+            </a:fontRef>
+          </p:style>
+        </p:sp>
+        <p:sp>
+          <p:nvSpPr>
+            <p:cNvPr id="28" name="Rectangle 27"/>
+            <p:cNvSpPr/>
+            <p:nvPr/>
+          </p:nvSpPr>
+          <p:spPr>
+            <a:xfrm>
+              <a:off x="9334500" y="-8467"/>
+              <a:ext cx="2854326" cy="6866467"/>
+            </a:xfrm>
+            <a:custGeom>
+              <a:avLst/>
+              <a:gdLst/>
+              <a:ahLst/>
+              <a:cxnLst/>
+              <a:rect l="l" t="t" r="r" b="b"/>
+              <a:pathLst>
+                <a:path w="2858013" h="6866467">
+                  <a:moveTo>
+                    <a:pt x="0" y="0"/>
+                  </a:moveTo>
+                  <a:lnTo>
+                    <a:pt x="2858013" y="0"/>
+                  </a:lnTo>
+                  <a:lnTo>
+                    <a:pt x="2858013" y="6866467"/>
+                  </a:lnTo>
+                  <a:lnTo>
+                    <a:pt x="2473942" y="6866467"/>
+                  </a:lnTo>
+                  <a:lnTo>
+                    <a:pt x="0" y="0"/>
+                  </a:lnTo>
+                  <a:close/>
+                </a:path>
+              </a:pathLst>
+            </a:custGeom>
+            <a:solidFill>
+              <a:schemeClr val="accent2">
+                <a:lumMod val="75000"/>
+                <a:alpha val="70000"/>
+              </a:schemeClr>
+            </a:solidFill>
+            <a:ln>
+              <a:noFill/>
+            </a:ln>
+            <a:effectLst/>
+          </p:spPr>
+          <p:style>
+            <a:lnRef idx="1">
+              <a:schemeClr val="accent1"/>
+            </a:lnRef>
+            <a:fillRef idx="3">
+              <a:schemeClr val="accent1"/>
+            </a:fillRef>
+            <a:effectRef idx="2">
+              <a:schemeClr val="accent1"/>
+            </a:effectRef>
+            <a:fontRef idx="minor">
+              <a:schemeClr val="lt1"/>
+            </a:fontRef>
+          </p:style>
+        </p:sp>
+        <p:sp>
+          <p:nvSpPr>
+            <p:cNvPr id="29" name="Rectangle 28"/>
+            <p:cNvSpPr/>
+            <p:nvPr/>
+          </p:nvSpPr>
+          <p:spPr>
+            <a:xfrm>
+              <a:off x="10898730" y="-8467"/>
+              <a:ext cx="1290094" cy="6866467"/>
+            </a:xfrm>
+            <a:custGeom>
+              <a:avLst/>
+              <a:gdLst/>
+              <a:ahLst/>
+              <a:cxnLst/>
+              <a:rect l="l" t="t" r="r" b="b"/>
+              <a:pathLst>
+                <a:path w="1290094" h="6858000">
+                  <a:moveTo>
+                    <a:pt x="1019735" y="0"/>
+                  </a:moveTo>
+                  <a:lnTo>
+                    <a:pt x="1290094" y="0"/>
+                  </a:lnTo>
+                  <a:lnTo>
+                    <a:pt x="1290094" y="6858000"/>
+                  </a:lnTo>
+                  <a:lnTo>
+                    <a:pt x="0" y="6858000"/>
+                  </a:lnTo>
+                  <a:lnTo>
+                    <a:pt x="1019735" y="0"/>
+                  </a:lnTo>
+                  <a:close/>
+                </a:path>
+              </a:pathLst>
+            </a:custGeom>
+            <a:solidFill>
+              <a:schemeClr val="accent1">
+                <a:lumMod val="60000"/>
+                <a:lumOff val="40000"/>
+                <a:alpha val="70000"/>
+              </a:schemeClr>
+            </a:solidFill>
+            <a:ln>
+              <a:noFill/>
+            </a:ln>
+            <a:effectLst/>
+          </p:spPr>
+          <p:style>
+            <a:lnRef idx="1">
+              <a:schemeClr val="accent1"/>
+            </a:lnRef>
+            <a:fillRef idx="3">
+              <a:schemeClr val="accent1"/>
+            </a:fillRef>
+            <a:effectRef idx="2">
+              <a:schemeClr val="accent1"/>
+            </a:effectRef>
+            <a:fontRef idx="minor">
+              <a:schemeClr val="lt1"/>
+            </a:fontRef>
+          </p:style>
+        </p:sp>
+        <p:sp>
+          <p:nvSpPr>
+            <p:cNvPr id="30" name="Rectangle 29"/>
+            <p:cNvSpPr/>
+            <p:nvPr/>
+          </p:nvSpPr>
+          <p:spPr>
+            <a:xfrm>
+              <a:off x="10938999" y="-8467"/>
+              <a:ext cx="1249825" cy="6866467"/>
+            </a:xfrm>
+            <a:custGeom>
+              <a:avLst/>
+              <a:gdLst/>
+              <a:ahLst/>
+              <a:cxnLst/>
+              <a:rect l="l" t="t" r="r" b="b"/>
+              <a:pathLst>
+                <a:path w="1249825" h="6858000">
+                  <a:moveTo>
+                    <a:pt x="0" y="0"/>
+                  </a:moveTo>
+                  <a:lnTo>
+                    <a:pt x="1249825" y="0"/>
+                  </a:lnTo>
+                  <a:lnTo>
+                    <a:pt x="1249825" y="6858000"/>
+                  </a:lnTo>
+                  <a:lnTo>
+                    <a:pt x="1109382" y="6858000"/>
+                  </a:lnTo>
+                  <a:lnTo>
+                    <a:pt x="0" y="0"/>
+                  </a:lnTo>
+                  <a:close/>
+                </a:path>
+              </a:pathLst>
+            </a:custGeom>
+            <a:solidFill>
+              <a:schemeClr val="accent1">
+                <a:alpha val="65000"/>
+              </a:schemeClr>
+            </a:solidFill>
+            <a:ln>
+              <a:noFill/>
+            </a:ln>
+            <a:effectLst/>
+          </p:spPr>
+          <p:style>
+            <a:lnRef idx="1">
+              <a:schemeClr val="accent1"/>
+            </a:lnRef>
+            <a:fillRef idx="3">
+              <a:schemeClr val="accent1"/>
+            </a:fillRef>
+            <a:effectRef idx="2">
+              <a:schemeClr val="accent1"/>
+            </a:effectRef>
+            <a:fontRef idx="minor">
+              <a:schemeClr val="lt1"/>
+            </a:fontRef>
+          </p:style>
+        </p:sp>
+        <p:sp>
+          <p:nvSpPr>
+            <p:cNvPr id="31" name="Isosceles Triangle 30"/>
+            <p:cNvSpPr/>
+            <p:nvPr/>
+          </p:nvSpPr>
+          <p:spPr>
+            <a:xfrm>
+              <a:off x="10371666" y="3589867"/>
+              <a:ext cx="1817159" cy="3268133"/>
+            </a:xfrm>
+            <a:prstGeom prst="triangle">
+              <a:avLst>
+                <a:gd name="adj" fmla="val 100000"/>
+              </a:avLst>
+            </a:prstGeom>
+            <a:solidFill>
+              <a:schemeClr val="accent1">
+                <a:alpha val="80000"/>
+              </a:schemeClr>
+            </a:solidFill>
+            <a:ln>
+              <a:noFill/>
+            </a:ln>
+            <a:effectLst/>
+          </p:spPr>
+          <p:style>
+            <a:lnRef idx="1">
+              <a:schemeClr val="accent1"/>
+            </a:lnRef>
+            <a:fillRef idx="3">
+              <a:schemeClr val="accent1"/>
+            </a:fillRef>
+            <a:effectRef idx="2">
+              <a:schemeClr val="accent1"/>
+            </a:effectRef>
+            <a:fontRef idx="minor">
+              <a:schemeClr val="lt1"/>
+            </a:fontRef>
+          </p:style>
+        </p:sp>
+        <p:sp>
+          <p:nvSpPr>
+            <p:cNvPr id="19" name="Isosceles Triangle 18"/>
+            <p:cNvSpPr/>
+            <p:nvPr/>
+          </p:nvSpPr>
+          <p:spPr>
+            <a:xfrm rot="10800000">
+              <a:off x="0" y="0"/>
+              <a:ext cx="842596" cy="5666154"/>
+            </a:xfrm>
+            <a:prstGeom prst="triangle">
+              <a:avLst>
+                <a:gd name="adj" fmla="val 100000"/>
+              </a:avLst>
+            </a:prstGeom>
+            <a:solidFill>
+              <a:schemeClr val="accent1">
+                <a:alpha val="85000"/>
+              </a:schemeClr>
+            </a:solidFill>
+            <a:ln>
+              <a:noFill/>
+            </a:ln>
+            <a:effectLst/>
+          </p:spPr>
+          <p:style>
+            <a:lnRef idx="1">
+              <a:schemeClr val="accent1"/>
+            </a:lnRef>
+            <a:fillRef idx="3">
+              <a:schemeClr val="accent1"/>
+            </a:fillRef>
+            <a:effectRef idx="2">
+              <a:schemeClr val="accent1"/>
+            </a:effectRef>
+            <a:fontRef idx="minor">
+              <a:schemeClr val="lt1"/>
+            </a:fontRef>
+          </p:style>
+        </p:sp>
+      </p:grpSp>
+      <p:sp>
+        <p:nvSpPr>
+          <p:cNvPr id="2" name="Title 1"/>
+          <p:cNvSpPr>
+            <a:spLocks noGrp="1"/>
+          </p:cNvSpPr>
+          <p:nvPr>
+            <p:ph type="ctrTitle"/>
+          </p:nvPr>
         </p:nvSpPr>
         <p:spPr>
           <a:xfrm>
-            <a:off x="1" y="6400800"/>
-            <a:ext cx="12192000" cy="457200"/>
-          </a:xfrm>
-          <a:prstGeom prst="rect">
-            <a:avLst/>
-          </a:prstGeom>
-          <a:solidFill>
-            <a:schemeClr val="accent2"/>
-          </a:solidFill>
-          <a:ln>
-            <a:noFill/>
-          </a:ln>
-        </p:spPr>
-        <p:style>
-          <a:lnRef idx="2">
-            <a:schemeClr val="accent1">
-              <a:shade val="50000"/>
-            </a:schemeClr>
-          </a:lnRef>
-          <a:fillRef idx="1">
-            <a:schemeClr val="accent1"/>
-          </a:fillRef>
-          <a:effectRef idx="0">
-            <a:schemeClr val="accent1"/>
-          </a:effectRef>
-          <a:fontRef idx="minor">
-            <a:schemeClr val="lt1"/>
-          </a:fontRef>
-        </p:style>
-      </p:sp>
-      <p:sp>
-        <p:nvSpPr>
-          <p:cNvPr id="8" name="Rectangle 7"/>
-          <p:cNvSpPr/>
-          <p:nvPr/>
-        </p:nvSpPr>
-        <p:spPr>
-          <a:xfrm>
-            <a:off x="1" y="6334316"/>
-            <a:ext cx="12192000" cy="66484"/>
-          </a:xfrm>
-          <a:prstGeom prst="rect">
-            <a:avLst/>
-          </a:prstGeom>
-          <a:solidFill>
-            <a:schemeClr val="accent1"/>
-          </a:solidFill>
-          <a:ln>
-            <a:noFill/>
-          </a:ln>
-        </p:spPr>
-        <p:style>
-          <a:lnRef idx="2">
-            <a:schemeClr val="accent1">
-              <a:shade val="50000"/>
-            </a:schemeClr>
-          </a:lnRef>
-          <a:fillRef idx="1">
-            <a:schemeClr val="accent1"/>
-          </a:fillRef>
-          <a:effectRef idx="0">
-            <a:schemeClr val="accent1"/>
-          </a:effectRef>
-          <a:fontRef idx="minor">
-            <a:schemeClr val="lt1"/>
-          </a:fontRef>
-        </p:style>
-      </p:sp>
-      <p:sp>
-        <p:nvSpPr>
-          <p:cNvPr id="2" name="Title 1"/>
-          <p:cNvSpPr>
-            <a:spLocks noGrp="1"/>
-          </p:cNvSpPr>
-          <p:nvPr>
-            <p:ph type="ctrTitle"/>
-          </p:nvPr>
-        </p:nvSpPr>
-        <p:spPr>
-          <a:xfrm>
-            <a:off x="1097280" y="758952"/>
-            <a:ext cx="10058400" cy="3566160"/>
+            <a:off x="1507067" y="2404534"/>
+            <a:ext cx="7766936" cy="1646302"/>
           </a:xfrm>
         </p:spPr>
         <p:txBody>
           <a:bodyPr anchor="b">
-            <a:normAutofit/>
+            <a:noAutofit/>
           </a:bodyPr>
           <a:lstStyle>
-            <a:lvl1pPr algn="l">
-              <a:lnSpc>
-                <a:spcPct val="85000"/>
-              </a:lnSpc>
-              <a:defRPr sz="8000" spc="-50" baseline="0">
-                <a:solidFill>
-                  <a:schemeClr val="tx1">
-                    <a:lumMod val="85000"/>
-                    <a:lumOff val="15000"/>
-                  </a:schemeClr>
+            <a:lvl1pPr algn="r">
+              <a:defRPr sz="5400">
+                <a:solidFill>
+                  <a:schemeClr val="accent1"/>
                 </a:solidFill>
               </a:defRPr>
             </a:lvl1pPr>
@@ -269,55 +715,103 @@
         </p:nvSpPr>
         <p:spPr>
           <a:xfrm>
-            <a:off x="1100051" y="4455621"/>
-            <a:ext cx="10058400" cy="1143000"/>
+            <a:off x="1507067" y="4050833"/>
+            <a:ext cx="7766936" cy="1096899"/>
           </a:xfrm>
         </p:spPr>
         <p:txBody>
-          <a:bodyPr lIns="91440" rIns="91440">
-            <a:normAutofit/>
-          </a:bodyPr>
+          <a:bodyPr anchor="t"/>
           <a:lstStyle>
-            <a:lvl1pPr marL="0" indent="0" algn="l">
-              <a:buNone/>
-              <a:defRPr sz="2400" cap="all" spc="200" baseline="0">
-                <a:solidFill>
-                  <a:schemeClr val="tx2"/>
-                </a:solidFill>
-                <a:latin typeface="+mj-lt"/>
+            <a:lvl1pPr marL="0" indent="0" algn="r">
+              <a:buNone/>
+              <a:defRPr>
+                <a:solidFill>
+                  <a:schemeClr val="tx1">
+                    <a:lumMod val="50000"/>
+                    <a:lumOff val="50000"/>
+                  </a:schemeClr>
+                </a:solidFill>
               </a:defRPr>
             </a:lvl1pPr>
             <a:lvl2pPr marL="457200" indent="0" algn="ctr">
               <a:buNone/>
-              <a:defRPr sz="2400"/>
+              <a:defRPr>
+                <a:solidFill>
+                  <a:schemeClr val="tx1">
+                    <a:tint val="75000"/>
+                  </a:schemeClr>
+                </a:solidFill>
+              </a:defRPr>
             </a:lvl2pPr>
             <a:lvl3pPr marL="914400" indent="0" algn="ctr">
               <a:buNone/>
-              <a:defRPr sz="2400"/>
+              <a:defRPr>
+                <a:solidFill>
+                  <a:schemeClr val="tx1">
+                    <a:tint val="75000"/>
+                  </a:schemeClr>
+                </a:solidFill>
+              </a:defRPr>
             </a:lvl3pPr>
             <a:lvl4pPr marL="1371600" indent="0" algn="ctr">
               <a:buNone/>
-              <a:defRPr sz="2000"/>
+              <a:defRPr>
+                <a:solidFill>
+                  <a:schemeClr val="tx1">
+                    <a:tint val="75000"/>
+                  </a:schemeClr>
+                </a:solidFill>
+              </a:defRPr>
             </a:lvl4pPr>
             <a:lvl5pPr marL="1828800" indent="0" algn="ctr">
               <a:buNone/>
-              <a:defRPr sz="2000"/>
+              <a:defRPr>
+                <a:solidFill>
+                  <a:schemeClr val="tx1">
+                    <a:tint val="75000"/>
+                  </a:schemeClr>
+                </a:solidFill>
+              </a:defRPr>
             </a:lvl5pPr>
             <a:lvl6pPr marL="2286000" indent="0" algn="ctr">
               <a:buNone/>
-              <a:defRPr sz="2000"/>
+              <a:defRPr>
+                <a:solidFill>
+                  <a:schemeClr val="tx1">
+                    <a:tint val="75000"/>
+                  </a:schemeClr>
+                </a:solidFill>
+              </a:defRPr>
             </a:lvl6pPr>
             <a:lvl7pPr marL="2743200" indent="0" algn="ctr">
               <a:buNone/>
-              <a:defRPr sz="2000"/>
+              <a:defRPr>
+                <a:solidFill>
+                  <a:schemeClr val="tx1">
+                    <a:tint val="75000"/>
+                  </a:schemeClr>
+                </a:solidFill>
+              </a:defRPr>
             </a:lvl7pPr>
             <a:lvl8pPr marL="3200400" indent="0" algn="ctr">
               <a:buNone/>
-              <a:defRPr sz="2000"/>
+              <a:defRPr>
+                <a:solidFill>
+                  <a:schemeClr val="tx1">
+                    <a:tint val="75000"/>
+                  </a:schemeClr>
+                </a:solidFill>
+              </a:defRPr>
             </a:lvl8pPr>
             <a:lvl9pPr marL="3657600" indent="0" algn="ctr">
               <a:buNone/>
-              <a:defRPr sz="2000"/>
+              <a:defRPr>
+                <a:solidFill>
+                  <a:schemeClr val="tx1">
+                    <a:tint val="75000"/>
+                  </a:schemeClr>
+                </a:solidFill>
+              </a:defRPr>
             </a:lvl9pPr>
           </a:lstStyle>
           <a:p>
@@ -346,7 +840,7 @@
           <a:p>
             <a:fld id="{D933E509-20CD-44C2-A6F1-23D693B9F666}" type="datetimeFigureOut">
               <a:rPr lang="en-US" smtClean="0"/>
-              <a:t>3/23/2022</a:t>
+              <a:t>4/20/2022</a:t>
             </a:fld>
             <a:endParaRPr lang="en-US"/>
           </a:p>
@@ -394,48 +888,10 @@
           </a:p>
         </p:txBody>
       </p:sp>
-      <p:cxnSp>
-        <p:nvCxnSpPr>
-          <p:cNvPr id="9" name="Straight Connector 8"/>
-          <p:cNvCxnSpPr/>
-          <p:nvPr/>
-        </p:nvCxnSpPr>
-        <p:spPr>
-          <a:xfrm>
-            <a:off x="1207658" y="4343400"/>
-            <a:ext cx="9875520" cy="0"/>
-          </a:xfrm>
-          <a:prstGeom prst="line">
-            <a:avLst/>
-          </a:prstGeom>
-          <a:ln w="6350">
-            <a:solidFill>
-              <a:schemeClr val="tx1">
-                <a:lumMod val="50000"/>
-                <a:lumOff val="50000"/>
-              </a:schemeClr>
-            </a:solidFill>
-          </a:ln>
-        </p:spPr>
-        <p:style>
-          <a:lnRef idx="1">
-            <a:schemeClr val="accent1"/>
-          </a:lnRef>
-          <a:fillRef idx="0">
-            <a:schemeClr val="accent1"/>
-          </a:fillRef>
-          <a:effectRef idx="0">
-            <a:schemeClr val="accent1"/>
-          </a:effectRef>
-          <a:fontRef idx="minor">
-            <a:schemeClr val="tx1"/>
-          </a:fontRef>
-        </p:style>
-      </p:cxnSp>
     </p:spTree>
     <p:extLst>
       <p:ext uri="{BB962C8B-B14F-4D97-AF65-F5344CB8AC3E}">
-        <p14:creationId xmlns:p14="http://schemas.microsoft.com/office/powerpoint/2010/main" val="146161159"/>
+        <p14:creationId xmlns:p14="http://schemas.microsoft.com/office/powerpoint/2010/main" val="3067096760"/>
       </p:ext>
     </p:extLst>
   </p:cSld>
@@ -446,6 +902,1619 @@
 </file>
 
 <file path=ppt/slideLayouts/slideLayout10.xml><?xml version="1.0" encoding="utf-8"?>
+<p:sldLayout xmlns:a="http://schemas.openxmlformats.org/drawingml/2006/main" xmlns:r="http://schemas.openxmlformats.org/officeDocument/2006/relationships" xmlns:p="http://schemas.openxmlformats.org/presentationml/2006/main" preserve="1">
+  <p:cSld name="Title and Caption">
+    <p:spTree>
+      <p:nvGrpSpPr>
+        <p:cNvPr id="1" name=""/>
+        <p:cNvGrpSpPr/>
+        <p:nvPr/>
+      </p:nvGrpSpPr>
+      <p:grpSpPr>
+        <a:xfrm>
+          <a:off x="0" y="0"/>
+          <a:ext cx="0" cy="0"/>
+          <a:chOff x="0" y="0"/>
+          <a:chExt cx="0" cy="0"/>
+        </a:xfrm>
+      </p:grpSpPr>
+      <p:sp>
+        <p:nvSpPr>
+          <p:cNvPr id="2" name="Title 1"/>
+          <p:cNvSpPr>
+            <a:spLocks noGrp="1"/>
+          </p:cNvSpPr>
+          <p:nvPr>
+            <p:ph type="title"/>
+          </p:nvPr>
+        </p:nvSpPr>
+        <p:spPr>
+          <a:xfrm>
+            <a:off x="677335" y="609600"/>
+            <a:ext cx="8596668" cy="3403600"/>
+          </a:xfrm>
+        </p:spPr>
+        <p:txBody>
+          <a:bodyPr anchor="ctr">
+            <a:normAutofit/>
+          </a:bodyPr>
+          <a:lstStyle>
+            <a:lvl1pPr algn="l">
+              <a:defRPr sz="4400" b="0" cap="none"/>
+            </a:lvl1pPr>
+          </a:lstStyle>
+          <a:p>
+            <a:r>
+              <a:rPr lang="en-US"/>
+              <a:t>Click to edit Master title style</a:t>
+            </a:r>
+            <a:endParaRPr lang="en-US" dirty="0"/>
+          </a:p>
+        </p:txBody>
+      </p:sp>
+      <p:sp>
+        <p:nvSpPr>
+          <p:cNvPr id="3" name="Text Placeholder 2"/>
+          <p:cNvSpPr>
+            <a:spLocks noGrp="1"/>
+          </p:cNvSpPr>
+          <p:nvPr>
+            <p:ph type="body" idx="1"/>
+          </p:nvPr>
+        </p:nvSpPr>
+        <p:spPr>
+          <a:xfrm>
+            <a:off x="677335" y="4470400"/>
+            <a:ext cx="8596668" cy="1570962"/>
+          </a:xfrm>
+        </p:spPr>
+        <p:txBody>
+          <a:bodyPr anchor="ctr">
+            <a:normAutofit/>
+          </a:bodyPr>
+          <a:lstStyle>
+            <a:lvl1pPr marL="0" indent="0" algn="l">
+              <a:buNone/>
+              <a:defRPr sz="1800">
+                <a:solidFill>
+                  <a:schemeClr val="tx1">
+                    <a:lumMod val="75000"/>
+                    <a:lumOff val="25000"/>
+                  </a:schemeClr>
+                </a:solidFill>
+              </a:defRPr>
+            </a:lvl1pPr>
+            <a:lvl2pPr marL="457200" indent="0">
+              <a:buNone/>
+              <a:defRPr sz="1800">
+                <a:solidFill>
+                  <a:schemeClr val="tx1">
+                    <a:tint val="75000"/>
+                  </a:schemeClr>
+                </a:solidFill>
+              </a:defRPr>
+            </a:lvl2pPr>
+            <a:lvl3pPr marL="914400" indent="0">
+              <a:buNone/>
+              <a:defRPr sz="1600">
+                <a:solidFill>
+                  <a:schemeClr val="tx1">
+                    <a:tint val="75000"/>
+                  </a:schemeClr>
+                </a:solidFill>
+              </a:defRPr>
+            </a:lvl3pPr>
+            <a:lvl4pPr marL="1371600" indent="0">
+              <a:buNone/>
+              <a:defRPr sz="1400">
+                <a:solidFill>
+                  <a:schemeClr val="tx1">
+                    <a:tint val="75000"/>
+                  </a:schemeClr>
+                </a:solidFill>
+              </a:defRPr>
+            </a:lvl4pPr>
+            <a:lvl5pPr marL="1828800" indent="0">
+              <a:buNone/>
+              <a:defRPr sz="1400">
+                <a:solidFill>
+                  <a:schemeClr val="tx1">
+                    <a:tint val="75000"/>
+                  </a:schemeClr>
+                </a:solidFill>
+              </a:defRPr>
+            </a:lvl5pPr>
+            <a:lvl6pPr marL="2286000" indent="0">
+              <a:buNone/>
+              <a:defRPr sz="1400">
+                <a:solidFill>
+                  <a:schemeClr val="tx1">
+                    <a:tint val="75000"/>
+                  </a:schemeClr>
+                </a:solidFill>
+              </a:defRPr>
+            </a:lvl6pPr>
+            <a:lvl7pPr marL="2743200" indent="0">
+              <a:buNone/>
+              <a:defRPr sz="1400">
+                <a:solidFill>
+                  <a:schemeClr val="tx1">
+                    <a:tint val="75000"/>
+                  </a:schemeClr>
+                </a:solidFill>
+              </a:defRPr>
+            </a:lvl7pPr>
+            <a:lvl8pPr marL="3200400" indent="0">
+              <a:buNone/>
+              <a:defRPr sz="1400">
+                <a:solidFill>
+                  <a:schemeClr val="tx1">
+                    <a:tint val="75000"/>
+                  </a:schemeClr>
+                </a:solidFill>
+              </a:defRPr>
+            </a:lvl8pPr>
+            <a:lvl9pPr marL="3657600" indent="0">
+              <a:buNone/>
+              <a:defRPr sz="1400">
+                <a:solidFill>
+                  <a:schemeClr val="tx1">
+                    <a:tint val="75000"/>
+                  </a:schemeClr>
+                </a:solidFill>
+              </a:defRPr>
+            </a:lvl9pPr>
+          </a:lstStyle>
+          <a:p>
+            <a:pPr lvl="0"/>
+            <a:r>
+              <a:rPr lang="en-US"/>
+              <a:t>Click to edit Master text styles</a:t>
+            </a:r>
+          </a:p>
+        </p:txBody>
+      </p:sp>
+      <p:sp>
+        <p:nvSpPr>
+          <p:cNvPr id="4" name="Date Placeholder 3"/>
+          <p:cNvSpPr>
+            <a:spLocks noGrp="1"/>
+          </p:cNvSpPr>
+          <p:nvPr>
+            <p:ph type="dt" sz="half" idx="10"/>
+          </p:nvPr>
+        </p:nvSpPr>
+        <p:spPr/>
+        <p:txBody>
+          <a:bodyPr/>
+          <a:lstStyle/>
+          <a:p>
+            <a:fld id="{D933E509-20CD-44C2-A6F1-23D693B9F666}" type="datetimeFigureOut">
+              <a:rPr lang="en-US" smtClean="0"/>
+              <a:t>4/20/2022</a:t>
+            </a:fld>
+            <a:endParaRPr lang="en-US"/>
+          </a:p>
+        </p:txBody>
+      </p:sp>
+      <p:sp>
+        <p:nvSpPr>
+          <p:cNvPr id="5" name="Footer Placeholder 4"/>
+          <p:cNvSpPr>
+            <a:spLocks noGrp="1"/>
+          </p:cNvSpPr>
+          <p:nvPr>
+            <p:ph type="ftr" sz="quarter" idx="11"/>
+          </p:nvPr>
+        </p:nvSpPr>
+        <p:spPr/>
+        <p:txBody>
+          <a:bodyPr/>
+          <a:lstStyle/>
+          <a:p>
+            <a:endParaRPr lang="en-US"/>
+          </a:p>
+        </p:txBody>
+      </p:sp>
+      <p:sp>
+        <p:nvSpPr>
+          <p:cNvPr id="6" name="Slide Number Placeholder 5"/>
+          <p:cNvSpPr>
+            <a:spLocks noGrp="1"/>
+          </p:cNvSpPr>
+          <p:nvPr>
+            <p:ph type="sldNum" sz="quarter" idx="12"/>
+          </p:nvPr>
+        </p:nvSpPr>
+        <p:spPr/>
+        <p:txBody>
+          <a:bodyPr/>
+          <a:lstStyle/>
+          <a:p>
+            <a:fld id="{41D5E322-ADDD-46D9-B39F-A10D8AD1626A}" type="slidenum">
+              <a:rPr lang="en-US" smtClean="0"/>
+              <a:t>‹#›</a:t>
+            </a:fld>
+            <a:endParaRPr lang="en-US"/>
+          </a:p>
+        </p:txBody>
+      </p:sp>
+    </p:spTree>
+    <p:extLst>
+      <p:ext uri="{BB962C8B-B14F-4D97-AF65-F5344CB8AC3E}">
+        <p14:creationId xmlns:p14="http://schemas.microsoft.com/office/powerpoint/2010/main" val="3977718121"/>
+      </p:ext>
+    </p:extLst>
+  </p:cSld>
+  <p:clrMapOvr>
+    <a:masterClrMapping/>
+  </p:clrMapOvr>
+</p:sldLayout>
+</file>
+
+<file path=ppt/slideLayouts/slideLayout11.xml><?xml version="1.0" encoding="utf-8"?>
+<p:sldLayout xmlns:a="http://schemas.openxmlformats.org/drawingml/2006/main" xmlns:r="http://schemas.openxmlformats.org/officeDocument/2006/relationships" xmlns:p="http://schemas.openxmlformats.org/presentationml/2006/main" preserve="1">
+  <p:cSld name="Quote with Caption">
+    <p:spTree>
+      <p:nvGrpSpPr>
+        <p:cNvPr id="1" name=""/>
+        <p:cNvGrpSpPr/>
+        <p:nvPr/>
+      </p:nvGrpSpPr>
+      <p:grpSpPr>
+        <a:xfrm>
+          <a:off x="0" y="0"/>
+          <a:ext cx="0" cy="0"/>
+          <a:chOff x="0" y="0"/>
+          <a:chExt cx="0" cy="0"/>
+        </a:xfrm>
+      </p:grpSpPr>
+      <p:sp>
+        <p:nvSpPr>
+          <p:cNvPr id="2" name="Title 1"/>
+          <p:cNvSpPr>
+            <a:spLocks noGrp="1"/>
+          </p:cNvSpPr>
+          <p:nvPr>
+            <p:ph type="title"/>
+          </p:nvPr>
+        </p:nvSpPr>
+        <p:spPr>
+          <a:xfrm>
+            <a:off x="931334" y="609600"/>
+            <a:ext cx="8094134" cy="3022600"/>
+          </a:xfrm>
+        </p:spPr>
+        <p:txBody>
+          <a:bodyPr anchor="ctr">
+            <a:normAutofit/>
+          </a:bodyPr>
+          <a:lstStyle>
+            <a:lvl1pPr algn="l">
+              <a:defRPr sz="4400" b="0" cap="none"/>
+            </a:lvl1pPr>
+          </a:lstStyle>
+          <a:p>
+            <a:r>
+              <a:rPr lang="en-US"/>
+              <a:t>Click to edit Master title style</a:t>
+            </a:r>
+            <a:endParaRPr lang="en-US" dirty="0"/>
+          </a:p>
+        </p:txBody>
+      </p:sp>
+      <p:sp>
+        <p:nvSpPr>
+          <p:cNvPr id="23" name="Text Placeholder 9"/>
+          <p:cNvSpPr>
+            <a:spLocks noGrp="1"/>
+          </p:cNvSpPr>
+          <p:nvPr>
+            <p:ph type="body" sz="quarter" idx="13"/>
+          </p:nvPr>
+        </p:nvSpPr>
+        <p:spPr>
+          <a:xfrm>
+            <a:off x="1366139" y="3632200"/>
+            <a:ext cx="7224524" cy="381000"/>
+          </a:xfrm>
+        </p:spPr>
+        <p:txBody>
+          <a:bodyPr anchor="ctr">
+            <a:noAutofit/>
+          </a:bodyPr>
+          <a:lstStyle>
+            <a:lvl1pPr marL="0" indent="0">
+              <a:buFontTx/>
+              <a:buNone/>
+              <a:defRPr sz="1600">
+                <a:solidFill>
+                  <a:schemeClr val="tx1">
+                    <a:lumMod val="50000"/>
+                    <a:lumOff val="50000"/>
+                  </a:schemeClr>
+                </a:solidFill>
+              </a:defRPr>
+            </a:lvl1pPr>
+            <a:lvl2pPr marL="457200" indent="0">
+              <a:buFontTx/>
+              <a:buNone/>
+              <a:defRPr/>
+            </a:lvl2pPr>
+            <a:lvl3pPr marL="914400" indent="0">
+              <a:buFontTx/>
+              <a:buNone/>
+              <a:defRPr/>
+            </a:lvl3pPr>
+            <a:lvl4pPr marL="1371600" indent="0">
+              <a:buFontTx/>
+              <a:buNone/>
+              <a:defRPr/>
+            </a:lvl4pPr>
+            <a:lvl5pPr marL="1828800" indent="0">
+              <a:buFontTx/>
+              <a:buNone/>
+              <a:defRPr/>
+            </a:lvl5pPr>
+          </a:lstStyle>
+          <a:p>
+            <a:pPr lvl="0"/>
+            <a:r>
+              <a:rPr lang="en-US"/>
+              <a:t>Click to edit Master text styles</a:t>
+            </a:r>
+          </a:p>
+        </p:txBody>
+      </p:sp>
+      <p:sp>
+        <p:nvSpPr>
+          <p:cNvPr id="3" name="Text Placeholder 2"/>
+          <p:cNvSpPr>
+            <a:spLocks noGrp="1"/>
+          </p:cNvSpPr>
+          <p:nvPr>
+            <p:ph type="body" idx="1"/>
+          </p:nvPr>
+        </p:nvSpPr>
+        <p:spPr>
+          <a:xfrm>
+            <a:off x="677335" y="4470400"/>
+            <a:ext cx="8596668" cy="1570962"/>
+          </a:xfrm>
+        </p:spPr>
+        <p:txBody>
+          <a:bodyPr anchor="ctr">
+            <a:normAutofit/>
+          </a:bodyPr>
+          <a:lstStyle>
+            <a:lvl1pPr marL="0" indent="0" algn="l">
+              <a:buNone/>
+              <a:defRPr sz="1800">
+                <a:solidFill>
+                  <a:schemeClr val="tx1">
+                    <a:lumMod val="75000"/>
+                    <a:lumOff val="25000"/>
+                  </a:schemeClr>
+                </a:solidFill>
+              </a:defRPr>
+            </a:lvl1pPr>
+            <a:lvl2pPr marL="457200" indent="0">
+              <a:buNone/>
+              <a:defRPr sz="1800">
+                <a:solidFill>
+                  <a:schemeClr val="tx1">
+                    <a:tint val="75000"/>
+                  </a:schemeClr>
+                </a:solidFill>
+              </a:defRPr>
+            </a:lvl2pPr>
+            <a:lvl3pPr marL="914400" indent="0">
+              <a:buNone/>
+              <a:defRPr sz="1600">
+                <a:solidFill>
+                  <a:schemeClr val="tx1">
+                    <a:tint val="75000"/>
+                  </a:schemeClr>
+                </a:solidFill>
+              </a:defRPr>
+            </a:lvl3pPr>
+            <a:lvl4pPr marL="1371600" indent="0">
+              <a:buNone/>
+              <a:defRPr sz="1400">
+                <a:solidFill>
+                  <a:schemeClr val="tx1">
+                    <a:tint val="75000"/>
+                  </a:schemeClr>
+                </a:solidFill>
+              </a:defRPr>
+            </a:lvl4pPr>
+            <a:lvl5pPr marL="1828800" indent="0">
+              <a:buNone/>
+              <a:defRPr sz="1400">
+                <a:solidFill>
+                  <a:schemeClr val="tx1">
+                    <a:tint val="75000"/>
+                  </a:schemeClr>
+                </a:solidFill>
+              </a:defRPr>
+            </a:lvl5pPr>
+            <a:lvl6pPr marL="2286000" indent="0">
+              <a:buNone/>
+              <a:defRPr sz="1400">
+                <a:solidFill>
+                  <a:schemeClr val="tx1">
+                    <a:tint val="75000"/>
+                  </a:schemeClr>
+                </a:solidFill>
+              </a:defRPr>
+            </a:lvl6pPr>
+            <a:lvl7pPr marL="2743200" indent="0">
+              <a:buNone/>
+              <a:defRPr sz="1400">
+                <a:solidFill>
+                  <a:schemeClr val="tx1">
+                    <a:tint val="75000"/>
+                  </a:schemeClr>
+                </a:solidFill>
+              </a:defRPr>
+            </a:lvl7pPr>
+            <a:lvl8pPr marL="3200400" indent="0">
+              <a:buNone/>
+              <a:defRPr sz="1400">
+                <a:solidFill>
+                  <a:schemeClr val="tx1">
+                    <a:tint val="75000"/>
+                  </a:schemeClr>
+                </a:solidFill>
+              </a:defRPr>
+            </a:lvl8pPr>
+            <a:lvl9pPr marL="3657600" indent="0">
+              <a:buNone/>
+              <a:defRPr sz="1400">
+                <a:solidFill>
+                  <a:schemeClr val="tx1">
+                    <a:tint val="75000"/>
+                  </a:schemeClr>
+                </a:solidFill>
+              </a:defRPr>
+            </a:lvl9pPr>
+          </a:lstStyle>
+          <a:p>
+            <a:pPr lvl="0"/>
+            <a:r>
+              <a:rPr lang="en-US"/>
+              <a:t>Click to edit Master text styles</a:t>
+            </a:r>
+          </a:p>
+        </p:txBody>
+      </p:sp>
+      <p:sp>
+        <p:nvSpPr>
+          <p:cNvPr id="4" name="Date Placeholder 3"/>
+          <p:cNvSpPr>
+            <a:spLocks noGrp="1"/>
+          </p:cNvSpPr>
+          <p:nvPr>
+            <p:ph type="dt" sz="half" idx="10"/>
+          </p:nvPr>
+        </p:nvSpPr>
+        <p:spPr/>
+        <p:txBody>
+          <a:bodyPr/>
+          <a:lstStyle/>
+          <a:p>
+            <a:fld id="{D933E509-20CD-44C2-A6F1-23D693B9F666}" type="datetimeFigureOut">
+              <a:rPr lang="en-US" smtClean="0"/>
+              <a:t>4/20/2022</a:t>
+            </a:fld>
+            <a:endParaRPr lang="en-US"/>
+          </a:p>
+        </p:txBody>
+      </p:sp>
+      <p:sp>
+        <p:nvSpPr>
+          <p:cNvPr id="5" name="Footer Placeholder 4"/>
+          <p:cNvSpPr>
+            <a:spLocks noGrp="1"/>
+          </p:cNvSpPr>
+          <p:nvPr>
+            <p:ph type="ftr" sz="quarter" idx="11"/>
+          </p:nvPr>
+        </p:nvSpPr>
+        <p:spPr/>
+        <p:txBody>
+          <a:bodyPr/>
+          <a:lstStyle/>
+          <a:p>
+            <a:endParaRPr lang="en-US"/>
+          </a:p>
+        </p:txBody>
+      </p:sp>
+      <p:sp>
+        <p:nvSpPr>
+          <p:cNvPr id="6" name="Slide Number Placeholder 5"/>
+          <p:cNvSpPr>
+            <a:spLocks noGrp="1"/>
+          </p:cNvSpPr>
+          <p:nvPr>
+            <p:ph type="sldNum" sz="quarter" idx="12"/>
+          </p:nvPr>
+        </p:nvSpPr>
+        <p:spPr/>
+        <p:txBody>
+          <a:bodyPr/>
+          <a:lstStyle/>
+          <a:p>
+            <a:fld id="{41D5E322-ADDD-46D9-B39F-A10D8AD1626A}" type="slidenum">
+              <a:rPr lang="en-US" smtClean="0"/>
+              <a:t>‹#›</a:t>
+            </a:fld>
+            <a:endParaRPr lang="en-US"/>
+          </a:p>
+        </p:txBody>
+      </p:sp>
+      <p:sp>
+        <p:nvSpPr>
+          <p:cNvPr id="20" name="TextBox 19"/>
+          <p:cNvSpPr txBox="1"/>
+          <p:nvPr/>
+        </p:nvSpPr>
+        <p:spPr>
+          <a:xfrm>
+            <a:off x="541870" y="790378"/>
+            <a:ext cx="609600" cy="584776"/>
+          </a:xfrm>
+          <a:prstGeom prst="rect">
+            <a:avLst/>
+          </a:prstGeom>
+        </p:spPr>
+        <p:txBody>
+          <a:bodyPr vert="horz" lIns="91440" tIns="45720" rIns="91440" bIns="45720" rtlCol="0" anchor="ctr">
+            <a:noAutofit/>
+          </a:bodyPr>
+          <a:lstStyle/>
+          <a:p>
+            <a:pPr lvl="0"/>
+            <a:r>
+              <a:rPr lang="en-US" sz="8000" baseline="0" dirty="0">
+                <a:ln w="3175" cmpd="sng">
+                  <a:noFill/>
+                </a:ln>
+                <a:solidFill>
+                  <a:schemeClr val="accent1">
+                    <a:lumMod val="60000"/>
+                    <a:lumOff val="40000"/>
+                  </a:schemeClr>
+                </a:solidFill>
+                <a:effectLst/>
+                <a:latin typeface="Arial"/>
+              </a:rPr>
+              <a:t>“</a:t>
+            </a:r>
+          </a:p>
+        </p:txBody>
+      </p:sp>
+      <p:sp>
+        <p:nvSpPr>
+          <p:cNvPr id="22" name="TextBox 21"/>
+          <p:cNvSpPr txBox="1"/>
+          <p:nvPr/>
+        </p:nvSpPr>
+        <p:spPr>
+          <a:xfrm>
+            <a:off x="8893011" y="2886556"/>
+            <a:ext cx="609600" cy="584776"/>
+          </a:xfrm>
+          <a:prstGeom prst="rect">
+            <a:avLst/>
+          </a:prstGeom>
+        </p:spPr>
+        <p:txBody>
+          <a:bodyPr vert="horz" lIns="91440" tIns="45720" rIns="91440" bIns="45720" rtlCol="0" anchor="ctr">
+            <a:noAutofit/>
+          </a:bodyPr>
+          <a:lstStyle/>
+          <a:p>
+            <a:pPr lvl="0"/>
+            <a:r>
+              <a:rPr lang="en-US" sz="8000" baseline="0" dirty="0">
+                <a:ln w="3175" cmpd="sng">
+                  <a:noFill/>
+                </a:ln>
+                <a:solidFill>
+                  <a:schemeClr val="accent1">
+                    <a:lumMod val="60000"/>
+                    <a:lumOff val="40000"/>
+                  </a:schemeClr>
+                </a:solidFill>
+                <a:latin typeface="Arial"/>
+              </a:rPr>
+              <a:t>”</a:t>
+            </a:r>
+            <a:endParaRPr lang="en-US" dirty="0">
+              <a:solidFill>
+                <a:schemeClr val="accent1">
+                  <a:lumMod val="60000"/>
+                  <a:lumOff val="40000"/>
+                </a:schemeClr>
+              </a:solidFill>
+              <a:latin typeface="Arial"/>
+            </a:endParaRPr>
+          </a:p>
+        </p:txBody>
+      </p:sp>
+    </p:spTree>
+    <p:extLst>
+      <p:ext uri="{BB962C8B-B14F-4D97-AF65-F5344CB8AC3E}">
+        <p14:creationId xmlns:p14="http://schemas.microsoft.com/office/powerpoint/2010/main" val="3221430752"/>
+      </p:ext>
+    </p:extLst>
+  </p:cSld>
+  <p:clrMapOvr>
+    <a:masterClrMapping/>
+  </p:clrMapOvr>
+</p:sldLayout>
+</file>
+
+<file path=ppt/slideLayouts/slideLayout12.xml><?xml version="1.0" encoding="utf-8"?>
+<p:sldLayout xmlns:a="http://schemas.openxmlformats.org/drawingml/2006/main" xmlns:r="http://schemas.openxmlformats.org/officeDocument/2006/relationships" xmlns:p="http://schemas.openxmlformats.org/presentationml/2006/main" preserve="1">
+  <p:cSld name="Name Card">
+    <p:spTree>
+      <p:nvGrpSpPr>
+        <p:cNvPr id="1" name=""/>
+        <p:cNvGrpSpPr/>
+        <p:nvPr/>
+      </p:nvGrpSpPr>
+      <p:grpSpPr>
+        <a:xfrm>
+          <a:off x="0" y="0"/>
+          <a:ext cx="0" cy="0"/>
+          <a:chOff x="0" y="0"/>
+          <a:chExt cx="0" cy="0"/>
+        </a:xfrm>
+      </p:grpSpPr>
+      <p:sp>
+        <p:nvSpPr>
+          <p:cNvPr id="2" name="Title 1"/>
+          <p:cNvSpPr>
+            <a:spLocks noGrp="1"/>
+          </p:cNvSpPr>
+          <p:nvPr>
+            <p:ph type="title"/>
+          </p:nvPr>
+        </p:nvSpPr>
+        <p:spPr>
+          <a:xfrm>
+            <a:off x="677335" y="1931988"/>
+            <a:ext cx="8596668" cy="2595460"/>
+          </a:xfrm>
+        </p:spPr>
+        <p:txBody>
+          <a:bodyPr anchor="b">
+            <a:normAutofit/>
+          </a:bodyPr>
+          <a:lstStyle>
+            <a:lvl1pPr algn="l">
+              <a:defRPr sz="4400" b="0" cap="none"/>
+            </a:lvl1pPr>
+          </a:lstStyle>
+          <a:p>
+            <a:r>
+              <a:rPr lang="en-US"/>
+              <a:t>Click to edit Master title style</a:t>
+            </a:r>
+            <a:endParaRPr lang="en-US" dirty="0"/>
+          </a:p>
+        </p:txBody>
+      </p:sp>
+      <p:sp>
+        <p:nvSpPr>
+          <p:cNvPr id="3" name="Text Placeholder 2"/>
+          <p:cNvSpPr>
+            <a:spLocks noGrp="1"/>
+          </p:cNvSpPr>
+          <p:nvPr>
+            <p:ph type="body" idx="1"/>
+          </p:nvPr>
+        </p:nvSpPr>
+        <p:spPr>
+          <a:xfrm>
+            <a:off x="677335" y="4527448"/>
+            <a:ext cx="8596668" cy="1513914"/>
+          </a:xfrm>
+        </p:spPr>
+        <p:txBody>
+          <a:bodyPr anchor="t">
+            <a:normAutofit/>
+          </a:bodyPr>
+          <a:lstStyle>
+            <a:lvl1pPr marL="0" indent="0" algn="l">
+              <a:buNone/>
+              <a:defRPr sz="1800">
+                <a:solidFill>
+                  <a:schemeClr val="tx1">
+                    <a:lumMod val="75000"/>
+                    <a:lumOff val="25000"/>
+                  </a:schemeClr>
+                </a:solidFill>
+              </a:defRPr>
+            </a:lvl1pPr>
+            <a:lvl2pPr marL="457200" indent="0">
+              <a:buNone/>
+              <a:defRPr sz="1800">
+                <a:solidFill>
+                  <a:schemeClr val="tx1">
+                    <a:tint val="75000"/>
+                  </a:schemeClr>
+                </a:solidFill>
+              </a:defRPr>
+            </a:lvl2pPr>
+            <a:lvl3pPr marL="914400" indent="0">
+              <a:buNone/>
+              <a:defRPr sz="1600">
+                <a:solidFill>
+                  <a:schemeClr val="tx1">
+                    <a:tint val="75000"/>
+                  </a:schemeClr>
+                </a:solidFill>
+              </a:defRPr>
+            </a:lvl3pPr>
+            <a:lvl4pPr marL="1371600" indent="0">
+              <a:buNone/>
+              <a:defRPr sz="1400">
+                <a:solidFill>
+                  <a:schemeClr val="tx1">
+                    <a:tint val="75000"/>
+                  </a:schemeClr>
+                </a:solidFill>
+              </a:defRPr>
+            </a:lvl4pPr>
+            <a:lvl5pPr marL="1828800" indent="0">
+              <a:buNone/>
+              <a:defRPr sz="1400">
+                <a:solidFill>
+                  <a:schemeClr val="tx1">
+                    <a:tint val="75000"/>
+                  </a:schemeClr>
+                </a:solidFill>
+              </a:defRPr>
+            </a:lvl5pPr>
+            <a:lvl6pPr marL="2286000" indent="0">
+              <a:buNone/>
+              <a:defRPr sz="1400">
+                <a:solidFill>
+                  <a:schemeClr val="tx1">
+                    <a:tint val="75000"/>
+                  </a:schemeClr>
+                </a:solidFill>
+              </a:defRPr>
+            </a:lvl6pPr>
+            <a:lvl7pPr marL="2743200" indent="0">
+              <a:buNone/>
+              <a:defRPr sz="1400">
+                <a:solidFill>
+                  <a:schemeClr val="tx1">
+                    <a:tint val="75000"/>
+                  </a:schemeClr>
+                </a:solidFill>
+              </a:defRPr>
+            </a:lvl7pPr>
+            <a:lvl8pPr marL="3200400" indent="0">
+              <a:buNone/>
+              <a:defRPr sz="1400">
+                <a:solidFill>
+                  <a:schemeClr val="tx1">
+                    <a:tint val="75000"/>
+                  </a:schemeClr>
+                </a:solidFill>
+              </a:defRPr>
+            </a:lvl8pPr>
+            <a:lvl9pPr marL="3657600" indent="0">
+              <a:buNone/>
+              <a:defRPr sz="1400">
+                <a:solidFill>
+                  <a:schemeClr val="tx1">
+                    <a:tint val="75000"/>
+                  </a:schemeClr>
+                </a:solidFill>
+              </a:defRPr>
+            </a:lvl9pPr>
+          </a:lstStyle>
+          <a:p>
+            <a:pPr lvl="0"/>
+            <a:r>
+              <a:rPr lang="en-US"/>
+              <a:t>Click to edit Master text styles</a:t>
+            </a:r>
+          </a:p>
+        </p:txBody>
+      </p:sp>
+      <p:sp>
+        <p:nvSpPr>
+          <p:cNvPr id="4" name="Date Placeholder 3"/>
+          <p:cNvSpPr>
+            <a:spLocks noGrp="1"/>
+          </p:cNvSpPr>
+          <p:nvPr>
+            <p:ph type="dt" sz="half" idx="10"/>
+          </p:nvPr>
+        </p:nvSpPr>
+        <p:spPr/>
+        <p:txBody>
+          <a:bodyPr/>
+          <a:lstStyle/>
+          <a:p>
+            <a:fld id="{D933E509-20CD-44C2-A6F1-23D693B9F666}" type="datetimeFigureOut">
+              <a:rPr lang="en-US" smtClean="0"/>
+              <a:t>4/20/2022</a:t>
+            </a:fld>
+            <a:endParaRPr lang="en-US"/>
+          </a:p>
+        </p:txBody>
+      </p:sp>
+      <p:sp>
+        <p:nvSpPr>
+          <p:cNvPr id="5" name="Footer Placeholder 4"/>
+          <p:cNvSpPr>
+            <a:spLocks noGrp="1"/>
+          </p:cNvSpPr>
+          <p:nvPr>
+            <p:ph type="ftr" sz="quarter" idx="11"/>
+          </p:nvPr>
+        </p:nvSpPr>
+        <p:spPr/>
+        <p:txBody>
+          <a:bodyPr/>
+          <a:lstStyle/>
+          <a:p>
+            <a:endParaRPr lang="en-US"/>
+          </a:p>
+        </p:txBody>
+      </p:sp>
+      <p:sp>
+        <p:nvSpPr>
+          <p:cNvPr id="6" name="Slide Number Placeholder 5"/>
+          <p:cNvSpPr>
+            <a:spLocks noGrp="1"/>
+          </p:cNvSpPr>
+          <p:nvPr>
+            <p:ph type="sldNum" sz="quarter" idx="12"/>
+          </p:nvPr>
+        </p:nvSpPr>
+        <p:spPr/>
+        <p:txBody>
+          <a:bodyPr/>
+          <a:lstStyle/>
+          <a:p>
+            <a:fld id="{41D5E322-ADDD-46D9-B39F-A10D8AD1626A}" type="slidenum">
+              <a:rPr lang="en-US" smtClean="0"/>
+              <a:t>‹#›</a:t>
+            </a:fld>
+            <a:endParaRPr lang="en-US"/>
+          </a:p>
+        </p:txBody>
+      </p:sp>
+    </p:spTree>
+    <p:extLst>
+      <p:ext uri="{BB962C8B-B14F-4D97-AF65-F5344CB8AC3E}">
+        <p14:creationId xmlns:p14="http://schemas.microsoft.com/office/powerpoint/2010/main" val="4152425019"/>
+      </p:ext>
+    </p:extLst>
+  </p:cSld>
+  <p:clrMapOvr>
+    <a:masterClrMapping/>
+  </p:clrMapOvr>
+</p:sldLayout>
+</file>
+
+<file path=ppt/slideLayouts/slideLayout13.xml><?xml version="1.0" encoding="utf-8"?>
+<p:sldLayout xmlns:a="http://schemas.openxmlformats.org/drawingml/2006/main" xmlns:r="http://schemas.openxmlformats.org/officeDocument/2006/relationships" xmlns:p="http://schemas.openxmlformats.org/presentationml/2006/main" preserve="1">
+  <p:cSld name="Quote Name Card">
+    <p:spTree>
+      <p:nvGrpSpPr>
+        <p:cNvPr id="1" name=""/>
+        <p:cNvGrpSpPr/>
+        <p:nvPr/>
+      </p:nvGrpSpPr>
+      <p:grpSpPr>
+        <a:xfrm>
+          <a:off x="0" y="0"/>
+          <a:ext cx="0" cy="0"/>
+          <a:chOff x="0" y="0"/>
+          <a:chExt cx="0" cy="0"/>
+        </a:xfrm>
+      </p:grpSpPr>
+      <p:sp>
+        <p:nvSpPr>
+          <p:cNvPr id="2" name="Title 1"/>
+          <p:cNvSpPr>
+            <a:spLocks noGrp="1"/>
+          </p:cNvSpPr>
+          <p:nvPr>
+            <p:ph type="title"/>
+          </p:nvPr>
+        </p:nvSpPr>
+        <p:spPr>
+          <a:xfrm>
+            <a:off x="931334" y="609600"/>
+            <a:ext cx="8094134" cy="3022600"/>
+          </a:xfrm>
+        </p:spPr>
+        <p:txBody>
+          <a:bodyPr anchor="ctr">
+            <a:normAutofit/>
+          </a:bodyPr>
+          <a:lstStyle>
+            <a:lvl1pPr algn="l">
+              <a:defRPr sz="4400" b="0" cap="none"/>
+            </a:lvl1pPr>
+          </a:lstStyle>
+          <a:p>
+            <a:r>
+              <a:rPr lang="en-US"/>
+              <a:t>Click to edit Master title style</a:t>
+            </a:r>
+            <a:endParaRPr lang="en-US" dirty="0"/>
+          </a:p>
+        </p:txBody>
+      </p:sp>
+      <p:sp>
+        <p:nvSpPr>
+          <p:cNvPr id="23" name="Text Placeholder 9"/>
+          <p:cNvSpPr>
+            <a:spLocks noGrp="1"/>
+          </p:cNvSpPr>
+          <p:nvPr>
+            <p:ph type="body" sz="quarter" idx="13"/>
+          </p:nvPr>
+        </p:nvSpPr>
+        <p:spPr>
+          <a:xfrm>
+            <a:off x="677332" y="4013200"/>
+            <a:ext cx="8596669" cy="514248"/>
+          </a:xfrm>
+        </p:spPr>
+        <p:txBody>
+          <a:bodyPr anchor="b">
+            <a:noAutofit/>
+          </a:bodyPr>
+          <a:lstStyle>
+            <a:lvl1pPr marL="0" indent="0">
+              <a:buFontTx/>
+              <a:buNone/>
+              <a:defRPr sz="2400">
+                <a:solidFill>
+                  <a:schemeClr val="tx1">
+                    <a:lumMod val="75000"/>
+                    <a:lumOff val="25000"/>
+                  </a:schemeClr>
+                </a:solidFill>
+              </a:defRPr>
+            </a:lvl1pPr>
+            <a:lvl2pPr marL="457200" indent="0">
+              <a:buFontTx/>
+              <a:buNone/>
+              <a:defRPr/>
+            </a:lvl2pPr>
+            <a:lvl3pPr marL="914400" indent="0">
+              <a:buFontTx/>
+              <a:buNone/>
+              <a:defRPr/>
+            </a:lvl3pPr>
+            <a:lvl4pPr marL="1371600" indent="0">
+              <a:buFontTx/>
+              <a:buNone/>
+              <a:defRPr/>
+            </a:lvl4pPr>
+            <a:lvl5pPr marL="1828800" indent="0">
+              <a:buFontTx/>
+              <a:buNone/>
+              <a:defRPr/>
+            </a:lvl5pPr>
+          </a:lstStyle>
+          <a:p>
+            <a:pPr lvl="0"/>
+            <a:r>
+              <a:rPr lang="en-US"/>
+              <a:t>Click to edit Master text styles</a:t>
+            </a:r>
+          </a:p>
+        </p:txBody>
+      </p:sp>
+      <p:sp>
+        <p:nvSpPr>
+          <p:cNvPr id="3" name="Text Placeholder 2"/>
+          <p:cNvSpPr>
+            <a:spLocks noGrp="1"/>
+          </p:cNvSpPr>
+          <p:nvPr>
+            <p:ph type="body" idx="1"/>
+          </p:nvPr>
+        </p:nvSpPr>
+        <p:spPr>
+          <a:xfrm>
+            <a:off x="677335" y="4527448"/>
+            <a:ext cx="8596668" cy="1513914"/>
+          </a:xfrm>
+        </p:spPr>
+        <p:txBody>
+          <a:bodyPr anchor="t">
+            <a:normAutofit/>
+          </a:bodyPr>
+          <a:lstStyle>
+            <a:lvl1pPr marL="0" indent="0" algn="l">
+              <a:buNone/>
+              <a:defRPr sz="1800">
+                <a:solidFill>
+                  <a:schemeClr val="tx1">
+                    <a:lumMod val="50000"/>
+                    <a:lumOff val="50000"/>
+                  </a:schemeClr>
+                </a:solidFill>
+              </a:defRPr>
+            </a:lvl1pPr>
+            <a:lvl2pPr marL="457200" indent="0">
+              <a:buNone/>
+              <a:defRPr sz="1800">
+                <a:solidFill>
+                  <a:schemeClr val="tx1">
+                    <a:tint val="75000"/>
+                  </a:schemeClr>
+                </a:solidFill>
+              </a:defRPr>
+            </a:lvl2pPr>
+            <a:lvl3pPr marL="914400" indent="0">
+              <a:buNone/>
+              <a:defRPr sz="1600">
+                <a:solidFill>
+                  <a:schemeClr val="tx1">
+                    <a:tint val="75000"/>
+                  </a:schemeClr>
+                </a:solidFill>
+              </a:defRPr>
+            </a:lvl3pPr>
+            <a:lvl4pPr marL="1371600" indent="0">
+              <a:buNone/>
+              <a:defRPr sz="1400">
+                <a:solidFill>
+                  <a:schemeClr val="tx1">
+                    <a:tint val="75000"/>
+                  </a:schemeClr>
+                </a:solidFill>
+              </a:defRPr>
+            </a:lvl4pPr>
+            <a:lvl5pPr marL="1828800" indent="0">
+              <a:buNone/>
+              <a:defRPr sz="1400">
+                <a:solidFill>
+                  <a:schemeClr val="tx1">
+                    <a:tint val="75000"/>
+                  </a:schemeClr>
+                </a:solidFill>
+              </a:defRPr>
+            </a:lvl5pPr>
+            <a:lvl6pPr marL="2286000" indent="0">
+              <a:buNone/>
+              <a:defRPr sz="1400">
+                <a:solidFill>
+                  <a:schemeClr val="tx1">
+                    <a:tint val="75000"/>
+                  </a:schemeClr>
+                </a:solidFill>
+              </a:defRPr>
+            </a:lvl6pPr>
+            <a:lvl7pPr marL="2743200" indent="0">
+              <a:buNone/>
+              <a:defRPr sz="1400">
+                <a:solidFill>
+                  <a:schemeClr val="tx1">
+                    <a:tint val="75000"/>
+                  </a:schemeClr>
+                </a:solidFill>
+              </a:defRPr>
+            </a:lvl7pPr>
+            <a:lvl8pPr marL="3200400" indent="0">
+              <a:buNone/>
+              <a:defRPr sz="1400">
+                <a:solidFill>
+                  <a:schemeClr val="tx1">
+                    <a:tint val="75000"/>
+                  </a:schemeClr>
+                </a:solidFill>
+              </a:defRPr>
+            </a:lvl8pPr>
+            <a:lvl9pPr marL="3657600" indent="0">
+              <a:buNone/>
+              <a:defRPr sz="1400">
+                <a:solidFill>
+                  <a:schemeClr val="tx1">
+                    <a:tint val="75000"/>
+                  </a:schemeClr>
+                </a:solidFill>
+              </a:defRPr>
+            </a:lvl9pPr>
+          </a:lstStyle>
+          <a:p>
+            <a:pPr lvl="0"/>
+            <a:r>
+              <a:rPr lang="en-US"/>
+              <a:t>Click to edit Master text styles</a:t>
+            </a:r>
+          </a:p>
+        </p:txBody>
+      </p:sp>
+      <p:sp>
+        <p:nvSpPr>
+          <p:cNvPr id="4" name="Date Placeholder 3"/>
+          <p:cNvSpPr>
+            <a:spLocks noGrp="1"/>
+          </p:cNvSpPr>
+          <p:nvPr>
+            <p:ph type="dt" sz="half" idx="10"/>
+          </p:nvPr>
+        </p:nvSpPr>
+        <p:spPr/>
+        <p:txBody>
+          <a:bodyPr/>
+          <a:lstStyle/>
+          <a:p>
+            <a:fld id="{D933E509-20CD-44C2-A6F1-23D693B9F666}" type="datetimeFigureOut">
+              <a:rPr lang="en-US" smtClean="0"/>
+              <a:t>4/20/2022</a:t>
+            </a:fld>
+            <a:endParaRPr lang="en-US"/>
+          </a:p>
+        </p:txBody>
+      </p:sp>
+      <p:sp>
+        <p:nvSpPr>
+          <p:cNvPr id="5" name="Footer Placeholder 4"/>
+          <p:cNvSpPr>
+            <a:spLocks noGrp="1"/>
+          </p:cNvSpPr>
+          <p:nvPr>
+            <p:ph type="ftr" sz="quarter" idx="11"/>
+          </p:nvPr>
+        </p:nvSpPr>
+        <p:spPr/>
+        <p:txBody>
+          <a:bodyPr/>
+          <a:lstStyle/>
+          <a:p>
+            <a:endParaRPr lang="en-US"/>
+          </a:p>
+        </p:txBody>
+      </p:sp>
+      <p:sp>
+        <p:nvSpPr>
+          <p:cNvPr id="6" name="Slide Number Placeholder 5"/>
+          <p:cNvSpPr>
+            <a:spLocks noGrp="1"/>
+          </p:cNvSpPr>
+          <p:nvPr>
+            <p:ph type="sldNum" sz="quarter" idx="12"/>
+          </p:nvPr>
+        </p:nvSpPr>
+        <p:spPr/>
+        <p:txBody>
+          <a:bodyPr/>
+          <a:lstStyle/>
+          <a:p>
+            <a:fld id="{41D5E322-ADDD-46D9-B39F-A10D8AD1626A}" type="slidenum">
+              <a:rPr lang="en-US" smtClean="0"/>
+              <a:t>‹#›</a:t>
+            </a:fld>
+            <a:endParaRPr lang="en-US"/>
+          </a:p>
+        </p:txBody>
+      </p:sp>
+      <p:sp>
+        <p:nvSpPr>
+          <p:cNvPr id="24" name="TextBox 23"/>
+          <p:cNvSpPr txBox="1"/>
+          <p:nvPr/>
+        </p:nvSpPr>
+        <p:spPr>
+          <a:xfrm>
+            <a:off x="541870" y="790378"/>
+            <a:ext cx="609600" cy="584776"/>
+          </a:xfrm>
+          <a:prstGeom prst="rect">
+            <a:avLst/>
+          </a:prstGeom>
+        </p:spPr>
+        <p:txBody>
+          <a:bodyPr vert="horz" lIns="91440" tIns="45720" rIns="91440" bIns="45720" rtlCol="0" anchor="ctr">
+            <a:noAutofit/>
+          </a:bodyPr>
+          <a:lstStyle/>
+          <a:p>
+            <a:pPr lvl="0"/>
+            <a:r>
+              <a:rPr lang="en-US" sz="8000" baseline="0" dirty="0">
+                <a:ln w="3175" cmpd="sng">
+                  <a:noFill/>
+                </a:ln>
+                <a:solidFill>
+                  <a:schemeClr val="accent1">
+                    <a:lumMod val="60000"/>
+                    <a:lumOff val="40000"/>
+                  </a:schemeClr>
+                </a:solidFill>
+                <a:effectLst/>
+                <a:latin typeface="Arial"/>
+              </a:rPr>
+              <a:t>“</a:t>
+            </a:r>
+          </a:p>
+        </p:txBody>
+      </p:sp>
+      <p:sp>
+        <p:nvSpPr>
+          <p:cNvPr id="25" name="TextBox 24"/>
+          <p:cNvSpPr txBox="1"/>
+          <p:nvPr/>
+        </p:nvSpPr>
+        <p:spPr>
+          <a:xfrm>
+            <a:off x="8893011" y="2886556"/>
+            <a:ext cx="609600" cy="584776"/>
+          </a:xfrm>
+          <a:prstGeom prst="rect">
+            <a:avLst/>
+          </a:prstGeom>
+        </p:spPr>
+        <p:txBody>
+          <a:bodyPr vert="horz" lIns="91440" tIns="45720" rIns="91440" bIns="45720" rtlCol="0" anchor="ctr">
+            <a:noAutofit/>
+          </a:bodyPr>
+          <a:lstStyle/>
+          <a:p>
+            <a:pPr lvl="0"/>
+            <a:r>
+              <a:rPr lang="en-US" sz="8000" baseline="0" dirty="0">
+                <a:ln w="3175" cmpd="sng">
+                  <a:noFill/>
+                </a:ln>
+                <a:solidFill>
+                  <a:schemeClr val="accent1">
+                    <a:lumMod val="60000"/>
+                    <a:lumOff val="40000"/>
+                  </a:schemeClr>
+                </a:solidFill>
+                <a:effectLst/>
+                <a:latin typeface="Arial"/>
+              </a:rPr>
+              <a:t>”</a:t>
+            </a:r>
+          </a:p>
+        </p:txBody>
+      </p:sp>
+    </p:spTree>
+    <p:extLst>
+      <p:ext uri="{BB962C8B-B14F-4D97-AF65-F5344CB8AC3E}">
+        <p14:creationId xmlns:p14="http://schemas.microsoft.com/office/powerpoint/2010/main" val="366853639"/>
+      </p:ext>
+    </p:extLst>
+  </p:cSld>
+  <p:clrMapOvr>
+    <a:masterClrMapping/>
+  </p:clrMapOvr>
+</p:sldLayout>
+</file>
+
+<file path=ppt/slideLayouts/slideLayout14.xml><?xml version="1.0" encoding="utf-8"?>
+<p:sldLayout xmlns:a="http://schemas.openxmlformats.org/drawingml/2006/main" xmlns:r="http://schemas.openxmlformats.org/officeDocument/2006/relationships" xmlns:p="http://schemas.openxmlformats.org/presentationml/2006/main" preserve="1">
+  <p:cSld name="True or False">
+    <p:spTree>
+      <p:nvGrpSpPr>
+        <p:cNvPr id="1" name=""/>
+        <p:cNvGrpSpPr/>
+        <p:nvPr/>
+      </p:nvGrpSpPr>
+      <p:grpSpPr>
+        <a:xfrm>
+          <a:off x="0" y="0"/>
+          <a:ext cx="0" cy="0"/>
+          <a:chOff x="0" y="0"/>
+          <a:chExt cx="0" cy="0"/>
+        </a:xfrm>
+      </p:grpSpPr>
+      <p:sp>
+        <p:nvSpPr>
+          <p:cNvPr id="2" name="Title 1"/>
+          <p:cNvSpPr>
+            <a:spLocks noGrp="1"/>
+          </p:cNvSpPr>
+          <p:nvPr>
+            <p:ph type="title"/>
+          </p:nvPr>
+        </p:nvSpPr>
+        <p:spPr>
+          <a:xfrm>
+            <a:off x="685799" y="609600"/>
+            <a:ext cx="8588203" cy="3022600"/>
+          </a:xfrm>
+        </p:spPr>
+        <p:txBody>
+          <a:bodyPr anchor="ctr">
+            <a:normAutofit/>
+          </a:bodyPr>
+          <a:lstStyle>
+            <a:lvl1pPr algn="l">
+              <a:defRPr sz="4400" b="0" cap="none"/>
+            </a:lvl1pPr>
+          </a:lstStyle>
+          <a:p>
+            <a:r>
+              <a:rPr lang="en-US"/>
+              <a:t>Click to edit Master title style</a:t>
+            </a:r>
+            <a:endParaRPr lang="en-US" dirty="0"/>
+          </a:p>
+        </p:txBody>
+      </p:sp>
+      <p:sp>
+        <p:nvSpPr>
+          <p:cNvPr id="23" name="Text Placeholder 9"/>
+          <p:cNvSpPr>
+            <a:spLocks noGrp="1"/>
+          </p:cNvSpPr>
+          <p:nvPr>
+            <p:ph type="body" sz="quarter" idx="13"/>
+          </p:nvPr>
+        </p:nvSpPr>
+        <p:spPr>
+          <a:xfrm>
+            <a:off x="677332" y="4013200"/>
+            <a:ext cx="8596669" cy="514248"/>
+          </a:xfrm>
+        </p:spPr>
+        <p:txBody>
+          <a:bodyPr anchor="b">
+            <a:noAutofit/>
+          </a:bodyPr>
+          <a:lstStyle>
+            <a:lvl1pPr marL="0" indent="0">
+              <a:buFontTx/>
+              <a:buNone/>
+              <a:defRPr sz="2400">
+                <a:solidFill>
+                  <a:schemeClr val="accent1"/>
+                </a:solidFill>
+              </a:defRPr>
+            </a:lvl1pPr>
+            <a:lvl2pPr marL="457200" indent="0">
+              <a:buFontTx/>
+              <a:buNone/>
+              <a:defRPr/>
+            </a:lvl2pPr>
+            <a:lvl3pPr marL="914400" indent="0">
+              <a:buFontTx/>
+              <a:buNone/>
+              <a:defRPr/>
+            </a:lvl3pPr>
+            <a:lvl4pPr marL="1371600" indent="0">
+              <a:buFontTx/>
+              <a:buNone/>
+              <a:defRPr/>
+            </a:lvl4pPr>
+            <a:lvl5pPr marL="1828800" indent="0">
+              <a:buFontTx/>
+              <a:buNone/>
+              <a:defRPr/>
+            </a:lvl5pPr>
+          </a:lstStyle>
+          <a:p>
+            <a:pPr lvl="0"/>
+            <a:r>
+              <a:rPr lang="en-US"/>
+              <a:t>Click to edit Master text styles</a:t>
+            </a:r>
+          </a:p>
+        </p:txBody>
+      </p:sp>
+      <p:sp>
+        <p:nvSpPr>
+          <p:cNvPr id="3" name="Text Placeholder 2"/>
+          <p:cNvSpPr>
+            <a:spLocks noGrp="1"/>
+          </p:cNvSpPr>
+          <p:nvPr>
+            <p:ph type="body" idx="1"/>
+          </p:nvPr>
+        </p:nvSpPr>
+        <p:spPr>
+          <a:xfrm>
+            <a:off x="677335" y="4527448"/>
+            <a:ext cx="8596668" cy="1513914"/>
+          </a:xfrm>
+        </p:spPr>
+        <p:txBody>
+          <a:bodyPr anchor="t">
+            <a:normAutofit/>
+          </a:bodyPr>
+          <a:lstStyle>
+            <a:lvl1pPr marL="0" indent="0" algn="l">
+              <a:buNone/>
+              <a:defRPr sz="1800">
+                <a:solidFill>
+                  <a:schemeClr val="tx1">
+                    <a:lumMod val="50000"/>
+                    <a:lumOff val="50000"/>
+                  </a:schemeClr>
+                </a:solidFill>
+              </a:defRPr>
+            </a:lvl1pPr>
+            <a:lvl2pPr marL="457200" indent="0">
+              <a:buNone/>
+              <a:defRPr sz="1800">
+                <a:solidFill>
+                  <a:schemeClr val="tx1">
+                    <a:tint val="75000"/>
+                  </a:schemeClr>
+                </a:solidFill>
+              </a:defRPr>
+            </a:lvl2pPr>
+            <a:lvl3pPr marL="914400" indent="0">
+              <a:buNone/>
+              <a:defRPr sz="1600">
+                <a:solidFill>
+                  <a:schemeClr val="tx1">
+                    <a:tint val="75000"/>
+                  </a:schemeClr>
+                </a:solidFill>
+              </a:defRPr>
+            </a:lvl3pPr>
+            <a:lvl4pPr marL="1371600" indent="0">
+              <a:buNone/>
+              <a:defRPr sz="1400">
+                <a:solidFill>
+                  <a:schemeClr val="tx1">
+                    <a:tint val="75000"/>
+                  </a:schemeClr>
+                </a:solidFill>
+              </a:defRPr>
+            </a:lvl4pPr>
+            <a:lvl5pPr marL="1828800" indent="0">
+              <a:buNone/>
+              <a:defRPr sz="1400">
+                <a:solidFill>
+                  <a:schemeClr val="tx1">
+                    <a:tint val="75000"/>
+                  </a:schemeClr>
+                </a:solidFill>
+              </a:defRPr>
+            </a:lvl5pPr>
+            <a:lvl6pPr marL="2286000" indent="0">
+              <a:buNone/>
+              <a:defRPr sz="1400">
+                <a:solidFill>
+                  <a:schemeClr val="tx1">
+                    <a:tint val="75000"/>
+                  </a:schemeClr>
+                </a:solidFill>
+              </a:defRPr>
+            </a:lvl6pPr>
+            <a:lvl7pPr marL="2743200" indent="0">
+              <a:buNone/>
+              <a:defRPr sz="1400">
+                <a:solidFill>
+                  <a:schemeClr val="tx1">
+                    <a:tint val="75000"/>
+                  </a:schemeClr>
+                </a:solidFill>
+              </a:defRPr>
+            </a:lvl7pPr>
+            <a:lvl8pPr marL="3200400" indent="0">
+              <a:buNone/>
+              <a:defRPr sz="1400">
+                <a:solidFill>
+                  <a:schemeClr val="tx1">
+                    <a:tint val="75000"/>
+                  </a:schemeClr>
+                </a:solidFill>
+              </a:defRPr>
+            </a:lvl8pPr>
+            <a:lvl9pPr marL="3657600" indent="0">
+              <a:buNone/>
+              <a:defRPr sz="1400">
+                <a:solidFill>
+                  <a:schemeClr val="tx1">
+                    <a:tint val="75000"/>
+                  </a:schemeClr>
+                </a:solidFill>
+              </a:defRPr>
+            </a:lvl9pPr>
+          </a:lstStyle>
+          <a:p>
+            <a:pPr lvl="0"/>
+            <a:r>
+              <a:rPr lang="en-US"/>
+              <a:t>Click to edit Master text styles</a:t>
+            </a:r>
+          </a:p>
+        </p:txBody>
+      </p:sp>
+      <p:sp>
+        <p:nvSpPr>
+          <p:cNvPr id="4" name="Date Placeholder 3"/>
+          <p:cNvSpPr>
+            <a:spLocks noGrp="1"/>
+          </p:cNvSpPr>
+          <p:nvPr>
+            <p:ph type="dt" sz="half" idx="10"/>
+          </p:nvPr>
+        </p:nvSpPr>
+        <p:spPr/>
+        <p:txBody>
+          <a:bodyPr/>
+          <a:lstStyle/>
+          <a:p>
+            <a:fld id="{D933E509-20CD-44C2-A6F1-23D693B9F666}" type="datetimeFigureOut">
+              <a:rPr lang="en-US" smtClean="0"/>
+              <a:t>4/20/2022</a:t>
+            </a:fld>
+            <a:endParaRPr lang="en-US"/>
+          </a:p>
+        </p:txBody>
+      </p:sp>
+      <p:sp>
+        <p:nvSpPr>
+          <p:cNvPr id="5" name="Footer Placeholder 4"/>
+          <p:cNvSpPr>
+            <a:spLocks noGrp="1"/>
+          </p:cNvSpPr>
+          <p:nvPr>
+            <p:ph type="ftr" sz="quarter" idx="11"/>
+          </p:nvPr>
+        </p:nvSpPr>
+        <p:spPr/>
+        <p:txBody>
+          <a:bodyPr/>
+          <a:lstStyle/>
+          <a:p>
+            <a:endParaRPr lang="en-US"/>
+          </a:p>
+        </p:txBody>
+      </p:sp>
+      <p:sp>
+        <p:nvSpPr>
+          <p:cNvPr id="6" name="Slide Number Placeholder 5"/>
+          <p:cNvSpPr>
+            <a:spLocks noGrp="1"/>
+          </p:cNvSpPr>
+          <p:nvPr>
+            <p:ph type="sldNum" sz="quarter" idx="12"/>
+          </p:nvPr>
+        </p:nvSpPr>
+        <p:spPr/>
+        <p:txBody>
+          <a:bodyPr/>
+          <a:lstStyle/>
+          <a:p>
+            <a:fld id="{41D5E322-ADDD-46D9-B39F-A10D8AD1626A}" type="slidenum">
+              <a:rPr lang="en-US" smtClean="0"/>
+              <a:t>‹#›</a:t>
+            </a:fld>
+            <a:endParaRPr lang="en-US"/>
+          </a:p>
+        </p:txBody>
+      </p:sp>
+    </p:spTree>
+    <p:extLst>
+      <p:ext uri="{BB962C8B-B14F-4D97-AF65-F5344CB8AC3E}">
+        <p14:creationId xmlns:p14="http://schemas.microsoft.com/office/powerpoint/2010/main" val="2741022611"/>
+      </p:ext>
+    </p:extLst>
+  </p:cSld>
+  <p:clrMapOvr>
+    <a:masterClrMapping/>
+  </p:clrMapOvr>
+</p:sldLayout>
+</file>
+
+<file path=ppt/slideLayouts/slideLayout15.xml><?xml version="1.0" encoding="utf-8"?>
 <p:sldLayout xmlns:a="http://schemas.openxmlformats.org/drawingml/2006/main" xmlns:r="http://schemas.openxmlformats.org/officeDocument/2006/relationships" xmlns:p="http://schemas.openxmlformats.org/presentationml/2006/main" type="vertTx" preserve="1">
   <p:cSld name="Title and Vertical Text">
     <p:spTree>
@@ -497,7 +2566,7 @@
         </p:nvSpPr>
         <p:spPr/>
         <p:txBody>
-          <a:bodyPr vert="eaVert" lIns="45720" tIns="0" rIns="45720" bIns="0"/>
+          <a:bodyPr vert="eaVert"/>
           <a:lstStyle/>
           <a:p>
             <a:pPr lvl="0"/>
@@ -554,7 +2623,7 @@
           <a:p>
             <a:fld id="{D933E509-20CD-44C2-A6F1-23D693B9F666}" type="datetimeFigureOut">
               <a:rPr lang="en-US" smtClean="0"/>
-              <a:t>3/23/2022</a:t>
+              <a:t>4/20/2022</a:t>
             </a:fld>
             <a:endParaRPr lang="en-US"/>
           </a:p>
@@ -605,7 +2674,7 @@
     </p:spTree>
     <p:extLst>
       <p:ext uri="{BB962C8B-B14F-4D97-AF65-F5344CB8AC3E}">
-        <p14:creationId xmlns:p14="http://schemas.microsoft.com/office/powerpoint/2010/main" val="1712334499"/>
+        <p14:creationId xmlns:p14="http://schemas.microsoft.com/office/powerpoint/2010/main" val="3774464313"/>
       </p:ext>
     </p:extLst>
   </p:cSld>
@@ -615,8 +2684,8 @@
 </p:sldLayout>
 </file>
 
-<file path=ppt/slideLayouts/slideLayout11.xml><?xml version="1.0" encoding="utf-8"?>
-<p:sldLayout xmlns:a="http://schemas.openxmlformats.org/drawingml/2006/main" xmlns:r="http://schemas.openxmlformats.org/officeDocument/2006/relationships" xmlns:p="http://schemas.openxmlformats.org/presentationml/2006/main" showMasterSp="0" type="vertTitleAndTx" preserve="1">
+<file path=ppt/slideLayouts/slideLayout16.xml><?xml version="1.0" encoding="utf-8"?>
+<p:sldLayout xmlns:a="http://schemas.openxmlformats.org/drawingml/2006/main" xmlns:r="http://schemas.openxmlformats.org/officeDocument/2006/relationships" xmlns:p="http://schemas.openxmlformats.org/presentationml/2006/main" type="vertTitleAndTx" preserve="1">
   <p:cSld name="Vertical Title and Text">
     <p:spTree>
       <p:nvGrpSpPr>
@@ -634,128 +2703,52 @@
       </p:grpSpPr>
       <p:sp>
         <p:nvSpPr>
-          <p:cNvPr id="7" name="Rectangle 6"/>
-          <p:cNvSpPr/>
-          <p:nvPr/>
+          <p:cNvPr id="2" name="Vertical Title 1"/>
+          <p:cNvSpPr>
+            <a:spLocks noGrp="1"/>
+          </p:cNvSpPr>
+          <p:nvPr>
+            <p:ph type="title" orient="vert"/>
+          </p:nvPr>
         </p:nvSpPr>
         <p:spPr>
           <a:xfrm>
-            <a:off x="3175" y="6400800"/>
-            <a:ext cx="12188825" cy="457200"/>
+            <a:off x="7967673" y="609599"/>
+            <a:ext cx="1304743" cy="5251451"/>
           </a:xfrm>
-          <a:prstGeom prst="rect">
-            <a:avLst/>
-          </a:prstGeom>
-          <a:solidFill>
-            <a:schemeClr val="accent2"/>
-          </a:solidFill>
-          <a:ln>
-            <a:noFill/>
-          </a:ln>
         </p:spPr>
-        <p:style>
-          <a:lnRef idx="2">
-            <a:schemeClr val="accent1">
-              <a:shade val="50000"/>
-            </a:schemeClr>
-          </a:lnRef>
-          <a:fillRef idx="1">
-            <a:schemeClr val="accent1"/>
-          </a:fillRef>
-          <a:effectRef idx="0">
-            <a:schemeClr val="accent1"/>
-          </a:effectRef>
-          <a:fontRef idx="minor">
-            <a:schemeClr val="lt1"/>
-          </a:fontRef>
-        </p:style>
-      </p:sp>
-      <p:sp>
-        <p:nvSpPr>
-          <p:cNvPr id="8" name="Rectangle 7"/>
-          <p:cNvSpPr/>
-          <p:nvPr/>
+        <p:txBody>
+          <a:bodyPr vert="eaVert" anchor="ctr"/>
+          <a:lstStyle/>
+          <a:p>
+            <a:r>
+              <a:rPr lang="en-US"/>
+              <a:t>Click to edit Master title style</a:t>
+            </a:r>
+            <a:endParaRPr lang="en-US" dirty="0"/>
+          </a:p>
+        </p:txBody>
+      </p:sp>
+      <p:sp>
+        <p:nvSpPr>
+          <p:cNvPr id="3" name="Vertical Text Placeholder 2"/>
+          <p:cNvSpPr>
+            <a:spLocks noGrp="1"/>
+          </p:cNvSpPr>
+          <p:nvPr>
+            <p:ph type="body" orient="vert" idx="1"/>
+          </p:nvPr>
         </p:nvSpPr>
         <p:spPr>
           <a:xfrm>
-            <a:off x="15" y="6334316"/>
-            <a:ext cx="12188825" cy="64008"/>
-          </a:xfrm>
-          <a:prstGeom prst="rect">
-            <a:avLst/>
-          </a:prstGeom>
-          <a:solidFill>
-            <a:schemeClr val="accent1"/>
-          </a:solidFill>
-          <a:ln>
-            <a:noFill/>
-          </a:ln>
-        </p:spPr>
-        <p:style>
-          <a:lnRef idx="2">
-            <a:schemeClr val="accent1">
-              <a:shade val="50000"/>
-            </a:schemeClr>
-          </a:lnRef>
-          <a:fillRef idx="1">
-            <a:schemeClr val="accent1"/>
-          </a:fillRef>
-          <a:effectRef idx="0">
-            <a:schemeClr val="accent1"/>
-          </a:effectRef>
-          <a:fontRef idx="minor">
-            <a:schemeClr val="lt1"/>
-          </a:fontRef>
-        </p:style>
-      </p:sp>
-      <p:sp>
-        <p:nvSpPr>
-          <p:cNvPr id="2" name="Vertical Title 1"/>
-          <p:cNvSpPr>
-            <a:spLocks noGrp="1"/>
-          </p:cNvSpPr>
-          <p:nvPr>
-            <p:ph type="title" orient="vert"/>
-          </p:nvPr>
-        </p:nvSpPr>
-        <p:spPr>
-          <a:xfrm>
-            <a:off x="8724900" y="412302"/>
-            <a:ext cx="2628900" cy="5759898"/>
+            <a:off x="677335" y="609600"/>
+            <a:ext cx="7060150" cy="5251450"/>
           </a:xfrm>
         </p:spPr>
         <p:txBody>
           <a:bodyPr vert="eaVert"/>
           <a:lstStyle/>
           <a:p>
-            <a:r>
-              <a:rPr lang="en-US"/>
-              <a:t>Click to edit Master title style</a:t>
-            </a:r>
-            <a:endParaRPr lang="en-US" dirty="0"/>
-          </a:p>
-        </p:txBody>
-      </p:sp>
-      <p:sp>
-        <p:nvSpPr>
-          <p:cNvPr id="3" name="Vertical Text Placeholder 2"/>
-          <p:cNvSpPr>
-            <a:spLocks noGrp="1"/>
-          </p:cNvSpPr>
-          <p:nvPr>
-            <p:ph type="body" orient="vert" idx="1"/>
-          </p:nvPr>
-        </p:nvSpPr>
-        <p:spPr>
-          <a:xfrm>
-            <a:off x="838200" y="412302"/>
-            <a:ext cx="7734300" cy="5759898"/>
-          </a:xfrm>
-        </p:spPr>
-        <p:txBody>
-          <a:bodyPr vert="eaVert" lIns="45720" tIns="0" rIns="45720" bIns="0"/>
-          <a:lstStyle/>
-          <a:p>
             <a:pPr lvl="0"/>
             <a:r>
               <a:rPr lang="en-US"/>
@@ -810,7 +2803,7 @@
           <a:p>
             <a:fld id="{D933E509-20CD-44C2-A6F1-23D693B9F666}" type="datetimeFigureOut">
               <a:rPr lang="en-US" smtClean="0"/>
-              <a:t>3/23/2022</a:t>
+              <a:t>4/20/2022</a:t>
             </a:fld>
             <a:endParaRPr lang="en-US"/>
           </a:p>
@@ -861,7 +2854,7 @@
     </p:spTree>
     <p:extLst>
       <p:ext uri="{BB962C8B-B14F-4D97-AF65-F5344CB8AC3E}">
-        <p14:creationId xmlns:p14="http://schemas.microsoft.com/office/powerpoint/2010/main" val="2470911525"/>
+        <p14:creationId xmlns:p14="http://schemas.microsoft.com/office/powerpoint/2010/main" val="185162732"/>
       </p:ext>
     </p:extLst>
   </p:cSld>
@@ -900,8 +2893,14 @@
         </p:nvSpPr>
         <p:spPr/>
         <p:txBody>
-          <a:bodyPr/>
-          <a:lstStyle/>
+          <a:bodyPr>
+            <a:normAutofit/>
+          </a:bodyPr>
+          <a:lstStyle>
+            <a:lvl1pPr>
+              <a:defRPr sz="3600"/>
+            </a:lvl1pPr>
+          </a:lstStyle>
           <a:p>
             <a:r>
               <a:rPr lang="en-US"/>
@@ -980,7 +2979,7 @@
           <a:p>
             <a:fld id="{D933E509-20CD-44C2-A6F1-23D693B9F666}" type="datetimeFigureOut">
               <a:rPr lang="en-US" smtClean="0"/>
-              <a:t>3/23/2022</a:t>
+              <a:t>4/20/2022</a:t>
             </a:fld>
             <a:endParaRPr lang="en-US"/>
           </a:p>
@@ -1031,7 +3030,7 @@
     </p:spTree>
     <p:extLst>
       <p:ext uri="{BB962C8B-B14F-4D97-AF65-F5344CB8AC3E}">
-        <p14:creationId xmlns:p14="http://schemas.microsoft.com/office/powerpoint/2010/main" val="761801390"/>
+        <p14:creationId xmlns:p14="http://schemas.microsoft.com/office/powerpoint/2010/main" val="1838105947"/>
       </p:ext>
     </p:extLst>
   </p:cSld>
@@ -1042,16 +3041,8 @@
 </file>
 
 <file path=ppt/slideLayouts/slideLayout3.xml><?xml version="1.0" encoding="utf-8"?>
-<p:sldLayout xmlns:a="http://schemas.openxmlformats.org/drawingml/2006/main" xmlns:r="http://schemas.openxmlformats.org/officeDocument/2006/relationships" xmlns:p="http://schemas.openxmlformats.org/presentationml/2006/main" showMasterSp="0" type="secHead" preserve="1">
+<p:sldLayout xmlns:a="http://schemas.openxmlformats.org/drawingml/2006/main" xmlns:r="http://schemas.openxmlformats.org/officeDocument/2006/relationships" xmlns:p="http://schemas.openxmlformats.org/presentationml/2006/main" type="secHead" preserve="1">
   <p:cSld name="Section Header">
-    <p:bg>
-      <p:bgPr>
-        <a:solidFill>
-          <a:schemeClr val="bg1"/>
-        </a:solidFill>
-        <a:effectLst/>
-      </p:bgPr>
-    </p:bg>
     <p:spTree>
       <p:nvGrpSpPr>
         <p:cNvPr id="1" name=""/>
@@ -1068,152 +3059,64 @@
       </p:grpSpPr>
       <p:sp>
         <p:nvSpPr>
-          <p:cNvPr id="7" name="Rectangle 6"/>
-          <p:cNvSpPr/>
-          <p:nvPr/>
+          <p:cNvPr id="2" name="Title 1"/>
+          <p:cNvSpPr>
+            <a:spLocks noGrp="1"/>
+          </p:cNvSpPr>
+          <p:nvPr>
+            <p:ph type="title"/>
+          </p:nvPr>
         </p:nvSpPr>
         <p:spPr>
           <a:xfrm>
-            <a:off x="3175" y="6400800"/>
-            <a:ext cx="12188825" cy="457200"/>
+            <a:off x="677335" y="2700867"/>
+            <a:ext cx="8596668" cy="1826581"/>
           </a:xfrm>
-          <a:prstGeom prst="rect">
-            <a:avLst/>
-          </a:prstGeom>
-          <a:solidFill>
-            <a:schemeClr val="accent2"/>
-          </a:solidFill>
-          <a:ln>
-            <a:noFill/>
-          </a:ln>
         </p:spPr>
-        <p:style>
-          <a:lnRef idx="2">
-            <a:schemeClr val="accent1">
-              <a:shade val="50000"/>
-            </a:schemeClr>
-          </a:lnRef>
-          <a:fillRef idx="1">
-            <a:schemeClr val="accent1"/>
-          </a:fillRef>
-          <a:effectRef idx="0">
-            <a:schemeClr val="accent1"/>
-          </a:effectRef>
-          <a:fontRef idx="minor">
-            <a:schemeClr val="lt1"/>
-          </a:fontRef>
-        </p:style>
-      </p:sp>
-      <p:sp>
-        <p:nvSpPr>
-          <p:cNvPr id="8" name="Rectangle 7"/>
-          <p:cNvSpPr/>
-          <p:nvPr/>
+        <p:txBody>
+          <a:bodyPr anchor="b"/>
+          <a:lstStyle>
+            <a:lvl1pPr algn="l">
+              <a:defRPr sz="4000" b="0" cap="none"/>
+            </a:lvl1pPr>
+          </a:lstStyle>
+          <a:p>
+            <a:r>
+              <a:rPr lang="en-US"/>
+              <a:t>Click to edit Master title style</a:t>
+            </a:r>
+            <a:endParaRPr lang="en-US" dirty="0"/>
+          </a:p>
+        </p:txBody>
+      </p:sp>
+      <p:sp>
+        <p:nvSpPr>
+          <p:cNvPr id="3" name="Text Placeholder 2"/>
+          <p:cNvSpPr>
+            <a:spLocks noGrp="1"/>
+          </p:cNvSpPr>
+          <p:nvPr>
+            <p:ph type="body" idx="1"/>
+          </p:nvPr>
         </p:nvSpPr>
         <p:spPr>
           <a:xfrm>
-            <a:off x="15" y="6334316"/>
-            <a:ext cx="12188825" cy="64008"/>
-          </a:xfrm>
-          <a:prstGeom prst="rect">
-            <a:avLst/>
-          </a:prstGeom>
-          <a:solidFill>
-            <a:schemeClr val="accent1"/>
-          </a:solidFill>
-          <a:ln>
-            <a:noFill/>
-          </a:ln>
-        </p:spPr>
-        <p:style>
-          <a:lnRef idx="2">
-            <a:schemeClr val="accent1">
-              <a:shade val="50000"/>
-            </a:schemeClr>
-          </a:lnRef>
-          <a:fillRef idx="1">
-            <a:schemeClr val="accent1"/>
-          </a:fillRef>
-          <a:effectRef idx="0">
-            <a:schemeClr val="accent1"/>
-          </a:effectRef>
-          <a:fontRef idx="minor">
-            <a:schemeClr val="lt1"/>
-          </a:fontRef>
-        </p:style>
-      </p:sp>
-      <p:sp>
-        <p:nvSpPr>
-          <p:cNvPr id="2" name="Title 1"/>
-          <p:cNvSpPr>
-            <a:spLocks noGrp="1"/>
-          </p:cNvSpPr>
-          <p:nvPr>
-            <p:ph type="title"/>
-          </p:nvPr>
-        </p:nvSpPr>
-        <p:spPr>
-          <a:xfrm>
-            <a:off x="1097280" y="758952"/>
-            <a:ext cx="10058400" cy="3566160"/>
+            <a:off x="677335" y="4527448"/>
+            <a:ext cx="8596668" cy="860400"/>
           </a:xfrm>
         </p:spPr>
         <p:txBody>
-          <a:bodyPr anchor="b" anchorCtr="0">
-            <a:normAutofit/>
-          </a:bodyPr>
+          <a:bodyPr anchor="t"/>
           <a:lstStyle>
-            <a:lvl1pPr>
-              <a:lnSpc>
-                <a:spcPct val="85000"/>
-              </a:lnSpc>
-              <a:defRPr sz="8000" b="0">
+            <a:lvl1pPr marL="0" indent="0" algn="l">
+              <a:buNone/>
+              <a:defRPr sz="2000">
                 <a:solidFill>
                   <a:schemeClr val="tx1">
-                    <a:lumMod val="85000"/>
-                    <a:lumOff val="15000"/>
+                    <a:lumMod val="50000"/>
+                    <a:lumOff val="50000"/>
                   </a:schemeClr>
                 </a:solidFill>
-              </a:defRPr>
-            </a:lvl1pPr>
-          </a:lstStyle>
-          <a:p>
-            <a:r>
-              <a:rPr lang="en-US"/>
-              <a:t>Click to edit Master title style</a:t>
-            </a:r>
-            <a:endParaRPr lang="en-US" dirty="0"/>
-          </a:p>
-        </p:txBody>
-      </p:sp>
-      <p:sp>
-        <p:nvSpPr>
-          <p:cNvPr id="3" name="Text Placeholder 2"/>
-          <p:cNvSpPr>
-            <a:spLocks noGrp="1"/>
-          </p:cNvSpPr>
-          <p:nvPr>
-            <p:ph type="body" idx="1"/>
-          </p:nvPr>
-        </p:nvSpPr>
-        <p:spPr>
-          <a:xfrm>
-            <a:off x="1097280" y="4453128"/>
-            <a:ext cx="10058400" cy="1143000"/>
-          </a:xfrm>
-        </p:spPr>
-        <p:txBody>
-          <a:bodyPr lIns="91440" rIns="91440" anchor="t" anchorCtr="0">
-            <a:normAutofit/>
-          </a:bodyPr>
-          <a:lstStyle>
-            <a:lvl1pPr marL="0" indent="0">
-              <a:buNone/>
-              <a:defRPr sz="2400" cap="all" spc="200" baseline="0">
-                <a:solidFill>
-                  <a:schemeClr val="tx2"/>
-                </a:solidFill>
-                <a:latin typeface="+mj-lt"/>
               </a:defRPr>
             </a:lvl1pPr>
             <a:lvl2pPr marL="457200" indent="0">
@@ -1323,7 +3226,7 @@
           <a:p>
             <a:fld id="{D933E509-20CD-44C2-A6F1-23D693B9F666}" type="datetimeFigureOut">
               <a:rPr lang="en-US" smtClean="0"/>
-              <a:t>3/23/2022</a:t>
+              <a:t>4/20/2022</a:t>
             </a:fld>
             <a:endParaRPr lang="en-US"/>
           </a:p>
@@ -1371,48 +3274,10 @@
           </a:p>
         </p:txBody>
       </p:sp>
-      <p:cxnSp>
-        <p:nvCxnSpPr>
-          <p:cNvPr id="9" name="Straight Connector 8"/>
-          <p:cNvCxnSpPr/>
-          <p:nvPr/>
-        </p:nvCxnSpPr>
-        <p:spPr>
-          <a:xfrm>
-            <a:off x="1207658" y="4343400"/>
-            <a:ext cx="9875520" cy="0"/>
-          </a:xfrm>
-          <a:prstGeom prst="line">
-            <a:avLst/>
-          </a:prstGeom>
-          <a:ln w="6350">
-            <a:solidFill>
-              <a:schemeClr val="tx1">
-                <a:lumMod val="50000"/>
-                <a:lumOff val="50000"/>
-              </a:schemeClr>
-            </a:solidFill>
-          </a:ln>
-        </p:spPr>
-        <p:style>
-          <a:lnRef idx="1">
-            <a:schemeClr val="accent1"/>
-          </a:lnRef>
-          <a:fillRef idx="0">
-            <a:schemeClr val="accent1"/>
-          </a:fillRef>
-          <a:effectRef idx="0">
-            <a:schemeClr val="accent1"/>
-          </a:effectRef>
-          <a:fontRef idx="minor">
-            <a:schemeClr val="tx1"/>
-          </a:fontRef>
-        </p:style>
-      </p:cxnSp>
     </p:spTree>
     <p:extLst>
       <p:ext uri="{BB962C8B-B14F-4D97-AF65-F5344CB8AC3E}">
-        <p14:creationId xmlns:p14="http://schemas.microsoft.com/office/powerpoint/2010/main" val="2678545699"/>
+        <p14:creationId xmlns:p14="http://schemas.microsoft.com/office/powerpoint/2010/main" val="2332938965"/>
       </p:ext>
     </p:extLst>
   </p:cSld>
@@ -1441,27 +3306,79 @@
       </p:grpSpPr>
       <p:sp>
         <p:nvSpPr>
-          <p:cNvPr id="8" name="Title 7"/>
+          <p:cNvPr id="2" name="Title 1"/>
           <p:cNvSpPr>
             <a:spLocks noGrp="1"/>
           </p:cNvSpPr>
           <p:nvPr>
             <p:ph type="title"/>
+          </p:nvPr>
+        </p:nvSpPr>
+        <p:spPr/>
+        <p:txBody>
+          <a:bodyPr/>
+          <a:lstStyle/>
+          <a:p>
+            <a:r>
+              <a:rPr lang="en-US"/>
+              <a:t>Click to edit Master title style</a:t>
+            </a:r>
+            <a:endParaRPr lang="en-US" dirty="0"/>
+          </a:p>
+        </p:txBody>
+      </p:sp>
+      <p:sp>
+        <p:nvSpPr>
+          <p:cNvPr id="3" name="Content Placeholder 2"/>
+          <p:cNvSpPr>
+            <a:spLocks noGrp="1"/>
+          </p:cNvSpPr>
+          <p:nvPr>
+            <p:ph sz="half" idx="1"/>
           </p:nvPr>
         </p:nvSpPr>
         <p:spPr>
           <a:xfrm>
-            <a:off x="1097280" y="286603"/>
-            <a:ext cx="10058400" cy="1450757"/>
+            <a:off x="677334" y="2160589"/>
+            <a:ext cx="4184035" cy="3880772"/>
           </a:xfrm>
         </p:spPr>
         <p:txBody>
           <a:bodyPr/>
           <a:lstStyle/>
           <a:p>
+            <a:pPr lvl="0"/>
             <a:r>
               <a:rPr lang="en-US"/>
-              <a:t>Click to edit Master title style</a:t>
+              <a:t>Click to edit Master text styles</a:t>
+            </a:r>
+          </a:p>
+          <a:p>
+            <a:pPr lvl="1"/>
+            <a:r>
+              <a:rPr lang="en-US"/>
+              <a:t>Second level</a:t>
+            </a:r>
+          </a:p>
+          <a:p>
+            <a:pPr lvl="2"/>
+            <a:r>
+              <a:rPr lang="en-US"/>
+              <a:t>Third level</a:t>
+            </a:r>
+          </a:p>
+          <a:p>
+            <a:pPr lvl="3"/>
+            <a:r>
+              <a:rPr lang="en-US"/>
+              <a:t>Fourth level</a:t>
+            </a:r>
+          </a:p>
+          <a:p>
+            <a:pPr lvl="4"/>
+            <a:r>
+              <a:rPr lang="en-US"/>
+              <a:t>Fifth level</a:t>
             </a:r>
             <a:endParaRPr lang="en-US" dirty="0"/>
           </a:p>
@@ -1469,18 +3386,18 @@
       </p:sp>
       <p:sp>
         <p:nvSpPr>
-          <p:cNvPr id="3" name="Content Placeholder 2"/>
-          <p:cNvSpPr>
-            <a:spLocks noGrp="1"/>
-          </p:cNvSpPr>
-          <p:nvPr>
-            <p:ph sz="half" idx="1"/>
+          <p:cNvPr id="4" name="Content Placeholder 3"/>
+          <p:cNvSpPr>
+            <a:spLocks noGrp="1"/>
+          </p:cNvSpPr>
+          <p:nvPr>
+            <p:ph sz="half" idx="2"/>
           </p:nvPr>
         </p:nvSpPr>
         <p:spPr>
           <a:xfrm>
-            <a:off x="1097280" y="1845734"/>
-            <a:ext cx="4937760" cy="4023359"/>
+            <a:off x="5089970" y="2160589"/>
+            <a:ext cx="4184034" cy="3880773"/>
           </a:xfrm>
         </p:spPr>
         <p:txBody>
@@ -1526,63 +3443,6 @@
       </p:sp>
       <p:sp>
         <p:nvSpPr>
-          <p:cNvPr id="4" name="Content Placeholder 3"/>
-          <p:cNvSpPr>
-            <a:spLocks noGrp="1"/>
-          </p:cNvSpPr>
-          <p:nvPr>
-            <p:ph sz="half" idx="2"/>
-          </p:nvPr>
-        </p:nvSpPr>
-        <p:spPr>
-          <a:xfrm>
-            <a:off x="6217920" y="1845735"/>
-            <a:ext cx="4937760" cy="4023360"/>
-          </a:xfrm>
-        </p:spPr>
-        <p:txBody>
-          <a:bodyPr/>
-          <a:lstStyle/>
-          <a:p>
-            <a:pPr lvl="0"/>
-            <a:r>
-              <a:rPr lang="en-US"/>
-              <a:t>Click to edit Master text styles</a:t>
-            </a:r>
-          </a:p>
-          <a:p>
-            <a:pPr lvl="1"/>
-            <a:r>
-              <a:rPr lang="en-US"/>
-              <a:t>Second level</a:t>
-            </a:r>
-          </a:p>
-          <a:p>
-            <a:pPr lvl="2"/>
-            <a:r>
-              <a:rPr lang="en-US"/>
-              <a:t>Third level</a:t>
-            </a:r>
-          </a:p>
-          <a:p>
-            <a:pPr lvl="3"/>
-            <a:r>
-              <a:rPr lang="en-US"/>
-              <a:t>Fourth level</a:t>
-            </a:r>
-          </a:p>
-          <a:p>
-            <a:pPr lvl="4"/>
-            <a:r>
-              <a:rPr lang="en-US"/>
-              <a:t>Fifth level</a:t>
-            </a:r>
-            <a:endParaRPr lang="en-US" dirty="0"/>
-          </a:p>
-        </p:txBody>
-      </p:sp>
-      <p:sp>
-        <p:nvSpPr>
           <p:cNvPr id="5" name="Date Placeholder 4"/>
           <p:cNvSpPr>
             <a:spLocks noGrp="1"/>
@@ -1598,7 +3458,7 @@
           <a:p>
             <a:fld id="{D933E509-20CD-44C2-A6F1-23D693B9F666}" type="datetimeFigureOut">
               <a:rPr lang="en-US" smtClean="0"/>
-              <a:t>3/23/2022</a:t>
+              <a:t>4/20/2022</a:t>
             </a:fld>
             <a:endParaRPr lang="en-US"/>
           </a:p>
@@ -1649,7 +3509,7 @@
     </p:spTree>
     <p:extLst>
       <p:ext uri="{BB962C8B-B14F-4D97-AF65-F5344CB8AC3E}">
-        <p14:creationId xmlns:p14="http://schemas.microsoft.com/office/powerpoint/2010/main" val="117163408"/>
+        <p14:creationId xmlns:p14="http://schemas.microsoft.com/office/powerpoint/2010/main" val="3265490793"/>
       </p:ext>
     </p:extLst>
   </p:cSld>
@@ -1678,60 +3538,55 @@
       </p:grpSpPr>
       <p:sp>
         <p:nvSpPr>
-          <p:cNvPr id="10" name="Title 9"/>
+          <p:cNvPr id="2" name="Title 1"/>
           <p:cNvSpPr>
             <a:spLocks noGrp="1"/>
           </p:cNvSpPr>
           <p:nvPr>
             <p:ph type="title"/>
+          </p:nvPr>
+        </p:nvSpPr>
+        <p:spPr/>
+        <p:txBody>
+          <a:bodyPr/>
+          <a:lstStyle>
+            <a:lvl1pPr>
+              <a:defRPr/>
+            </a:lvl1pPr>
+          </a:lstStyle>
+          <a:p>
+            <a:r>
+              <a:rPr lang="en-US"/>
+              <a:t>Click to edit Master title style</a:t>
+            </a:r>
+            <a:endParaRPr lang="en-US" dirty="0"/>
+          </a:p>
+        </p:txBody>
+      </p:sp>
+      <p:sp>
+        <p:nvSpPr>
+          <p:cNvPr id="3" name="Text Placeholder 2"/>
+          <p:cNvSpPr>
+            <a:spLocks noGrp="1"/>
+          </p:cNvSpPr>
+          <p:nvPr>
+            <p:ph type="body" idx="1"/>
           </p:nvPr>
         </p:nvSpPr>
         <p:spPr>
           <a:xfrm>
-            <a:off x="1097280" y="286603"/>
-            <a:ext cx="10058400" cy="1450757"/>
+            <a:off x="675745" y="2160983"/>
+            <a:ext cx="4185623" cy="576262"/>
           </a:xfrm>
         </p:spPr>
         <p:txBody>
-          <a:bodyPr/>
-          <a:lstStyle/>
-          <a:p>
-            <a:r>
-              <a:rPr lang="en-US"/>
-              <a:t>Click to edit Master title style</a:t>
-            </a:r>
-            <a:endParaRPr lang="en-US" dirty="0"/>
-          </a:p>
-        </p:txBody>
-      </p:sp>
-      <p:sp>
-        <p:nvSpPr>
-          <p:cNvPr id="3" name="Text Placeholder 2"/>
-          <p:cNvSpPr>
-            <a:spLocks noGrp="1"/>
-          </p:cNvSpPr>
-          <p:nvPr>
-            <p:ph type="body" idx="1"/>
-          </p:nvPr>
-        </p:nvSpPr>
-        <p:spPr>
-          <a:xfrm>
-            <a:off x="1097280" y="1846052"/>
-            <a:ext cx="4937760" cy="736282"/>
-          </a:xfrm>
-        </p:spPr>
-        <p:txBody>
-          <a:bodyPr lIns="91440" rIns="91440" anchor="ctr">
-            <a:normAutofit/>
+          <a:bodyPr anchor="b">
+            <a:noAutofit/>
           </a:bodyPr>
           <a:lstStyle>
             <a:lvl1pPr marL="0" indent="0">
               <a:buNone/>
-              <a:defRPr sz="2000" b="0" cap="all" baseline="0">
-                <a:solidFill>
-                  <a:schemeClr val="tx2"/>
-                </a:solidFill>
-              </a:defRPr>
+              <a:defRPr sz="2400" b="0"/>
             </a:lvl1pPr>
             <a:lvl2pPr marL="457200" indent="0">
               <a:buNone/>
@@ -1787,12 +3642,14 @@
         </p:nvSpPr>
         <p:spPr>
           <a:xfrm>
-            <a:off x="1097280" y="2582335"/>
-            <a:ext cx="4937760" cy="3286760"/>
+            <a:off x="675745" y="2737245"/>
+            <a:ext cx="4185623" cy="3304117"/>
           </a:xfrm>
         </p:spPr>
         <p:txBody>
-          <a:bodyPr/>
+          <a:bodyPr>
+            <a:normAutofit/>
+          </a:bodyPr>
           <a:lstStyle/>
           <a:p>
             <a:pPr lvl="0"/>
@@ -1844,22 +3701,18 @@
         </p:nvSpPr>
         <p:spPr>
           <a:xfrm>
-            <a:off x="6217920" y="1846052"/>
-            <a:ext cx="4937760" cy="736282"/>
+            <a:off x="5088383" y="2160983"/>
+            <a:ext cx="4185618" cy="576262"/>
           </a:xfrm>
         </p:spPr>
         <p:txBody>
-          <a:bodyPr lIns="91440" rIns="91440" anchor="ctr">
-            <a:normAutofit/>
+          <a:bodyPr anchor="b">
+            <a:noAutofit/>
           </a:bodyPr>
           <a:lstStyle>
             <a:lvl1pPr marL="0" indent="0">
               <a:buNone/>
-              <a:defRPr sz="2000" b="0" cap="all" baseline="0">
-                <a:solidFill>
-                  <a:schemeClr val="tx2"/>
-                </a:solidFill>
-              </a:defRPr>
+              <a:defRPr sz="2400" b="0"/>
             </a:lvl1pPr>
             <a:lvl2pPr marL="457200" indent="0">
               <a:buNone/>
@@ -1915,12 +3768,14 @@
         </p:nvSpPr>
         <p:spPr>
           <a:xfrm>
-            <a:off x="6217920" y="2582334"/>
-            <a:ext cx="4937760" cy="3286760"/>
+            <a:off x="5088384" y="2737245"/>
+            <a:ext cx="4185617" cy="3304117"/>
           </a:xfrm>
         </p:spPr>
         <p:txBody>
-          <a:bodyPr/>
+          <a:bodyPr>
+            <a:normAutofit/>
+          </a:bodyPr>
           <a:lstStyle/>
           <a:p>
             <a:pPr lvl="0"/>
@@ -1977,7 +3832,7 @@
           <a:p>
             <a:fld id="{D933E509-20CD-44C2-A6F1-23D693B9F666}" type="datetimeFigureOut">
               <a:rPr lang="en-US" smtClean="0"/>
-              <a:t>3/23/2022</a:t>
+              <a:t>4/20/2022</a:t>
             </a:fld>
             <a:endParaRPr lang="en-US"/>
           </a:p>
@@ -2028,7 +3883,7 @@
     </p:spTree>
     <p:extLst>
       <p:ext uri="{BB962C8B-B14F-4D97-AF65-F5344CB8AC3E}">
-        <p14:creationId xmlns:p14="http://schemas.microsoft.com/office/powerpoint/2010/main" val="562664320"/>
+        <p14:creationId xmlns:p14="http://schemas.microsoft.com/office/powerpoint/2010/main" val="3530574946"/>
       </p:ext>
     </p:extLst>
   </p:cSld>
@@ -2065,7 +3920,12 @@
             <p:ph type="title"/>
           </p:nvPr>
         </p:nvSpPr>
-        <p:spPr/>
+        <p:spPr>
+          <a:xfrm>
+            <a:off x="677334" y="609600"/>
+            <a:ext cx="8596668" cy="1320800"/>
+          </a:xfrm>
+        </p:spPr>
         <p:txBody>
           <a:bodyPr/>
           <a:lstStyle/>
@@ -2095,7 +3955,7 @@
           <a:p>
             <a:fld id="{D933E509-20CD-44C2-A6F1-23D693B9F666}" type="datetimeFigureOut">
               <a:rPr lang="en-US" smtClean="0"/>
-              <a:t>3/23/2022</a:t>
+              <a:t>4/20/2022</a:t>
             </a:fld>
             <a:endParaRPr lang="en-US"/>
           </a:p>
@@ -2146,7 +4006,7 @@
     </p:spTree>
     <p:extLst>
       <p:ext uri="{BB962C8B-B14F-4D97-AF65-F5344CB8AC3E}">
-        <p14:creationId xmlns:p14="http://schemas.microsoft.com/office/powerpoint/2010/main" val="3549814496"/>
+        <p14:creationId xmlns:p14="http://schemas.microsoft.com/office/powerpoint/2010/main" val="148753619"/>
       </p:ext>
     </p:extLst>
   </p:cSld>
@@ -2157,7 +4017,7 @@
 </file>
 
 <file path=ppt/slideLayouts/slideLayout7.xml><?xml version="1.0" encoding="utf-8"?>
-<p:sldLayout xmlns:a="http://schemas.openxmlformats.org/drawingml/2006/main" xmlns:r="http://schemas.openxmlformats.org/officeDocument/2006/relationships" xmlns:p="http://schemas.openxmlformats.org/presentationml/2006/main" showMasterSp="0" type="blank" preserve="1">
+<p:sldLayout xmlns:a="http://schemas.openxmlformats.org/drawingml/2006/main" xmlns:r="http://schemas.openxmlformats.org/officeDocument/2006/relationships" xmlns:p="http://schemas.openxmlformats.org/presentationml/2006/main" type="blank" preserve="1">
   <p:cSld name="Blank">
     <p:spTree>
       <p:nvGrpSpPr>
@@ -2175,83 +4035,7 @@
       </p:grpSpPr>
       <p:sp>
         <p:nvSpPr>
-          <p:cNvPr id="5" name="Rectangle 4"/>
-          <p:cNvSpPr/>
-          <p:nvPr/>
-        </p:nvSpPr>
-        <p:spPr>
-          <a:xfrm>
-            <a:off x="3175" y="6400800"/>
-            <a:ext cx="12188825" cy="457200"/>
-          </a:xfrm>
-          <a:prstGeom prst="rect">
-            <a:avLst/>
-          </a:prstGeom>
-          <a:solidFill>
-            <a:schemeClr val="accent2"/>
-          </a:solidFill>
-          <a:ln>
-            <a:noFill/>
-          </a:ln>
-        </p:spPr>
-        <p:style>
-          <a:lnRef idx="2">
-            <a:schemeClr val="accent1">
-              <a:shade val="50000"/>
-            </a:schemeClr>
-          </a:lnRef>
-          <a:fillRef idx="1">
-            <a:schemeClr val="accent1"/>
-          </a:fillRef>
-          <a:effectRef idx="0">
-            <a:schemeClr val="accent1"/>
-          </a:effectRef>
-          <a:fontRef idx="minor">
-            <a:schemeClr val="lt1"/>
-          </a:fontRef>
-        </p:style>
-      </p:sp>
-      <p:sp>
-        <p:nvSpPr>
-          <p:cNvPr id="6" name="Rectangle 5"/>
-          <p:cNvSpPr/>
-          <p:nvPr/>
-        </p:nvSpPr>
-        <p:spPr>
-          <a:xfrm>
-            <a:off x="15" y="6334316"/>
-            <a:ext cx="12188825" cy="64008"/>
-          </a:xfrm>
-          <a:prstGeom prst="rect">
-            <a:avLst/>
-          </a:prstGeom>
-          <a:solidFill>
-            <a:schemeClr val="accent1"/>
-          </a:solidFill>
-          <a:ln>
-            <a:noFill/>
-          </a:ln>
-        </p:spPr>
-        <p:style>
-          <a:lnRef idx="2">
-            <a:schemeClr val="accent1">
-              <a:shade val="50000"/>
-            </a:schemeClr>
-          </a:lnRef>
-          <a:fillRef idx="1">
-            <a:schemeClr val="accent1"/>
-          </a:fillRef>
-          <a:effectRef idx="0">
-            <a:schemeClr val="accent1"/>
-          </a:effectRef>
-          <a:fontRef idx="minor">
-            <a:schemeClr val="lt1"/>
-          </a:fontRef>
-        </p:style>
-      </p:sp>
-      <p:sp>
-        <p:nvSpPr>
-          <p:cNvPr id="7" name="Date Placeholder 6"/>
+          <p:cNvPr id="2" name="Date Placeholder 1"/>
           <p:cNvSpPr>
             <a:spLocks noGrp="1"/>
           </p:cNvSpPr>
@@ -2266,7 +4050,7 @@
           <a:p>
             <a:fld id="{D933E509-20CD-44C2-A6F1-23D693B9F666}" type="datetimeFigureOut">
               <a:rPr lang="en-US" smtClean="0"/>
-              <a:t>3/23/2022</a:t>
+              <a:t>4/20/2022</a:t>
             </a:fld>
             <a:endParaRPr lang="en-US"/>
           </a:p>
@@ -2274,7 +4058,7 @@
       </p:sp>
       <p:sp>
         <p:nvSpPr>
-          <p:cNvPr id="8" name="Footer Placeholder 7"/>
+          <p:cNvPr id="3" name="Footer Placeholder 2"/>
           <p:cNvSpPr>
             <a:spLocks noGrp="1"/>
           </p:cNvSpPr>
@@ -2285,15 +4069,7 @@
         <p:spPr/>
         <p:txBody>
           <a:bodyPr/>
-          <a:lstStyle>
-            <a:lvl1pPr>
-              <a:defRPr>
-                <a:solidFill>
-                  <a:srgbClr val="FFFFFF"/>
-                </a:solidFill>
-              </a:defRPr>
-            </a:lvl1pPr>
-          </a:lstStyle>
+          <a:lstStyle/>
           <a:p>
             <a:endParaRPr lang="en-US"/>
           </a:p>
@@ -2301,7 +4077,7 @@
       </p:sp>
       <p:sp>
         <p:nvSpPr>
-          <p:cNvPr id="9" name="Slide Number Placeholder 8"/>
+          <p:cNvPr id="4" name="Slide Number Placeholder 3"/>
           <p:cNvSpPr>
             <a:spLocks noGrp="1"/>
           </p:cNvSpPr>
@@ -2325,7 +4101,7 @@
     </p:spTree>
     <p:extLst>
       <p:ext uri="{BB962C8B-B14F-4D97-AF65-F5344CB8AC3E}">
-        <p14:creationId xmlns:p14="http://schemas.microsoft.com/office/powerpoint/2010/main" val="3834904453"/>
+        <p14:creationId xmlns:p14="http://schemas.microsoft.com/office/powerpoint/2010/main" val="359256359"/>
       </p:ext>
     </p:extLst>
   </p:cSld>
@@ -2336,7 +4112,7 @@
 </file>
 
 <file path=ppt/slideLayouts/slideLayout8.xml><?xml version="1.0" encoding="utf-8"?>
-<p:sldLayout xmlns:a="http://schemas.openxmlformats.org/drawingml/2006/main" xmlns:r="http://schemas.openxmlformats.org/officeDocument/2006/relationships" xmlns:p="http://schemas.openxmlformats.org/presentationml/2006/main" showMasterSp="0" type="objTx" preserve="1">
+<p:sldLayout xmlns:a="http://schemas.openxmlformats.org/drawingml/2006/main" xmlns:r="http://schemas.openxmlformats.org/officeDocument/2006/relationships" xmlns:p="http://schemas.openxmlformats.org/presentationml/2006/main" type="objTx" preserve="1">
   <p:cSld name="Content with Caption">
     <p:spTree>
       <p:nvGrpSpPr>
@@ -2354,94 +4130,18 @@
       </p:grpSpPr>
       <p:sp>
         <p:nvSpPr>
-          <p:cNvPr id="8" name="Rectangle 7"/>
-          <p:cNvSpPr/>
-          <p:nvPr/>
+          <p:cNvPr id="2" name="Title 1"/>
+          <p:cNvSpPr>
+            <a:spLocks noGrp="1"/>
+          </p:cNvSpPr>
+          <p:nvPr>
+            <p:ph type="title"/>
+          </p:nvPr>
         </p:nvSpPr>
         <p:spPr>
           <a:xfrm>
-            <a:off x="16" y="0"/>
-            <a:ext cx="4050791" cy="6858000"/>
-          </a:xfrm>
-          <a:prstGeom prst="rect">
-            <a:avLst/>
-          </a:prstGeom>
-          <a:solidFill>
-            <a:schemeClr val="accent2"/>
-          </a:solidFill>
-          <a:ln>
-            <a:noFill/>
-          </a:ln>
-        </p:spPr>
-        <p:style>
-          <a:lnRef idx="2">
-            <a:schemeClr val="accent1">
-              <a:shade val="50000"/>
-            </a:schemeClr>
-          </a:lnRef>
-          <a:fillRef idx="1">
-            <a:schemeClr val="accent1"/>
-          </a:fillRef>
-          <a:effectRef idx="0">
-            <a:schemeClr val="accent1"/>
-          </a:effectRef>
-          <a:fontRef idx="minor">
-            <a:schemeClr val="lt1"/>
-          </a:fontRef>
-        </p:style>
-      </p:sp>
-      <p:sp>
-        <p:nvSpPr>
-          <p:cNvPr id="9" name="Rectangle 8"/>
-          <p:cNvSpPr/>
-          <p:nvPr/>
-        </p:nvSpPr>
-        <p:spPr>
-          <a:xfrm>
-            <a:off x="4040071" y="0"/>
-            <a:ext cx="64008" cy="6858000"/>
-          </a:xfrm>
-          <a:prstGeom prst="rect">
-            <a:avLst/>
-          </a:prstGeom>
-          <a:solidFill>
-            <a:schemeClr val="accent1"/>
-          </a:solidFill>
-          <a:ln>
-            <a:noFill/>
-          </a:ln>
-        </p:spPr>
-        <p:style>
-          <a:lnRef idx="2">
-            <a:schemeClr val="accent1">
-              <a:shade val="50000"/>
-            </a:schemeClr>
-          </a:lnRef>
-          <a:fillRef idx="1">
-            <a:schemeClr val="accent1"/>
-          </a:fillRef>
-          <a:effectRef idx="0">
-            <a:schemeClr val="accent1"/>
-          </a:effectRef>
-          <a:fontRef idx="minor">
-            <a:schemeClr val="lt1"/>
-          </a:fontRef>
-        </p:style>
-      </p:sp>
-      <p:sp>
-        <p:nvSpPr>
-          <p:cNvPr id="2" name="Title 1"/>
-          <p:cNvSpPr>
-            <a:spLocks noGrp="1"/>
-          </p:cNvSpPr>
-          <p:nvPr>
-            <p:ph type="title"/>
-          </p:nvPr>
-        </p:nvSpPr>
-        <p:spPr>
-          <a:xfrm>
-            <a:off x="457200" y="594359"/>
-            <a:ext cx="3200400" cy="2286000"/>
+            <a:off x="677334" y="1498604"/>
+            <a:ext cx="3854528" cy="1278466"/>
           </a:xfrm>
         </p:spPr>
         <p:txBody>
@@ -2450,11 +4150,7 @@
           </a:bodyPr>
           <a:lstStyle>
             <a:lvl1pPr>
-              <a:defRPr sz="3600" b="0">
-                <a:solidFill>
-                  <a:srgbClr val="FFFFFF"/>
-                </a:solidFill>
-              </a:defRPr>
+              <a:defRPr sz="2000"/>
             </a:lvl1pPr>
           </a:lstStyle>
           <a:p>
@@ -2478,12 +4174,14 @@
         </p:nvSpPr>
         <p:spPr>
           <a:xfrm>
-            <a:off x="4800600" y="731520"/>
-            <a:ext cx="6492240" cy="5257800"/>
+            <a:off x="4760461" y="514924"/>
+            <a:ext cx="4513541" cy="5526437"/>
           </a:xfrm>
         </p:spPr>
         <p:txBody>
-          <a:bodyPr/>
+          <a:bodyPr>
+            <a:normAutofit/>
+          </a:bodyPr>
           <a:lstStyle/>
           <a:p>
             <a:pPr lvl="0"/>
@@ -2535,54 +4233,50 @@
         </p:nvSpPr>
         <p:spPr>
           <a:xfrm>
-            <a:off x="457200" y="2926080"/>
-            <a:ext cx="3200400" cy="3379124"/>
+            <a:off x="677334" y="2777069"/>
+            <a:ext cx="3854528" cy="2584449"/>
           </a:xfrm>
         </p:spPr>
         <p:txBody>
-          <a:bodyPr lIns="91440" rIns="91440">
+          <a:bodyPr>
             <a:normAutofit/>
           </a:bodyPr>
           <a:lstStyle>
             <a:lvl1pPr marL="0" indent="0">
               <a:buNone/>
-              <a:defRPr sz="1500">
-                <a:solidFill>
-                  <a:srgbClr val="FFFFFF"/>
-                </a:solidFill>
-              </a:defRPr>
+              <a:defRPr sz="1400"/>
             </a:lvl1pPr>
-            <a:lvl2pPr marL="457200" indent="0">
+            <a:lvl2pPr marL="457063" indent="0">
+              <a:buNone/>
+              <a:defRPr sz="1400"/>
+            </a:lvl2pPr>
+            <a:lvl3pPr marL="914126" indent="0">
               <a:buNone/>
               <a:defRPr sz="1200"/>
-            </a:lvl2pPr>
-            <a:lvl3pPr marL="914400" indent="0">
+            </a:lvl3pPr>
+            <a:lvl4pPr marL="1371189" indent="0">
               <a:buNone/>
               <a:defRPr sz="1000"/>
-            </a:lvl3pPr>
-            <a:lvl4pPr marL="1371600" indent="0">
-              <a:buNone/>
-              <a:defRPr sz="900"/>
             </a:lvl4pPr>
-            <a:lvl5pPr marL="1828800" indent="0">
-              <a:buNone/>
-              <a:defRPr sz="900"/>
+            <a:lvl5pPr marL="1828251" indent="0">
+              <a:buNone/>
+              <a:defRPr sz="1000"/>
             </a:lvl5pPr>
-            <a:lvl6pPr marL="2286000" indent="0">
-              <a:buNone/>
-              <a:defRPr sz="900"/>
+            <a:lvl6pPr marL="2285314" indent="0">
+              <a:buNone/>
+              <a:defRPr sz="1000"/>
             </a:lvl6pPr>
-            <a:lvl7pPr marL="2743200" indent="0">
-              <a:buNone/>
-              <a:defRPr sz="900"/>
+            <a:lvl7pPr marL="2742377" indent="0">
+              <a:buNone/>
+              <a:defRPr sz="1000"/>
             </a:lvl7pPr>
-            <a:lvl8pPr marL="3200400" indent="0">
-              <a:buNone/>
-              <a:defRPr sz="900"/>
+            <a:lvl8pPr marL="3199440" indent="0">
+              <a:buNone/>
+              <a:defRPr sz="1000"/>
             </a:lvl8pPr>
-            <a:lvl9pPr marL="3657600" indent="0">
-              <a:buNone/>
-              <a:defRPr sz="900"/>
+            <a:lvl9pPr marL="3656503" indent="0">
+              <a:buNone/>
+              <a:defRPr sz="1000"/>
             </a:lvl9pPr>
           </a:lstStyle>
           <a:p>
@@ -2604,23 +4298,14 @@
             <p:ph type="dt" sz="half" idx="10"/>
           </p:nvPr>
         </p:nvSpPr>
-        <p:spPr>
-          <a:xfrm>
-            <a:off x="465512" y="6459785"/>
-            <a:ext cx="2618510" cy="365125"/>
-          </a:xfrm>
-        </p:spPr>
+        <p:spPr/>
         <p:txBody>
           <a:bodyPr/>
-          <a:lstStyle>
-            <a:lvl1pPr algn="l">
-              <a:defRPr/>
-            </a:lvl1pPr>
-          </a:lstStyle>
+          <a:lstStyle/>
           <a:p>
             <a:fld id="{D933E509-20CD-44C2-A6F1-23D693B9F666}" type="datetimeFigureOut">
               <a:rPr lang="en-US" smtClean="0"/>
-              <a:t>3/23/2022</a:t>
+              <a:t>4/20/2022</a:t>
             </a:fld>
             <a:endParaRPr lang="en-US"/>
           </a:p>
@@ -2636,23 +4321,10 @@
             <p:ph type="ftr" sz="quarter" idx="11"/>
           </p:nvPr>
         </p:nvSpPr>
-        <p:spPr>
-          <a:xfrm>
-            <a:off x="4800600" y="6459785"/>
-            <a:ext cx="4648200" cy="365125"/>
-          </a:xfrm>
-        </p:spPr>
+        <p:spPr/>
         <p:txBody>
           <a:bodyPr/>
-          <a:lstStyle>
-            <a:lvl1pPr algn="l">
-              <a:defRPr>
-                <a:solidFill>
-                  <a:schemeClr val="tx2"/>
-                </a:solidFill>
-              </a:defRPr>
-            </a:lvl1pPr>
-          </a:lstStyle>
+          <a:lstStyle/>
           <a:p>
             <a:endParaRPr lang="en-US"/>
           </a:p>
@@ -2671,15 +4343,7 @@
         <p:spPr/>
         <p:txBody>
           <a:bodyPr/>
-          <a:lstStyle>
-            <a:lvl1pPr>
-              <a:defRPr>
-                <a:solidFill>
-                  <a:schemeClr val="tx2"/>
-                </a:solidFill>
-              </a:defRPr>
-            </a:lvl1pPr>
-          </a:lstStyle>
+          <a:lstStyle/>
           <a:p>
             <a:fld id="{41D5E322-ADDD-46D9-B39F-A10D8AD1626A}" type="slidenum">
               <a:rPr lang="en-US" smtClean="0"/>
@@ -2692,7 +4356,7 @@
     </p:spTree>
     <p:extLst>
       <p:ext uri="{BB962C8B-B14F-4D97-AF65-F5344CB8AC3E}">
-        <p14:creationId xmlns:p14="http://schemas.microsoft.com/office/powerpoint/2010/main" val="870909920"/>
+        <p14:creationId xmlns:p14="http://schemas.microsoft.com/office/powerpoint/2010/main" val="1785782067"/>
       </p:ext>
     </p:extLst>
   </p:cSld>
@@ -2703,7 +4367,7 @@
 </file>
 
 <file path=ppt/slideLayouts/slideLayout9.xml><?xml version="1.0" encoding="utf-8"?>
-<p:sldLayout xmlns:a="http://schemas.openxmlformats.org/drawingml/2006/main" xmlns:r="http://schemas.openxmlformats.org/officeDocument/2006/relationships" xmlns:p="http://schemas.openxmlformats.org/presentationml/2006/main" showMasterSp="0" type="picTx" preserve="1">
+<p:sldLayout xmlns:a="http://schemas.openxmlformats.org/drawingml/2006/main" xmlns:r="http://schemas.openxmlformats.org/officeDocument/2006/relationships" xmlns:p="http://schemas.openxmlformats.org/presentationml/2006/main" type="picTx" preserve="1">
   <p:cSld name="Picture with Caption">
     <p:spTree>
       <p:nvGrpSpPr>
@@ -2721,222 +4385,129 @@
       </p:grpSpPr>
       <p:sp>
         <p:nvSpPr>
-          <p:cNvPr id="8" name="Rectangle 7"/>
-          <p:cNvSpPr/>
-          <p:nvPr/>
+          <p:cNvPr id="2" name="Title 1"/>
+          <p:cNvSpPr>
+            <a:spLocks noGrp="1"/>
+          </p:cNvSpPr>
+          <p:nvPr>
+            <p:ph type="title"/>
+          </p:nvPr>
         </p:nvSpPr>
         <p:spPr>
           <a:xfrm>
-            <a:off x="0" y="4953000"/>
-            <a:ext cx="12188825" cy="1905000"/>
+            <a:off x="677334" y="4800600"/>
+            <a:ext cx="8596667" cy="566738"/>
           </a:xfrm>
-          <a:prstGeom prst="rect">
-            <a:avLst/>
-          </a:prstGeom>
-          <a:solidFill>
-            <a:schemeClr val="accent2"/>
-          </a:solidFill>
-          <a:ln>
-            <a:noFill/>
-          </a:ln>
         </p:spPr>
-        <p:style>
-          <a:lnRef idx="2">
-            <a:schemeClr val="accent1">
-              <a:shade val="50000"/>
-            </a:schemeClr>
-          </a:lnRef>
-          <a:fillRef idx="1">
-            <a:schemeClr val="accent1"/>
-          </a:fillRef>
-          <a:effectRef idx="0">
-            <a:schemeClr val="accent1"/>
-          </a:effectRef>
-          <a:fontRef idx="minor">
-            <a:schemeClr val="lt1"/>
-          </a:fontRef>
-        </p:style>
-      </p:sp>
-      <p:sp>
-        <p:nvSpPr>
-          <p:cNvPr id="9" name="Rectangle 8"/>
-          <p:cNvSpPr/>
-          <p:nvPr/>
+        <p:txBody>
+          <a:bodyPr anchor="b">
+            <a:normAutofit/>
+          </a:bodyPr>
+          <a:lstStyle>
+            <a:lvl1pPr algn="l">
+              <a:defRPr sz="2400" b="0"/>
+            </a:lvl1pPr>
+          </a:lstStyle>
+          <a:p>
+            <a:r>
+              <a:rPr lang="en-US"/>
+              <a:t>Click to edit Master title style</a:t>
+            </a:r>
+            <a:endParaRPr lang="en-US" dirty="0"/>
+          </a:p>
+        </p:txBody>
+      </p:sp>
+      <p:sp>
+        <p:nvSpPr>
+          <p:cNvPr id="3" name="Picture Placeholder 2"/>
+          <p:cNvSpPr>
+            <a:spLocks noGrp="1" noChangeAspect="1"/>
+          </p:cNvSpPr>
+          <p:nvPr>
+            <p:ph type="pic" idx="1"/>
+          </p:nvPr>
         </p:nvSpPr>
         <p:spPr>
           <a:xfrm>
-            <a:off x="15" y="4915076"/>
-            <a:ext cx="12188825" cy="64008"/>
+            <a:off x="677334" y="609600"/>
+            <a:ext cx="8596668" cy="3845718"/>
           </a:xfrm>
-          <a:prstGeom prst="rect">
-            <a:avLst/>
-          </a:prstGeom>
-          <a:solidFill>
-            <a:schemeClr val="accent1"/>
-          </a:solidFill>
-          <a:ln>
-            <a:noFill/>
-          </a:ln>
         </p:spPr>
-        <p:style>
-          <a:lnRef idx="2">
-            <a:schemeClr val="accent1">
-              <a:shade val="50000"/>
-            </a:schemeClr>
-          </a:lnRef>
-          <a:fillRef idx="1">
-            <a:schemeClr val="accent1"/>
-          </a:fillRef>
-          <a:effectRef idx="0">
-            <a:schemeClr val="accent1"/>
-          </a:effectRef>
-          <a:fontRef idx="minor">
-            <a:schemeClr val="lt1"/>
-          </a:fontRef>
-        </p:style>
-      </p:sp>
-      <p:sp>
-        <p:nvSpPr>
-          <p:cNvPr id="2" name="Title 1"/>
-          <p:cNvSpPr>
-            <a:spLocks noGrp="1"/>
-          </p:cNvSpPr>
-          <p:nvPr>
-            <p:ph type="title"/>
+        <p:txBody>
+          <a:bodyPr anchor="t">
+            <a:normAutofit/>
+          </a:bodyPr>
+          <a:lstStyle>
+            <a:lvl1pPr marL="0" indent="0" algn="ctr">
+              <a:buNone/>
+              <a:defRPr sz="1600"/>
+            </a:lvl1pPr>
+            <a:lvl2pPr marL="457200" indent="0">
+              <a:buNone/>
+              <a:defRPr sz="1600"/>
+            </a:lvl2pPr>
+            <a:lvl3pPr marL="914400" indent="0">
+              <a:buNone/>
+              <a:defRPr sz="1600"/>
+            </a:lvl3pPr>
+            <a:lvl4pPr marL="1371600" indent="0">
+              <a:buNone/>
+              <a:defRPr sz="1600"/>
+            </a:lvl4pPr>
+            <a:lvl5pPr marL="1828800" indent="0">
+              <a:buNone/>
+              <a:defRPr sz="1600"/>
+            </a:lvl5pPr>
+            <a:lvl6pPr marL="2286000" indent="0">
+              <a:buNone/>
+              <a:defRPr sz="1600"/>
+            </a:lvl6pPr>
+            <a:lvl7pPr marL="2743200" indent="0">
+              <a:buNone/>
+              <a:defRPr sz="1600"/>
+            </a:lvl7pPr>
+            <a:lvl8pPr marL="3200400" indent="0">
+              <a:buNone/>
+              <a:defRPr sz="1600"/>
+            </a:lvl8pPr>
+            <a:lvl9pPr marL="3657600" indent="0">
+              <a:buNone/>
+              <a:defRPr sz="1600"/>
+            </a:lvl9pPr>
+          </a:lstStyle>
+          <a:p>
+            <a:r>
+              <a:rPr lang="en-US"/>
+              <a:t>Click icon to add picture</a:t>
+            </a:r>
+            <a:endParaRPr lang="en-US" dirty="0"/>
+          </a:p>
+        </p:txBody>
+      </p:sp>
+      <p:sp>
+        <p:nvSpPr>
+          <p:cNvPr id="4" name="Text Placeholder 3"/>
+          <p:cNvSpPr>
+            <a:spLocks noGrp="1"/>
+          </p:cNvSpPr>
+          <p:nvPr>
+            <p:ph type="body" sz="half" idx="2"/>
           </p:nvPr>
         </p:nvSpPr>
         <p:spPr>
           <a:xfrm>
-            <a:off x="1097280" y="5074920"/>
-            <a:ext cx="10113645" cy="822960"/>
+            <a:off x="677334" y="5367338"/>
+            <a:ext cx="8596667" cy="674024"/>
           </a:xfrm>
         </p:spPr>
         <p:txBody>
-          <a:bodyPr tIns="0" bIns="0" anchor="b">
-            <a:noAutofit/>
-          </a:bodyPr>
-          <a:lstStyle>
-            <a:lvl1pPr>
-              <a:defRPr sz="3600" b="0">
-                <a:solidFill>
-                  <a:srgbClr val="FFFFFF"/>
-                </a:solidFill>
-              </a:defRPr>
-            </a:lvl1pPr>
-          </a:lstStyle>
-          <a:p>
-            <a:r>
-              <a:rPr lang="en-US"/>
-              <a:t>Click to edit Master title style</a:t>
-            </a:r>
-            <a:endParaRPr lang="en-US" dirty="0"/>
-          </a:p>
-        </p:txBody>
-      </p:sp>
-      <p:sp>
-        <p:nvSpPr>
-          <p:cNvPr id="3" name="Picture Placeholder 2"/>
-          <p:cNvSpPr>
-            <a:spLocks noGrp="1" noChangeAspect="1"/>
-          </p:cNvSpPr>
-          <p:nvPr>
-            <p:ph type="pic" idx="1"/>
-          </p:nvPr>
-        </p:nvSpPr>
-        <p:spPr>
-          <a:xfrm>
-            <a:off x="15" y="0"/>
-            <a:ext cx="12191985" cy="4915076"/>
-          </a:xfrm>
-          <a:solidFill>
-            <a:schemeClr val="bg2">
-              <a:lumMod val="90000"/>
-            </a:schemeClr>
-          </a:solidFill>
-        </p:spPr>
-        <p:txBody>
-          <a:bodyPr lIns="457200" tIns="457200" anchor="t"/>
-          <a:lstStyle>
-            <a:lvl1pPr marL="0" indent="0">
-              <a:buNone/>
-              <a:defRPr sz="3200"/>
-            </a:lvl1pPr>
-            <a:lvl2pPr marL="457200" indent="0">
-              <a:buNone/>
-              <a:defRPr sz="2800"/>
-            </a:lvl2pPr>
-            <a:lvl3pPr marL="914400" indent="0">
-              <a:buNone/>
-              <a:defRPr sz="2400"/>
-            </a:lvl3pPr>
-            <a:lvl4pPr marL="1371600" indent="0">
-              <a:buNone/>
-              <a:defRPr sz="2000"/>
-            </a:lvl4pPr>
-            <a:lvl5pPr marL="1828800" indent="0">
-              <a:buNone/>
-              <a:defRPr sz="2000"/>
-            </a:lvl5pPr>
-            <a:lvl6pPr marL="2286000" indent="0">
-              <a:buNone/>
-              <a:defRPr sz="2000"/>
-            </a:lvl6pPr>
-            <a:lvl7pPr marL="2743200" indent="0">
-              <a:buNone/>
-              <a:defRPr sz="2000"/>
-            </a:lvl7pPr>
-            <a:lvl8pPr marL="3200400" indent="0">
-              <a:buNone/>
-              <a:defRPr sz="2000"/>
-            </a:lvl8pPr>
-            <a:lvl9pPr marL="3657600" indent="0">
-              <a:buNone/>
-              <a:defRPr sz="2000"/>
-            </a:lvl9pPr>
-          </a:lstStyle>
-          <a:p>
-            <a:r>
-              <a:rPr lang="en-US"/>
-              <a:t>Click icon to add picture</a:t>
-            </a:r>
-            <a:endParaRPr lang="en-US" dirty="0"/>
-          </a:p>
-        </p:txBody>
-      </p:sp>
-      <p:sp>
-        <p:nvSpPr>
-          <p:cNvPr id="4" name="Text Placeholder 3"/>
-          <p:cNvSpPr>
-            <a:spLocks noGrp="1"/>
-          </p:cNvSpPr>
-          <p:nvPr>
-            <p:ph type="body" sz="half" idx="2"/>
-          </p:nvPr>
-        </p:nvSpPr>
-        <p:spPr>
-          <a:xfrm>
-            <a:off x="1097280" y="5907024"/>
-            <a:ext cx="10113264" cy="594360"/>
-          </a:xfrm>
-        </p:spPr>
-        <p:txBody>
-          <a:bodyPr lIns="91440" tIns="0" rIns="91440" bIns="0">
+          <a:bodyPr>
             <a:normAutofit/>
           </a:bodyPr>
           <a:lstStyle>
             <a:lvl1pPr marL="0" indent="0">
-              <a:spcBef>
-                <a:spcPts val="0"/>
-              </a:spcBef>
-              <a:spcAft>
-                <a:spcPts val="600"/>
-              </a:spcAft>
-              <a:buNone/>
-              <a:defRPr sz="1500">
-                <a:solidFill>
-                  <a:srgbClr val="FFFFFF"/>
-                </a:solidFill>
-              </a:defRPr>
+              <a:buNone/>
+              <a:defRPr sz="1200"/>
             </a:lvl1pPr>
             <a:lvl2pPr marL="457200" indent="0">
               <a:buNone/>
@@ -2997,7 +4568,7 @@
           <a:p>
             <a:fld id="{D933E509-20CD-44C2-A6F1-23D693B9F666}" type="datetimeFigureOut">
               <a:rPr lang="en-US" smtClean="0"/>
-              <a:t>3/23/2022</a:t>
+              <a:t>4/20/2022</a:t>
             </a:fld>
             <a:endParaRPr lang="en-US"/>
           </a:p>
@@ -3048,7 +4619,7 @@
     </p:spTree>
     <p:extLst>
       <p:ext uri="{BB962C8B-B14F-4D97-AF65-F5344CB8AC3E}">
-        <p14:creationId xmlns:p14="http://schemas.microsoft.com/office/powerpoint/2010/main" val="702008850"/>
+        <p14:creationId xmlns:p14="http://schemas.microsoft.com/office/powerpoint/2010/main" val="1349341468"/>
       </p:ext>
     </p:extLst>
   </p:cSld>
@@ -3080,103 +4651,557 @@
           <a:chExt cx="0" cy="0"/>
         </a:xfrm>
       </p:grpSpPr>
-      <p:sp>
-        <p:nvSpPr>
-          <p:cNvPr id="7" name="Rectangle 6"/>
-          <p:cNvSpPr/>
+      <p:grpSp>
+        <p:nvGrpSpPr>
+          <p:cNvPr id="7" name="Group 6"/>
+          <p:cNvGrpSpPr/>
           <p:nvPr/>
+        </p:nvGrpSpPr>
+        <p:grpSpPr>
+          <a:xfrm>
+            <a:off x="0" y="-8467"/>
+            <a:ext cx="12192000" cy="6866467"/>
+            <a:chOff x="0" y="-8467"/>
+            <a:chExt cx="12192000" cy="6866467"/>
+          </a:xfrm>
+        </p:grpSpPr>
+        <p:cxnSp>
+          <p:nvCxnSpPr>
+            <p:cNvPr id="20" name="Straight Connector 19"/>
+            <p:cNvCxnSpPr/>
+            <p:nvPr/>
+          </p:nvCxnSpPr>
+          <p:spPr>
+            <a:xfrm>
+              <a:off x="9371012" y="0"/>
+              <a:ext cx="1219200" cy="6858000"/>
+            </a:xfrm>
+            <a:prstGeom prst="line">
+              <a:avLst/>
+            </a:prstGeom>
+            <a:ln w="9525">
+              <a:solidFill>
+                <a:schemeClr val="bg1">
+                  <a:lumMod val="75000"/>
+                </a:schemeClr>
+              </a:solidFill>
+            </a:ln>
+          </p:spPr>
+          <p:style>
+            <a:lnRef idx="2">
+              <a:schemeClr val="accent1"/>
+            </a:lnRef>
+            <a:fillRef idx="0">
+              <a:schemeClr val="accent1"/>
+            </a:fillRef>
+            <a:effectRef idx="1">
+              <a:schemeClr val="accent1"/>
+            </a:effectRef>
+            <a:fontRef idx="minor">
+              <a:schemeClr val="tx1"/>
+            </a:fontRef>
+          </p:style>
+        </p:cxnSp>
+        <p:cxnSp>
+          <p:nvCxnSpPr>
+            <p:cNvPr id="21" name="Straight Connector 20"/>
+            <p:cNvCxnSpPr/>
+            <p:nvPr/>
+          </p:nvCxnSpPr>
+          <p:spPr>
+            <a:xfrm flipH="1">
+              <a:off x="7425267" y="3681413"/>
+              <a:ext cx="4763558" cy="3176587"/>
+            </a:xfrm>
+            <a:prstGeom prst="line">
+              <a:avLst/>
+            </a:prstGeom>
+            <a:ln w="9525">
+              <a:solidFill>
+                <a:schemeClr val="bg1">
+                  <a:lumMod val="85000"/>
+                </a:schemeClr>
+              </a:solidFill>
+            </a:ln>
+          </p:spPr>
+          <p:style>
+            <a:lnRef idx="2">
+              <a:schemeClr val="accent1"/>
+            </a:lnRef>
+            <a:fillRef idx="0">
+              <a:schemeClr val="accent1"/>
+            </a:fillRef>
+            <a:effectRef idx="1">
+              <a:schemeClr val="accent1"/>
+            </a:effectRef>
+            <a:fontRef idx="minor">
+              <a:schemeClr val="tx1"/>
+            </a:fontRef>
+          </p:style>
+        </p:cxnSp>
+        <p:sp>
+          <p:nvSpPr>
+            <p:cNvPr id="22" name="Rectangle 23"/>
+            <p:cNvSpPr/>
+            <p:nvPr/>
+          </p:nvSpPr>
+          <p:spPr>
+            <a:xfrm>
+              <a:off x="9181476" y="-8467"/>
+              <a:ext cx="3007349" cy="6866467"/>
+            </a:xfrm>
+            <a:custGeom>
+              <a:avLst/>
+              <a:gdLst/>
+              <a:ahLst/>
+              <a:cxnLst/>
+              <a:rect l="l" t="t" r="r" b="b"/>
+              <a:pathLst>
+                <a:path w="3007349" h="6866467">
+                  <a:moveTo>
+                    <a:pt x="2045532" y="0"/>
+                  </a:moveTo>
+                  <a:lnTo>
+                    <a:pt x="3007349" y="0"/>
+                  </a:lnTo>
+                  <a:lnTo>
+                    <a:pt x="3007349" y="6866467"/>
+                  </a:lnTo>
+                  <a:lnTo>
+                    <a:pt x="0" y="6866467"/>
+                  </a:lnTo>
+                  <a:lnTo>
+                    <a:pt x="2045532" y="0"/>
+                  </a:lnTo>
+                  <a:close/>
+                </a:path>
+              </a:pathLst>
+            </a:custGeom>
+            <a:solidFill>
+              <a:schemeClr val="accent1">
+                <a:alpha val="30000"/>
+              </a:schemeClr>
+            </a:solidFill>
+            <a:ln>
+              <a:noFill/>
+            </a:ln>
+            <a:effectLst/>
+          </p:spPr>
+          <p:style>
+            <a:lnRef idx="1">
+              <a:schemeClr val="accent1"/>
+            </a:lnRef>
+            <a:fillRef idx="3">
+              <a:schemeClr val="accent1"/>
+            </a:fillRef>
+            <a:effectRef idx="2">
+              <a:schemeClr val="accent1"/>
+            </a:effectRef>
+            <a:fontRef idx="minor">
+              <a:schemeClr val="lt1"/>
+            </a:fontRef>
+          </p:style>
+        </p:sp>
+        <p:sp>
+          <p:nvSpPr>
+            <p:cNvPr id="23" name="Rectangle 25"/>
+            <p:cNvSpPr/>
+            <p:nvPr/>
+          </p:nvSpPr>
+          <p:spPr>
+            <a:xfrm>
+              <a:off x="9603442" y="-8467"/>
+              <a:ext cx="2588558" cy="6866467"/>
+            </a:xfrm>
+            <a:custGeom>
+              <a:avLst/>
+              <a:gdLst/>
+              <a:ahLst/>
+              <a:cxnLst/>
+              <a:rect l="l" t="t" r="r" b="b"/>
+              <a:pathLst>
+                <a:path w="2573311" h="6866467">
+                  <a:moveTo>
+                    <a:pt x="0" y="0"/>
+                  </a:moveTo>
+                  <a:lnTo>
+                    <a:pt x="2573311" y="0"/>
+                  </a:lnTo>
+                  <a:lnTo>
+                    <a:pt x="2573311" y="6866467"/>
+                  </a:lnTo>
+                  <a:lnTo>
+                    <a:pt x="1202336" y="6866467"/>
+                  </a:lnTo>
+                  <a:lnTo>
+                    <a:pt x="0" y="0"/>
+                  </a:lnTo>
+                  <a:close/>
+                </a:path>
+              </a:pathLst>
+            </a:custGeom>
+            <a:solidFill>
+              <a:schemeClr val="accent1">
+                <a:alpha val="20000"/>
+              </a:schemeClr>
+            </a:solidFill>
+            <a:ln>
+              <a:noFill/>
+            </a:ln>
+            <a:effectLst/>
+          </p:spPr>
+          <p:style>
+            <a:lnRef idx="1">
+              <a:schemeClr val="accent1"/>
+            </a:lnRef>
+            <a:fillRef idx="3">
+              <a:schemeClr val="accent1"/>
+            </a:fillRef>
+            <a:effectRef idx="2">
+              <a:schemeClr val="accent1"/>
+            </a:effectRef>
+            <a:fontRef idx="minor">
+              <a:schemeClr val="lt1"/>
+            </a:fontRef>
+          </p:style>
+        </p:sp>
+        <p:sp>
+          <p:nvSpPr>
+            <p:cNvPr id="24" name="Isosceles Triangle 23"/>
+            <p:cNvSpPr/>
+            <p:nvPr/>
+          </p:nvSpPr>
+          <p:spPr>
+            <a:xfrm>
+              <a:off x="8932333" y="3048000"/>
+              <a:ext cx="3259667" cy="3810000"/>
+            </a:xfrm>
+            <a:prstGeom prst="triangle">
+              <a:avLst>
+                <a:gd name="adj" fmla="val 100000"/>
+              </a:avLst>
+            </a:prstGeom>
+            <a:solidFill>
+              <a:schemeClr val="accent2">
+                <a:alpha val="72000"/>
+              </a:schemeClr>
+            </a:solidFill>
+            <a:ln>
+              <a:noFill/>
+            </a:ln>
+            <a:effectLst/>
+          </p:spPr>
+          <p:style>
+            <a:lnRef idx="1">
+              <a:schemeClr val="accent1"/>
+            </a:lnRef>
+            <a:fillRef idx="3">
+              <a:schemeClr val="accent1"/>
+            </a:fillRef>
+            <a:effectRef idx="2">
+              <a:schemeClr val="accent1"/>
+            </a:effectRef>
+            <a:fontRef idx="minor">
+              <a:schemeClr val="lt1"/>
+            </a:fontRef>
+          </p:style>
+        </p:sp>
+        <p:sp>
+          <p:nvSpPr>
+            <p:cNvPr id="25" name="Rectangle 27"/>
+            <p:cNvSpPr/>
+            <p:nvPr/>
+          </p:nvSpPr>
+          <p:spPr>
+            <a:xfrm>
+              <a:off x="9334500" y="-8467"/>
+              <a:ext cx="2854326" cy="6866467"/>
+            </a:xfrm>
+            <a:custGeom>
+              <a:avLst/>
+              <a:gdLst/>
+              <a:ahLst/>
+              <a:cxnLst/>
+              <a:rect l="l" t="t" r="r" b="b"/>
+              <a:pathLst>
+                <a:path w="2858013" h="6866467">
+                  <a:moveTo>
+                    <a:pt x="0" y="0"/>
+                  </a:moveTo>
+                  <a:lnTo>
+                    <a:pt x="2858013" y="0"/>
+                  </a:lnTo>
+                  <a:lnTo>
+                    <a:pt x="2858013" y="6866467"/>
+                  </a:lnTo>
+                  <a:lnTo>
+                    <a:pt x="2473942" y="6866467"/>
+                  </a:lnTo>
+                  <a:lnTo>
+                    <a:pt x="0" y="0"/>
+                  </a:lnTo>
+                  <a:close/>
+                </a:path>
+              </a:pathLst>
+            </a:custGeom>
+            <a:solidFill>
+              <a:schemeClr val="accent2">
+                <a:lumMod val="75000"/>
+                <a:alpha val="70000"/>
+              </a:schemeClr>
+            </a:solidFill>
+            <a:ln>
+              <a:noFill/>
+            </a:ln>
+            <a:effectLst/>
+          </p:spPr>
+          <p:style>
+            <a:lnRef idx="1">
+              <a:schemeClr val="accent1"/>
+            </a:lnRef>
+            <a:fillRef idx="3">
+              <a:schemeClr val="accent1"/>
+            </a:fillRef>
+            <a:effectRef idx="2">
+              <a:schemeClr val="accent1"/>
+            </a:effectRef>
+            <a:fontRef idx="minor">
+              <a:schemeClr val="lt1"/>
+            </a:fontRef>
+          </p:style>
+        </p:sp>
+        <p:sp>
+          <p:nvSpPr>
+            <p:cNvPr id="26" name="Rectangle 28"/>
+            <p:cNvSpPr/>
+            <p:nvPr/>
+          </p:nvSpPr>
+          <p:spPr>
+            <a:xfrm>
+              <a:off x="10898730" y="-8467"/>
+              <a:ext cx="1290094" cy="6866467"/>
+            </a:xfrm>
+            <a:custGeom>
+              <a:avLst/>
+              <a:gdLst/>
+              <a:ahLst/>
+              <a:cxnLst/>
+              <a:rect l="l" t="t" r="r" b="b"/>
+              <a:pathLst>
+                <a:path w="1290094" h="6858000">
+                  <a:moveTo>
+                    <a:pt x="1019735" y="0"/>
+                  </a:moveTo>
+                  <a:lnTo>
+                    <a:pt x="1290094" y="0"/>
+                  </a:lnTo>
+                  <a:lnTo>
+                    <a:pt x="1290094" y="6858000"/>
+                  </a:lnTo>
+                  <a:lnTo>
+                    <a:pt x="0" y="6858000"/>
+                  </a:lnTo>
+                  <a:lnTo>
+                    <a:pt x="1019735" y="0"/>
+                  </a:lnTo>
+                  <a:close/>
+                </a:path>
+              </a:pathLst>
+            </a:custGeom>
+            <a:solidFill>
+              <a:schemeClr val="accent1">
+                <a:lumMod val="60000"/>
+                <a:lumOff val="40000"/>
+                <a:alpha val="70000"/>
+              </a:schemeClr>
+            </a:solidFill>
+            <a:ln>
+              <a:noFill/>
+            </a:ln>
+            <a:effectLst/>
+          </p:spPr>
+          <p:style>
+            <a:lnRef idx="1">
+              <a:schemeClr val="accent1"/>
+            </a:lnRef>
+            <a:fillRef idx="3">
+              <a:schemeClr val="accent1"/>
+            </a:fillRef>
+            <a:effectRef idx="2">
+              <a:schemeClr val="accent1"/>
+            </a:effectRef>
+            <a:fontRef idx="minor">
+              <a:schemeClr val="lt1"/>
+            </a:fontRef>
+          </p:style>
+        </p:sp>
+        <p:sp>
+          <p:nvSpPr>
+            <p:cNvPr id="27" name="Rectangle 29"/>
+            <p:cNvSpPr/>
+            <p:nvPr/>
+          </p:nvSpPr>
+          <p:spPr>
+            <a:xfrm>
+              <a:off x="10938999" y="-8467"/>
+              <a:ext cx="1249825" cy="6866467"/>
+            </a:xfrm>
+            <a:custGeom>
+              <a:avLst/>
+              <a:gdLst/>
+              <a:ahLst/>
+              <a:cxnLst/>
+              <a:rect l="l" t="t" r="r" b="b"/>
+              <a:pathLst>
+                <a:path w="1249825" h="6858000">
+                  <a:moveTo>
+                    <a:pt x="0" y="0"/>
+                  </a:moveTo>
+                  <a:lnTo>
+                    <a:pt x="1249825" y="0"/>
+                  </a:lnTo>
+                  <a:lnTo>
+                    <a:pt x="1249825" y="6858000"/>
+                  </a:lnTo>
+                  <a:lnTo>
+                    <a:pt x="1109382" y="6858000"/>
+                  </a:lnTo>
+                  <a:lnTo>
+                    <a:pt x="0" y="0"/>
+                  </a:lnTo>
+                  <a:close/>
+                </a:path>
+              </a:pathLst>
+            </a:custGeom>
+            <a:solidFill>
+              <a:schemeClr val="accent1">
+                <a:alpha val="65000"/>
+              </a:schemeClr>
+            </a:solidFill>
+            <a:ln>
+              <a:noFill/>
+            </a:ln>
+            <a:effectLst/>
+          </p:spPr>
+          <p:style>
+            <a:lnRef idx="1">
+              <a:schemeClr val="accent1"/>
+            </a:lnRef>
+            <a:fillRef idx="3">
+              <a:schemeClr val="accent1"/>
+            </a:fillRef>
+            <a:effectRef idx="2">
+              <a:schemeClr val="accent1"/>
+            </a:effectRef>
+            <a:fontRef idx="minor">
+              <a:schemeClr val="lt1"/>
+            </a:fontRef>
+          </p:style>
+        </p:sp>
+        <p:sp>
+          <p:nvSpPr>
+            <p:cNvPr id="28" name="Isosceles Triangle 27"/>
+            <p:cNvSpPr/>
+            <p:nvPr/>
+          </p:nvSpPr>
+          <p:spPr>
+            <a:xfrm>
+              <a:off x="10371666" y="3589867"/>
+              <a:ext cx="1817159" cy="3268133"/>
+            </a:xfrm>
+            <a:prstGeom prst="triangle">
+              <a:avLst>
+                <a:gd name="adj" fmla="val 100000"/>
+              </a:avLst>
+            </a:prstGeom>
+            <a:solidFill>
+              <a:schemeClr val="accent1">
+                <a:alpha val="80000"/>
+              </a:schemeClr>
+            </a:solidFill>
+            <a:ln>
+              <a:noFill/>
+            </a:ln>
+            <a:effectLst/>
+          </p:spPr>
+          <p:style>
+            <a:lnRef idx="1">
+              <a:schemeClr val="accent1"/>
+            </a:lnRef>
+            <a:fillRef idx="3">
+              <a:schemeClr val="accent1"/>
+            </a:fillRef>
+            <a:effectRef idx="2">
+              <a:schemeClr val="accent1"/>
+            </a:effectRef>
+            <a:fontRef idx="minor">
+              <a:schemeClr val="lt1"/>
+            </a:fontRef>
+          </p:style>
+        </p:sp>
+        <p:sp>
+          <p:nvSpPr>
+            <p:cNvPr id="29" name="Isosceles Triangle 28"/>
+            <p:cNvSpPr/>
+            <p:nvPr/>
+          </p:nvSpPr>
+          <p:spPr>
+            <a:xfrm>
+              <a:off x="0" y="4013200"/>
+              <a:ext cx="448733" cy="2844800"/>
+            </a:xfrm>
+            <a:prstGeom prst="triangle">
+              <a:avLst>
+                <a:gd name="adj" fmla="val 0"/>
+              </a:avLst>
+            </a:prstGeom>
+            <a:solidFill>
+              <a:schemeClr val="accent1">
+                <a:alpha val="85000"/>
+              </a:schemeClr>
+            </a:solidFill>
+            <a:ln>
+              <a:noFill/>
+            </a:ln>
+            <a:effectLst/>
+          </p:spPr>
+          <p:style>
+            <a:lnRef idx="1">
+              <a:schemeClr val="accent1"/>
+            </a:lnRef>
+            <a:fillRef idx="3">
+              <a:schemeClr val="accent1"/>
+            </a:fillRef>
+            <a:effectRef idx="2">
+              <a:schemeClr val="accent1"/>
+            </a:effectRef>
+            <a:fontRef idx="minor">
+              <a:schemeClr val="lt1"/>
+            </a:fontRef>
+          </p:style>
+        </p:sp>
+      </p:grpSp>
+      <p:sp>
+        <p:nvSpPr>
+          <p:cNvPr id="2" name="Title Placeholder 1"/>
+          <p:cNvSpPr>
+            <a:spLocks noGrp="1"/>
+          </p:cNvSpPr>
+          <p:nvPr>
+            <p:ph type="title"/>
+          </p:nvPr>
         </p:nvSpPr>
         <p:spPr>
           <a:xfrm>
-            <a:off x="3175" y="6400800"/>
-            <a:ext cx="12188825" cy="457200"/>
-          </a:xfrm>
-          <a:prstGeom prst="rect">
-            <a:avLst/>
-          </a:prstGeom>
-          <a:solidFill>
-            <a:schemeClr val="accent2"/>
-          </a:solidFill>
-          <a:ln>
-            <a:noFill/>
-          </a:ln>
-        </p:spPr>
-        <p:style>
-          <a:lnRef idx="2">
-            <a:schemeClr val="accent1">
-              <a:shade val="50000"/>
-            </a:schemeClr>
-          </a:lnRef>
-          <a:fillRef idx="1">
-            <a:schemeClr val="accent1"/>
-          </a:fillRef>
-          <a:effectRef idx="0">
-            <a:schemeClr val="accent1"/>
-          </a:effectRef>
-          <a:fontRef idx="minor">
-            <a:schemeClr val="lt1"/>
-          </a:fontRef>
-        </p:style>
-      </p:sp>
-      <p:sp>
-        <p:nvSpPr>
-          <p:cNvPr id="9" name="Rectangle 8"/>
-          <p:cNvSpPr/>
-          <p:nvPr/>
-        </p:nvSpPr>
-        <p:spPr>
-          <a:xfrm>
-            <a:off x="15" y="6334316"/>
-            <a:ext cx="12188825" cy="64008"/>
-          </a:xfrm>
-          <a:prstGeom prst="rect">
-            <a:avLst/>
-          </a:prstGeom>
-          <a:solidFill>
-            <a:schemeClr val="accent1"/>
-          </a:solidFill>
-          <a:ln>
-            <a:noFill/>
-          </a:ln>
-        </p:spPr>
-        <p:style>
-          <a:lnRef idx="2">
-            <a:schemeClr val="accent1">
-              <a:shade val="50000"/>
-            </a:schemeClr>
-          </a:lnRef>
-          <a:fillRef idx="1">
-            <a:schemeClr val="accent1"/>
-          </a:fillRef>
-          <a:effectRef idx="0">
-            <a:schemeClr val="accent1"/>
-          </a:effectRef>
-          <a:fontRef idx="minor">
-            <a:schemeClr val="lt1"/>
-          </a:fontRef>
-        </p:style>
-      </p:sp>
-      <p:sp>
-        <p:nvSpPr>
-          <p:cNvPr id="2" name="Title Placeholder 1"/>
-          <p:cNvSpPr>
-            <a:spLocks noGrp="1"/>
-          </p:cNvSpPr>
-          <p:nvPr>
-            <p:ph type="title"/>
-          </p:nvPr>
-        </p:nvSpPr>
-        <p:spPr>
-          <a:xfrm>
-            <a:off x="1097280" y="286603"/>
-            <a:ext cx="10058400" cy="1450757"/>
+            <a:off x="677334" y="609600"/>
+            <a:ext cx="8596668" cy="1320800"/>
           </a:xfrm>
           <a:prstGeom prst="rect">
             <a:avLst/>
           </a:prstGeom>
         </p:spPr>
         <p:txBody>
-          <a:bodyPr vert="horz" lIns="91440" tIns="45720" rIns="91440" bIns="45720" rtlCol="0" anchor="b">
+          <a:bodyPr vert="horz" lIns="91440" tIns="45720" rIns="91440" bIns="45720" rtlCol="0" anchor="t">
             <a:normAutofit/>
           </a:bodyPr>
           <a:lstStyle/>
@@ -3201,15 +5226,15 @@
         </p:nvSpPr>
         <p:spPr>
           <a:xfrm>
-            <a:off x="1097280" y="1845734"/>
-            <a:ext cx="10058400" cy="4023360"/>
+            <a:off x="677334" y="2160589"/>
+            <a:ext cx="8596668" cy="3880773"/>
           </a:xfrm>
           <a:prstGeom prst="rect">
             <a:avLst/>
           </a:prstGeom>
         </p:spPr>
         <p:txBody>
-          <a:bodyPr vert="horz" lIns="0" tIns="45720" rIns="0" bIns="45720" rtlCol="0">
+          <a:bodyPr vert="horz" lIns="91440" tIns="45720" rIns="91440" bIns="45720" rtlCol="0">
             <a:normAutofit/>
           </a:bodyPr>
           <a:lstStyle/>
@@ -3263,8 +5288,8 @@
         </p:nvSpPr>
         <p:spPr>
           <a:xfrm>
-            <a:off x="1097280" y="6459785"/>
-            <a:ext cx="2472271" cy="365125"/>
+            <a:off x="7205133" y="6041362"/>
+            <a:ext cx="911939" cy="365125"/>
           </a:xfrm>
           <a:prstGeom prst="rect">
             <a:avLst/>
@@ -3273,10 +5298,12 @@
         <p:txBody>
           <a:bodyPr vert="horz" lIns="91440" tIns="45720" rIns="91440" bIns="45720" rtlCol="0" anchor="ctr"/>
           <a:lstStyle>
-            <a:lvl1pPr algn="l">
+            <a:lvl1pPr algn="r">
               <a:defRPr sz="900">
                 <a:solidFill>
-                  <a:srgbClr val="FFFFFF"/>
+                  <a:schemeClr val="tx1">
+                    <a:tint val="75000"/>
+                  </a:schemeClr>
                 </a:solidFill>
               </a:defRPr>
             </a:lvl1pPr>
@@ -3284,7 +5311,7 @@
           <a:p>
             <a:fld id="{D933E509-20CD-44C2-A6F1-23D693B9F666}" type="datetimeFigureOut">
               <a:rPr lang="en-US" smtClean="0"/>
-              <a:t>3/23/2022</a:t>
+              <a:t>4/20/2022</a:t>
             </a:fld>
             <a:endParaRPr lang="en-US"/>
           </a:p>
@@ -3302,8 +5329,8 @@
         </p:nvSpPr>
         <p:spPr>
           <a:xfrm>
-            <a:off x="3686185" y="6459785"/>
-            <a:ext cx="4822804" cy="365125"/>
+            <a:off x="677334" y="6041362"/>
+            <a:ext cx="6297612" cy="365125"/>
           </a:xfrm>
           <a:prstGeom prst="rect">
             <a:avLst/>
@@ -3312,10 +5339,12 @@
         <p:txBody>
           <a:bodyPr vert="horz" lIns="91440" tIns="45720" rIns="91440" bIns="45720" rtlCol="0" anchor="ctr"/>
           <a:lstStyle>
-            <a:lvl1pPr algn="ctr">
-              <a:defRPr sz="900" cap="all" baseline="0">
-                <a:solidFill>
-                  <a:srgbClr val="FFFFFF"/>
+            <a:lvl1pPr algn="l">
+              <a:defRPr sz="900">
+                <a:solidFill>
+                  <a:schemeClr val="tx1">
+                    <a:tint val="75000"/>
+                  </a:schemeClr>
                 </a:solidFill>
               </a:defRPr>
             </a:lvl1pPr>
@@ -3337,8 +5366,8 @@
         </p:nvSpPr>
         <p:spPr>
           <a:xfrm>
-            <a:off x="9900458" y="6459785"/>
-            <a:ext cx="1312025" cy="365125"/>
+            <a:off x="8590663" y="6041362"/>
+            <a:ext cx="683339" cy="365125"/>
           </a:xfrm>
           <a:prstGeom prst="rect">
             <a:avLst/>
@@ -3348,9 +5377,9 @@
           <a:bodyPr vert="horz" lIns="91440" tIns="45720" rIns="91440" bIns="45720" rtlCol="0" anchor="ctr"/>
           <a:lstStyle>
             <a:lvl1pPr algn="r">
-              <a:defRPr sz="1050">
-                <a:solidFill>
-                  <a:srgbClr val="FFFFFF"/>
+              <a:defRPr sz="900">
+                <a:solidFill>
+                  <a:schemeClr val="accent1"/>
                 </a:solidFill>
               </a:defRPr>
             </a:lvl1pPr>
@@ -3364,106 +5393,120 @@
           </a:p>
         </p:txBody>
       </p:sp>
-      <p:cxnSp>
-        <p:nvCxnSpPr>
-          <p:cNvPr id="10" name="Straight Connector 9"/>
-          <p:cNvCxnSpPr/>
-          <p:nvPr/>
-        </p:nvCxnSpPr>
-        <p:spPr>
-          <a:xfrm>
-            <a:off x="1193532" y="1737845"/>
-            <a:ext cx="9966960" cy="0"/>
-          </a:xfrm>
-          <a:prstGeom prst="line">
-            <a:avLst/>
-          </a:prstGeom>
-          <a:ln w="6350">
-            <a:solidFill>
-              <a:schemeClr val="tx1">
-                <a:lumMod val="50000"/>
-                <a:lumOff val="50000"/>
-              </a:schemeClr>
-            </a:solidFill>
-          </a:ln>
-        </p:spPr>
-        <p:style>
-          <a:lnRef idx="1">
-            <a:schemeClr val="accent1"/>
-          </a:lnRef>
-          <a:fillRef idx="0">
-            <a:schemeClr val="accent1"/>
-          </a:fillRef>
-          <a:effectRef idx="0">
-            <a:schemeClr val="accent1"/>
-          </a:effectRef>
-          <a:fontRef idx="minor">
-            <a:schemeClr val="tx1"/>
-          </a:fontRef>
-        </p:style>
-      </p:cxnSp>
     </p:spTree>
     <p:extLst>
       <p:ext uri="{BB962C8B-B14F-4D97-AF65-F5344CB8AC3E}">
-        <p14:creationId xmlns:p14="http://schemas.microsoft.com/office/powerpoint/2010/main" val="3555258548"/>
+        <p14:creationId xmlns:p14="http://schemas.microsoft.com/office/powerpoint/2010/main" val="3717088723"/>
       </p:ext>
     </p:extLst>
   </p:cSld>
   <p:clrMap bg1="lt1" tx1="dk1" bg2="lt2" tx2="dk2" accent1="accent1" accent2="accent2" accent3="accent3" accent4="accent4" accent5="accent5" accent6="accent6" hlink="hlink" folHlink="folHlink"/>
   <p:sldLayoutIdLst>
-    <p:sldLayoutId id="2147483685" r:id="rId1"/>
-    <p:sldLayoutId id="2147483686" r:id="rId2"/>
-    <p:sldLayoutId id="2147483687" r:id="rId3"/>
-    <p:sldLayoutId id="2147483688" r:id="rId4"/>
-    <p:sldLayoutId id="2147483689" r:id="rId5"/>
-    <p:sldLayoutId id="2147483690" r:id="rId6"/>
-    <p:sldLayoutId id="2147483691" r:id="rId7"/>
-    <p:sldLayoutId id="2147483692" r:id="rId8"/>
-    <p:sldLayoutId id="2147483693" r:id="rId9"/>
-    <p:sldLayoutId id="2147483694" r:id="rId10"/>
-    <p:sldLayoutId id="2147483695" r:id="rId11"/>
+    <p:sldLayoutId id="2147483697" r:id="rId1"/>
+    <p:sldLayoutId id="2147483698" r:id="rId2"/>
+    <p:sldLayoutId id="2147483699" r:id="rId3"/>
+    <p:sldLayoutId id="2147483700" r:id="rId4"/>
+    <p:sldLayoutId id="2147483701" r:id="rId5"/>
+    <p:sldLayoutId id="2147483702" r:id="rId6"/>
+    <p:sldLayoutId id="2147483703" r:id="rId7"/>
+    <p:sldLayoutId id="2147483704" r:id="rId8"/>
+    <p:sldLayoutId id="2147483705" r:id="rId9"/>
+    <p:sldLayoutId id="2147483706" r:id="rId10"/>
+    <p:sldLayoutId id="2147483707" r:id="rId11"/>
+    <p:sldLayoutId id="2147483708" r:id="rId12"/>
+    <p:sldLayoutId id="2147483709" r:id="rId13"/>
+    <p:sldLayoutId id="2147483710" r:id="rId14"/>
+    <p:sldLayoutId id="2147483711" r:id="rId15"/>
+    <p:sldLayoutId id="2147483712" r:id="rId16"/>
   </p:sldLayoutIdLst>
   <p:txStyles>
     <p:titleStyle>
-      <a:lvl1pPr algn="l" defTabSz="914400" rtl="0" eaLnBrk="1" latinLnBrk="0" hangingPunct="1">
-        <a:lnSpc>
-          <a:spcPct val="85000"/>
-        </a:lnSpc>
+      <a:lvl1pPr algn="l" defTabSz="457200" rtl="0" eaLnBrk="1" latinLnBrk="0" hangingPunct="1">
         <a:spcBef>
           <a:spcPct val="0"/>
         </a:spcBef>
         <a:buNone/>
-        <a:defRPr sz="4800" kern="1200" spc="-50" baseline="0">
+        <a:defRPr sz="3600" kern="1200">
           <a:solidFill>
-            <a:schemeClr val="tx1">
-              <a:lumMod val="75000"/>
-              <a:lumOff val="25000"/>
-            </a:schemeClr>
+            <a:schemeClr val="accent1"/>
           </a:solidFill>
           <a:latin typeface="+mj-lt"/>
           <a:ea typeface="+mj-ea"/>
           <a:cs typeface="+mj-cs"/>
         </a:defRPr>
       </a:lvl1pPr>
+      <a:lvl2pPr eaLnBrk="1" hangingPunct="1">
+        <a:defRPr>
+          <a:solidFill>
+            <a:schemeClr val="tx2"/>
+          </a:solidFill>
+        </a:defRPr>
+      </a:lvl2pPr>
+      <a:lvl3pPr eaLnBrk="1" hangingPunct="1">
+        <a:defRPr>
+          <a:solidFill>
+            <a:schemeClr val="tx2"/>
+          </a:solidFill>
+        </a:defRPr>
+      </a:lvl3pPr>
+      <a:lvl4pPr eaLnBrk="1" hangingPunct="1">
+        <a:defRPr>
+          <a:solidFill>
+            <a:schemeClr val="tx2"/>
+          </a:solidFill>
+        </a:defRPr>
+      </a:lvl4pPr>
+      <a:lvl5pPr eaLnBrk="1" hangingPunct="1">
+        <a:defRPr>
+          <a:solidFill>
+            <a:schemeClr val="tx2"/>
+          </a:solidFill>
+        </a:defRPr>
+      </a:lvl5pPr>
+      <a:lvl6pPr eaLnBrk="1" hangingPunct="1">
+        <a:defRPr>
+          <a:solidFill>
+            <a:schemeClr val="tx2"/>
+          </a:solidFill>
+        </a:defRPr>
+      </a:lvl6pPr>
+      <a:lvl7pPr eaLnBrk="1" hangingPunct="1">
+        <a:defRPr>
+          <a:solidFill>
+            <a:schemeClr val="tx2"/>
+          </a:solidFill>
+        </a:defRPr>
+      </a:lvl7pPr>
+      <a:lvl8pPr eaLnBrk="1" hangingPunct="1">
+        <a:defRPr>
+          <a:solidFill>
+            <a:schemeClr val="tx2"/>
+          </a:solidFill>
+        </a:defRPr>
+      </a:lvl8pPr>
+      <a:lvl9pPr eaLnBrk="1" hangingPunct="1">
+        <a:defRPr>
+          <a:solidFill>
+            <a:schemeClr val="tx2"/>
+          </a:solidFill>
+        </a:defRPr>
+      </a:lvl9pPr>
     </p:titleStyle>
     <p:bodyStyle>
-      <a:lvl1pPr marL="91440" indent="-91440" algn="l" defTabSz="914400" rtl="0" eaLnBrk="1" latinLnBrk="0" hangingPunct="1">
-        <a:lnSpc>
-          <a:spcPct val="90000"/>
-        </a:lnSpc>
+      <a:lvl1pPr marL="342900" indent="-342900" algn="l" defTabSz="457200" rtl="0" eaLnBrk="1" latinLnBrk="0" hangingPunct="1">
         <a:spcBef>
-          <a:spcPts val="1200"/>
+          <a:spcPts val="1000"/>
         </a:spcBef>
         <a:spcAft>
-          <a:spcPts val="200"/>
+          <a:spcPts val="0"/>
         </a:spcAft>
         <a:buClr>
           <a:schemeClr val="accent1"/>
         </a:buClr>
-        <a:buSzPct val="100000"/>
-        <a:buFont typeface="Calibri" panose="020F0502020204030204" pitchFamily="34" charset="0"/>
-        <a:buChar char=" "/>
-        <a:defRPr sz="2000" kern="1200">
+        <a:buSzPct val="80000"/>
+        <a:buFont typeface="Wingdings 3" charset="2"/>
+        <a:buChar char=""/>
+        <a:defRPr sz="1800" kern="1200">
           <a:solidFill>
             <a:schemeClr val="tx1">
               <a:lumMod val="75000"/>
@@ -3475,22 +5518,20 @@
           <a:cs typeface="+mn-cs"/>
         </a:defRPr>
       </a:lvl1pPr>
-      <a:lvl2pPr marL="384048" indent="-182880" algn="l" defTabSz="914400" rtl="0" eaLnBrk="1" latinLnBrk="0" hangingPunct="1">
-        <a:lnSpc>
-          <a:spcPct val="90000"/>
-        </a:lnSpc>
+      <a:lvl2pPr marL="742950" indent="-285750" algn="l" defTabSz="457200" rtl="0" eaLnBrk="1" latinLnBrk="0" hangingPunct="1">
         <a:spcBef>
-          <a:spcPts val="200"/>
+          <a:spcPts val="1000"/>
         </a:spcBef>
         <a:spcAft>
-          <a:spcPts val="400"/>
+          <a:spcPts val="0"/>
         </a:spcAft>
         <a:buClr>
           <a:schemeClr val="accent1"/>
         </a:buClr>
-        <a:buFont typeface="Calibri" pitchFamily="34" charset="0"/>
-        <a:buChar char="◦"/>
-        <a:defRPr sz="1800" kern="1200">
+        <a:buSzPct val="80000"/>
+        <a:buFont typeface="Wingdings 3" charset="2"/>
+        <a:buChar char=""/>
+        <a:defRPr sz="1600" kern="1200">
           <a:solidFill>
             <a:schemeClr val="tx1">
               <a:lumMod val="75000"/>
@@ -3502,21 +5543,19 @@
           <a:cs typeface="+mn-cs"/>
         </a:defRPr>
       </a:lvl2pPr>
-      <a:lvl3pPr marL="566928" indent="-182880" algn="l" defTabSz="914400" rtl="0" eaLnBrk="1" latinLnBrk="0" hangingPunct="1">
-        <a:lnSpc>
-          <a:spcPct val="90000"/>
-        </a:lnSpc>
+      <a:lvl3pPr marL="1143000" indent="-228600" algn="l" defTabSz="457200" rtl="0" eaLnBrk="1" latinLnBrk="0" hangingPunct="1">
         <a:spcBef>
-          <a:spcPts val="200"/>
+          <a:spcPts val="1000"/>
         </a:spcBef>
         <a:spcAft>
-          <a:spcPts val="400"/>
+          <a:spcPts val="0"/>
         </a:spcAft>
         <a:buClr>
           <a:schemeClr val="accent1"/>
         </a:buClr>
-        <a:buFont typeface="Calibri" pitchFamily="34" charset="0"/>
-        <a:buChar char="◦"/>
+        <a:buSzPct val="80000"/>
+        <a:buFont typeface="Wingdings 3" charset="2"/>
+        <a:buChar char=""/>
         <a:defRPr sz="1400" kern="1200">
           <a:solidFill>
             <a:schemeClr val="tx1">
@@ -3529,22 +5568,20 @@
           <a:cs typeface="+mn-cs"/>
         </a:defRPr>
       </a:lvl3pPr>
-      <a:lvl4pPr marL="749808" indent="-182880" algn="l" defTabSz="914400" rtl="0" eaLnBrk="1" latinLnBrk="0" hangingPunct="1">
-        <a:lnSpc>
-          <a:spcPct val="90000"/>
-        </a:lnSpc>
+      <a:lvl4pPr marL="1600200" indent="-228600" algn="l" defTabSz="457200" rtl="0" eaLnBrk="1" latinLnBrk="0" hangingPunct="1">
         <a:spcBef>
-          <a:spcPts val="200"/>
+          <a:spcPts val="1000"/>
         </a:spcBef>
         <a:spcAft>
-          <a:spcPts val="400"/>
+          <a:spcPts val="0"/>
         </a:spcAft>
         <a:buClr>
           <a:schemeClr val="accent1"/>
         </a:buClr>
-        <a:buFont typeface="Calibri" pitchFamily="34" charset="0"/>
-        <a:buChar char="◦"/>
-        <a:defRPr sz="1400" kern="1200">
+        <a:buSzPct val="80000"/>
+        <a:buFont typeface="Wingdings 3" charset="2"/>
+        <a:buChar char=""/>
+        <a:defRPr sz="1200" kern="1200">
           <a:solidFill>
             <a:schemeClr val="tx1">
               <a:lumMod val="75000"/>
@@ -3556,22 +5593,20 @@
           <a:cs typeface="+mn-cs"/>
         </a:defRPr>
       </a:lvl4pPr>
-      <a:lvl5pPr marL="932688" indent="-182880" algn="l" defTabSz="914400" rtl="0" eaLnBrk="1" latinLnBrk="0" hangingPunct="1">
-        <a:lnSpc>
-          <a:spcPct val="90000"/>
-        </a:lnSpc>
+      <a:lvl5pPr marL="2057400" indent="-228600" algn="l" defTabSz="457200" rtl="0" eaLnBrk="1" latinLnBrk="0" hangingPunct="1">
         <a:spcBef>
-          <a:spcPts val="200"/>
+          <a:spcPts val="1000"/>
         </a:spcBef>
         <a:spcAft>
-          <a:spcPts val="400"/>
+          <a:spcPts val="0"/>
         </a:spcAft>
         <a:buClr>
           <a:schemeClr val="accent1"/>
         </a:buClr>
-        <a:buFont typeface="Calibri" pitchFamily="34" charset="0"/>
-        <a:buChar char="◦"/>
-        <a:defRPr sz="1400" kern="1200">
+        <a:buSzPct val="80000"/>
+        <a:buFont typeface="Wingdings 3" charset="2"/>
+        <a:buChar char=""/>
+        <a:defRPr sz="1200" kern="1200">
           <a:solidFill>
             <a:schemeClr val="tx1">
               <a:lumMod val="75000"/>
@@ -3583,22 +5618,20 @@
           <a:cs typeface="+mn-cs"/>
         </a:defRPr>
       </a:lvl5pPr>
-      <a:lvl6pPr marL="1100000" indent="-228600" algn="l" defTabSz="914400" rtl="0" eaLnBrk="1" latinLnBrk="0" hangingPunct="1">
-        <a:lnSpc>
-          <a:spcPct val="90000"/>
-        </a:lnSpc>
+      <a:lvl6pPr marL="2514600" indent="-228600" algn="l" defTabSz="457200" rtl="0" eaLnBrk="1" latinLnBrk="0" hangingPunct="1">
         <a:spcBef>
-          <a:spcPts val="200"/>
+          <a:spcPts val="1000"/>
         </a:spcBef>
         <a:spcAft>
-          <a:spcPts val="400"/>
+          <a:spcPts val="0"/>
         </a:spcAft>
         <a:buClr>
           <a:schemeClr val="accent1"/>
         </a:buClr>
-        <a:buFont typeface="Calibri" pitchFamily="34" charset="0"/>
-        <a:buChar char="◦"/>
-        <a:defRPr sz="1400" kern="1200">
+        <a:buSzPct val="80000"/>
+        <a:buFont typeface="Wingdings 3" charset="2"/>
+        <a:buChar char=""/>
+        <a:defRPr sz="1200" kern="1200">
           <a:solidFill>
             <a:schemeClr val="tx1">
               <a:lumMod val="75000"/>
@@ -3610,22 +5643,20 @@
           <a:cs typeface="+mn-cs"/>
         </a:defRPr>
       </a:lvl6pPr>
-      <a:lvl7pPr marL="1300000" indent="-228600" algn="l" defTabSz="914400" rtl="0" eaLnBrk="1" latinLnBrk="0" hangingPunct="1">
-        <a:lnSpc>
-          <a:spcPct val="90000"/>
-        </a:lnSpc>
+      <a:lvl7pPr marL="2971800" indent="-228600" algn="l" defTabSz="457200" rtl="0" eaLnBrk="1" latinLnBrk="0" hangingPunct="1">
         <a:spcBef>
-          <a:spcPts val="200"/>
+          <a:spcPts val="1000"/>
         </a:spcBef>
         <a:spcAft>
-          <a:spcPts val="400"/>
+          <a:spcPts val="0"/>
         </a:spcAft>
         <a:buClr>
           <a:schemeClr val="accent1"/>
         </a:buClr>
-        <a:buFont typeface="Calibri" pitchFamily="34" charset="0"/>
-        <a:buChar char="◦"/>
-        <a:defRPr sz="1400" kern="1200">
+        <a:buSzPct val="80000"/>
+        <a:buFont typeface="Wingdings 3" charset="2"/>
+        <a:buChar char=""/>
+        <a:defRPr sz="1200" kern="1200">
           <a:solidFill>
             <a:schemeClr val="tx1">
               <a:lumMod val="75000"/>
@@ -3637,22 +5668,20 @@
           <a:cs typeface="+mn-cs"/>
         </a:defRPr>
       </a:lvl7pPr>
-      <a:lvl8pPr marL="1500000" indent="-228600" algn="l" defTabSz="914400" rtl="0" eaLnBrk="1" latinLnBrk="0" hangingPunct="1">
-        <a:lnSpc>
-          <a:spcPct val="90000"/>
-        </a:lnSpc>
+      <a:lvl8pPr marL="3429000" indent="-228600" algn="l" defTabSz="457200" rtl="0" eaLnBrk="1" latinLnBrk="0" hangingPunct="1">
         <a:spcBef>
-          <a:spcPts val="200"/>
+          <a:spcPts val="1000"/>
         </a:spcBef>
         <a:spcAft>
-          <a:spcPts val="400"/>
+          <a:spcPts val="0"/>
         </a:spcAft>
         <a:buClr>
           <a:schemeClr val="accent1"/>
         </a:buClr>
-        <a:buFont typeface="Calibri" pitchFamily="34" charset="0"/>
-        <a:buChar char="◦"/>
-        <a:defRPr sz="1400" kern="1200">
+        <a:buSzPct val="80000"/>
+        <a:buFont typeface="Wingdings 3" charset="2"/>
+        <a:buChar char=""/>
+        <a:defRPr sz="1200" kern="1200">
           <a:solidFill>
             <a:schemeClr val="tx1">
               <a:lumMod val="75000"/>
@@ -3664,22 +5693,20 @@
           <a:cs typeface="+mn-cs"/>
         </a:defRPr>
       </a:lvl8pPr>
-      <a:lvl9pPr marL="1700000" indent="-228600" algn="l" defTabSz="914400" rtl="0" eaLnBrk="1" latinLnBrk="0" hangingPunct="1">
-        <a:lnSpc>
-          <a:spcPct val="90000"/>
-        </a:lnSpc>
+      <a:lvl9pPr marL="3886200" indent="-228600" algn="l" defTabSz="457200" rtl="0" eaLnBrk="1" latinLnBrk="0" hangingPunct="1">
         <a:spcBef>
-          <a:spcPts val="200"/>
+          <a:spcPts val="1000"/>
         </a:spcBef>
         <a:spcAft>
-          <a:spcPts val="400"/>
+          <a:spcPts val="0"/>
         </a:spcAft>
         <a:buClr>
           <a:schemeClr val="accent1"/>
         </a:buClr>
-        <a:buFont typeface="Calibri" pitchFamily="34" charset="0"/>
-        <a:buChar char="◦"/>
-        <a:defRPr sz="1400" kern="1200">
+        <a:buSzPct val="80000"/>
+        <a:buFont typeface="Wingdings 3" charset="2"/>
+        <a:buChar char=""/>
+        <a:defRPr sz="1200" kern="1200">
           <a:solidFill>
             <a:schemeClr val="tx1">
               <a:lumMod val="75000"/>
@@ -3696,7 +5723,7 @@
       <a:defPPr>
         <a:defRPr lang="en-US"/>
       </a:defPPr>
-      <a:lvl1pPr marL="0" algn="l" defTabSz="914400" rtl="0" eaLnBrk="1" latinLnBrk="0" hangingPunct="1">
+      <a:lvl1pPr marL="0" algn="l" defTabSz="457200" rtl="0" eaLnBrk="1" latinLnBrk="0" hangingPunct="1">
         <a:defRPr sz="1800" kern="1200">
           <a:solidFill>
             <a:schemeClr val="tx1"/>
@@ -3706,7 +5733,7 @@
           <a:cs typeface="+mn-cs"/>
         </a:defRPr>
       </a:lvl1pPr>
-      <a:lvl2pPr marL="457200" algn="l" defTabSz="914400" rtl="0" eaLnBrk="1" latinLnBrk="0" hangingPunct="1">
+      <a:lvl2pPr marL="457200" algn="l" defTabSz="457200" rtl="0" eaLnBrk="1" latinLnBrk="0" hangingPunct="1">
         <a:defRPr sz="1800" kern="1200">
           <a:solidFill>
             <a:schemeClr val="tx1"/>
@@ -3716,7 +5743,7 @@
           <a:cs typeface="+mn-cs"/>
         </a:defRPr>
       </a:lvl2pPr>
-      <a:lvl3pPr marL="914400" algn="l" defTabSz="914400" rtl="0" eaLnBrk="1" latinLnBrk="0" hangingPunct="1">
+      <a:lvl3pPr marL="914400" algn="l" defTabSz="457200" rtl="0" eaLnBrk="1" latinLnBrk="0" hangingPunct="1">
         <a:defRPr sz="1800" kern="1200">
           <a:solidFill>
             <a:schemeClr val="tx1"/>
@@ -3726,7 +5753,7 @@
           <a:cs typeface="+mn-cs"/>
         </a:defRPr>
       </a:lvl3pPr>
-      <a:lvl4pPr marL="1371600" algn="l" defTabSz="914400" rtl="0" eaLnBrk="1" latinLnBrk="0" hangingPunct="1">
+      <a:lvl4pPr marL="1371600" algn="l" defTabSz="457200" rtl="0" eaLnBrk="1" latinLnBrk="0" hangingPunct="1">
         <a:defRPr sz="1800" kern="1200">
           <a:solidFill>
             <a:schemeClr val="tx1"/>
@@ -3736,7 +5763,7 @@
           <a:cs typeface="+mn-cs"/>
         </a:defRPr>
       </a:lvl4pPr>
-      <a:lvl5pPr marL="1828800" algn="l" defTabSz="914400" rtl="0" eaLnBrk="1" latinLnBrk="0" hangingPunct="1">
+      <a:lvl5pPr marL="1828800" algn="l" defTabSz="457200" rtl="0" eaLnBrk="1" latinLnBrk="0" hangingPunct="1">
         <a:defRPr sz="1800" kern="1200">
           <a:solidFill>
             <a:schemeClr val="tx1"/>
@@ -3746,7 +5773,7 @@
           <a:cs typeface="+mn-cs"/>
         </a:defRPr>
       </a:lvl5pPr>
-      <a:lvl6pPr marL="2286000" algn="l" defTabSz="914400" rtl="0" eaLnBrk="1" latinLnBrk="0" hangingPunct="1">
+      <a:lvl6pPr marL="2286000" algn="l" defTabSz="457200" rtl="0" eaLnBrk="1" latinLnBrk="0" hangingPunct="1">
         <a:defRPr sz="1800" kern="1200">
           <a:solidFill>
             <a:schemeClr val="tx1"/>
@@ -3756,7 +5783,7 @@
           <a:cs typeface="+mn-cs"/>
         </a:defRPr>
       </a:lvl6pPr>
-      <a:lvl7pPr marL="2743200" algn="l" defTabSz="914400" rtl="0" eaLnBrk="1" latinLnBrk="0" hangingPunct="1">
+      <a:lvl7pPr marL="2743200" algn="l" defTabSz="457200" rtl="0" eaLnBrk="1" latinLnBrk="0" hangingPunct="1">
         <a:defRPr sz="1800" kern="1200">
           <a:solidFill>
             <a:schemeClr val="tx1"/>
@@ -3766,7 +5793,7 @@
           <a:cs typeface="+mn-cs"/>
         </a:defRPr>
       </a:lvl7pPr>
-      <a:lvl8pPr marL="3200400" algn="l" defTabSz="914400" rtl="0" eaLnBrk="1" latinLnBrk="0" hangingPunct="1">
+      <a:lvl8pPr marL="3200400" algn="l" defTabSz="457200" rtl="0" eaLnBrk="1" latinLnBrk="0" hangingPunct="1">
         <a:defRPr sz="1800" kern="1200">
           <a:solidFill>
             <a:schemeClr val="tx1"/>
@@ -3776,7 +5803,7 @@
           <a:cs typeface="+mn-cs"/>
         </a:defRPr>
       </a:lvl8pPr>
-      <a:lvl9pPr marL="3657600" algn="l" defTabSz="914400" rtl="0" eaLnBrk="1" latinLnBrk="0" hangingPunct="1">
+      <a:lvl9pPr marL="3657600" algn="l" defTabSz="457200" rtl="0" eaLnBrk="1" latinLnBrk="0" hangingPunct="1">
         <a:defRPr sz="1800" kern="1200">
           <a:solidFill>
             <a:schemeClr val="tx1"/>
@@ -3827,13 +5854,13 @@
         <p:spPr/>
         <p:txBody>
           <a:bodyPr>
-            <a:normAutofit/>
+            <a:normAutofit fontScale="90000"/>
           </a:bodyPr>
           <a:lstStyle/>
           <a:p>
             <a:r>
               <a:rPr lang="en-US" dirty="0"/>
-              <a:t>Building and Deploying a Home Run Model</a:t>
+              <a:t>Understanding the Changes to Baseball</a:t>
             </a:r>
           </a:p>
         </p:txBody>
@@ -3919,7 +5946,7 @@
           <a:p>
             <a:r>
               <a:rPr lang="en-US" dirty="0"/>
-              <a:t>The Home Run Model App</a:t>
+              <a:t>Essential for remaining competitive in new era</a:t>
             </a:r>
           </a:p>
         </p:txBody>
@@ -3958,7 +5985,24 @@
             </a:pPr>
             <a:r>
               <a:rPr lang="en-US" dirty="0"/>
-              <a:t>Linear Regression to Predict Home Runs</a:t>
+              <a:t>Baseball is changing</a:t>
+            </a:r>
+          </a:p>
+          <a:p>
+            <a:pPr>
+              <a:buFont typeface="Wingdings" panose="05000000000000000000" pitchFamily="2" charset="2"/>
+              <a:buChar char="Ø"/>
+            </a:pPr>
+            <a:endParaRPr lang="en-US" dirty="0"/>
+          </a:p>
+          <a:p>
+            <a:pPr>
+              <a:buFont typeface="Wingdings" panose="05000000000000000000" pitchFamily="2" charset="2"/>
+              <a:buChar char="Ø"/>
+            </a:pPr>
+            <a:r>
+              <a:rPr lang="en-US" dirty="0"/>
+              <a:t>Understanding trends for baseball changes</a:t>
             </a:r>
           </a:p>
           <a:p>
@@ -3968,7 +6012,7 @@
             </a:pPr>
             <a:r>
               <a:rPr lang="en-US" dirty="0"/>
-              <a:t>The most exciting part of every game</a:t>
+              <a:t>Leads to better decision making by management, scouts, and coaches</a:t>
             </a:r>
           </a:p>
           <a:p>
@@ -3976,57 +6020,13 @@
               <a:buFont typeface="Wingdings" panose="05000000000000000000" pitchFamily="2" charset="2"/>
               <a:buChar char="Ø"/>
             </a:pPr>
-            <a:endParaRPr lang="en-US" dirty="0"/>
-          </a:p>
-          <a:p>
-            <a:pPr lvl="1">
-              <a:buFont typeface="Wingdings" panose="05000000000000000000" pitchFamily="2" charset="2"/>
-              <a:buChar char="Ø"/>
-            </a:pPr>
             <a:r>
               <a:rPr lang="en-US" dirty="0"/>
-              <a:t> Huge asset to Fantasy Baseball Managers</a:t>
-            </a:r>
-          </a:p>
-          <a:p>
-            <a:pPr lvl="1">
-              <a:buFont typeface="Wingdings" panose="05000000000000000000" pitchFamily="2" charset="2"/>
-              <a:buChar char="Ø"/>
-            </a:pPr>
-            <a:endParaRPr lang="en-US" dirty="0"/>
-          </a:p>
-          <a:p>
-            <a:pPr lvl="1">
-              <a:buFont typeface="Wingdings" panose="05000000000000000000" pitchFamily="2" charset="2"/>
-              <a:buChar char="Ø"/>
-            </a:pPr>
-            <a:r>
-              <a:rPr lang="en-US" dirty="0"/>
-              <a:t> Home Runs have been increasing</a:t>
-            </a:r>
-          </a:p>
-          <a:p>
-            <a:pPr lvl="2">
-              <a:buFont typeface="Wingdings" panose="05000000000000000000" pitchFamily="2" charset="2"/>
-              <a:buChar char="Ø"/>
-            </a:pPr>
-            <a:r>
-              <a:rPr lang="en-US" dirty="0"/>
-              <a:t>2017 – 6105 home runs</a:t>
-            </a:r>
-          </a:p>
-          <a:p>
-            <a:pPr lvl="2">
-              <a:buFont typeface="Wingdings" panose="05000000000000000000" pitchFamily="2" charset="2"/>
-              <a:buChar char="Ø"/>
-            </a:pPr>
-            <a:r>
-              <a:rPr lang="en-US" dirty="0"/>
-              <a:t>2019 – 6776 home runs</a:t>
-            </a:r>
-          </a:p>
-          <a:p>
-            <a:pPr lvl="1">
+              <a:t>Creates definitive benchmarks for players to judge themselves against </a:t>
+            </a:r>
+          </a:p>
+          <a:p>
+            <a:pPr>
               <a:buFont typeface="Wingdings" panose="05000000000000000000" pitchFamily="2" charset="2"/>
               <a:buChar char="Ø"/>
             </a:pPr>
@@ -4119,364 +6119,764 @@
       </p:grpSpPr>
       <p:sp>
         <p:nvSpPr>
-          <p:cNvPr id="2" name="Title 1">
+          <p:cNvPr id="4" name="Rectangle 3">
             <a:extLst>
               <a:ext uri="{FF2B5EF4-FFF2-40B4-BE49-F238E27FC236}">
-                <a16:creationId xmlns:a16="http://schemas.microsoft.com/office/drawing/2014/main" id="{2FBBE737-7112-4131-A328-A9BC2B361838}"/>
+                <a16:creationId xmlns:a16="http://schemas.microsoft.com/office/drawing/2014/main" id="{AEA3B4C7-4ED1-4543-A77E-A1EFF2A6FC47}"/>
               </a:ext>
             </a:extLst>
           </p:cNvPr>
-          <p:cNvSpPr>
-            <a:spLocks noGrp="1"/>
-          </p:cNvSpPr>
-          <p:nvPr>
-            <p:ph type="title"/>
-          </p:nvPr>
-        </p:nvSpPr>
-        <p:spPr/>
-        <p:txBody>
-          <a:bodyPr/>
-          <a:lstStyle/>
-          <a:p>
-            <a:r>
-              <a:rPr lang="en-US" dirty="0"/>
-              <a:t>Methodology</a:t>
-            </a:r>
-          </a:p>
-        </p:txBody>
-      </p:sp>
-      <p:sp>
-        <p:nvSpPr>
-          <p:cNvPr id="3" name="Content Placeholder 2">
+          <p:cNvSpPr/>
+          <p:nvPr/>
+        </p:nvSpPr>
+        <p:spPr>
+          <a:xfrm>
+            <a:off x="1123169" y="1242709"/>
+            <a:ext cx="3228392" cy="2118049"/>
+          </a:xfrm>
+          <a:prstGeom prst="rect">
+            <a:avLst/>
+          </a:prstGeom>
+          <a:solidFill>
+            <a:schemeClr val="accent4">
+              <a:lumMod val="40000"/>
+              <a:lumOff val="60000"/>
+            </a:schemeClr>
+          </a:solidFill>
+        </p:spPr>
+        <p:style>
+          <a:lnRef idx="2">
+            <a:schemeClr val="accent1">
+              <a:shade val="50000"/>
+            </a:schemeClr>
+          </a:lnRef>
+          <a:fillRef idx="1">
+            <a:schemeClr val="accent1"/>
+          </a:fillRef>
+          <a:effectRef idx="0">
+            <a:schemeClr val="accent1"/>
+          </a:effectRef>
+          <a:fontRef idx="minor">
+            <a:schemeClr val="lt1"/>
+          </a:fontRef>
+        </p:style>
+        <p:txBody>
+          <a:bodyPr rtlCol="0" anchor="ctr"/>
+          <a:lstStyle/>
+          <a:p>
+            <a:pPr marL="285750" indent="-285750">
+              <a:buFont typeface="Arial" panose="020B0604020202020204" pitchFamily="34" charset="0"/>
+              <a:buChar char="•"/>
+            </a:pPr>
+            <a:endParaRPr lang="en-US" dirty="0">
+              <a:solidFill>
+                <a:sysClr val="windowText" lastClr="000000"/>
+              </a:solidFill>
+            </a:endParaRPr>
+          </a:p>
+          <a:p>
+            <a:pPr marL="285750" indent="-285750">
+              <a:buFont typeface="Arial" panose="020B0604020202020204" pitchFamily="34" charset="0"/>
+              <a:buChar char="•"/>
+            </a:pPr>
+            <a:endParaRPr lang="en-US" dirty="0">
+              <a:solidFill>
+                <a:sysClr val="windowText" lastClr="000000"/>
+              </a:solidFill>
+            </a:endParaRPr>
+          </a:p>
+          <a:p>
+            <a:pPr marL="285750" indent="-285750">
+              <a:buFont typeface="Arial" panose="020B0604020202020204" pitchFamily="34" charset="0"/>
+              <a:buChar char="•"/>
+            </a:pPr>
+            <a:r>
+              <a:rPr lang="en-US" dirty="0">
+                <a:solidFill>
+                  <a:sysClr val="windowText" lastClr="000000"/>
+                </a:solidFill>
+              </a:rPr>
+              <a:t>Scraped using Beautiful Soup</a:t>
+            </a:r>
+          </a:p>
+          <a:p>
+            <a:pPr marL="285750" indent="-285750">
+              <a:buFont typeface="Arial" panose="020B0604020202020204" pitchFamily="34" charset="0"/>
+              <a:buChar char="•"/>
+            </a:pPr>
+            <a:r>
+              <a:rPr lang="en-US" dirty="0">
+                <a:solidFill>
+                  <a:sysClr val="windowText" lastClr="000000"/>
+                </a:solidFill>
+              </a:rPr>
+              <a:t>Every season since 1914</a:t>
+            </a:r>
+          </a:p>
+        </p:txBody>
+      </p:sp>
+      <p:sp>
+        <p:nvSpPr>
+          <p:cNvPr id="5" name="Rectangle 4">
             <a:extLst>
               <a:ext uri="{FF2B5EF4-FFF2-40B4-BE49-F238E27FC236}">
-                <a16:creationId xmlns:a16="http://schemas.microsoft.com/office/drawing/2014/main" id="{EBCF1DAD-388A-4E08-9030-1D47CD94437D}"/>
+                <a16:creationId xmlns:a16="http://schemas.microsoft.com/office/drawing/2014/main" id="{CD17FD4F-299B-4F19-AF75-ABDCAF0BFEF8}"/>
               </a:ext>
             </a:extLst>
           </p:cNvPr>
-          <p:cNvSpPr>
-            <a:spLocks noGrp="1"/>
-          </p:cNvSpPr>
-          <p:nvPr>
-            <p:ph sz="half" idx="1"/>
-          </p:nvPr>
-        </p:nvSpPr>
-        <p:spPr/>
-        <p:txBody>
-          <a:bodyPr>
-            <a:normAutofit lnSpcReduction="10000"/>
-          </a:bodyPr>
-          <a:lstStyle/>
-          <a:p>
-            <a:pPr>
-              <a:buFont typeface="Wingdings" panose="05000000000000000000" pitchFamily="2" charset="2"/>
-              <a:buChar char="Ø"/>
+          <p:cNvSpPr/>
+          <p:nvPr/>
+        </p:nvSpPr>
+        <p:spPr>
+          <a:xfrm>
+            <a:off x="1190281" y="4195539"/>
+            <a:ext cx="3228392" cy="2118049"/>
+          </a:xfrm>
+          <a:prstGeom prst="rect">
+            <a:avLst/>
+          </a:prstGeom>
+          <a:solidFill>
+            <a:schemeClr val="accent4">
+              <a:lumMod val="40000"/>
+              <a:lumOff val="60000"/>
+            </a:schemeClr>
+          </a:solidFill>
+        </p:spPr>
+        <p:style>
+          <a:lnRef idx="2">
+            <a:schemeClr val="accent1">
+              <a:shade val="50000"/>
+            </a:schemeClr>
+          </a:lnRef>
+          <a:fillRef idx="1">
+            <a:schemeClr val="accent1"/>
+          </a:fillRef>
+          <a:effectRef idx="0">
+            <a:schemeClr val="accent1"/>
+          </a:effectRef>
+          <a:fontRef idx="minor">
+            <a:schemeClr val="lt1"/>
+          </a:fontRef>
+        </p:style>
+        <p:txBody>
+          <a:bodyPr rtlCol="0" anchor="ctr"/>
+          <a:lstStyle/>
+          <a:p>
+            <a:pPr marL="285750" indent="-285750">
+              <a:buFont typeface="Arial" panose="020B0604020202020204" pitchFamily="34" charset="0"/>
+              <a:buChar char="•"/>
             </a:pPr>
-            <a:r>
-              <a:rPr lang="en-US" dirty="0"/>
-              <a:t> Web Scrapping</a:t>
-            </a:r>
-          </a:p>
-          <a:p>
-            <a:pPr lvl="1">
-              <a:buFont typeface="Wingdings" panose="05000000000000000000" pitchFamily="2" charset="2"/>
-              <a:buChar char="Ø"/>
+            <a:endParaRPr lang="en-US" dirty="0">
+              <a:solidFill>
+                <a:sysClr val="windowText" lastClr="000000"/>
+              </a:solidFill>
+            </a:endParaRPr>
+          </a:p>
+          <a:p>
+            <a:pPr marL="285750" indent="-285750">
+              <a:buFont typeface="Arial" panose="020B0604020202020204" pitchFamily="34" charset="0"/>
+              <a:buChar char="•"/>
             </a:pPr>
-            <a:r>
-              <a:rPr lang="en-US" dirty="0"/>
-              <a:t>Grab stats of every batter since 1946</a:t>
-            </a:r>
-          </a:p>
-          <a:p>
-            <a:pPr lvl="1">
-              <a:buFont typeface="Wingdings" panose="05000000000000000000" pitchFamily="2" charset="2"/>
-              <a:buChar char="Ø"/>
+            <a:endParaRPr lang="en-US" dirty="0">
+              <a:solidFill>
+                <a:sysClr val="windowText" lastClr="000000"/>
+              </a:solidFill>
+            </a:endParaRPr>
+          </a:p>
+          <a:p>
+            <a:pPr marL="285750" indent="-285750">
+              <a:buFont typeface="Arial" panose="020B0604020202020204" pitchFamily="34" charset="0"/>
+              <a:buChar char="•"/>
             </a:pPr>
             <a:r>
-              <a:rPr lang="en-US" dirty="0"/>
-              <a:t>Curate list to exclude duplicate entries</a:t>
-            </a:r>
-          </a:p>
-          <a:p>
-            <a:pPr lvl="1">
-              <a:buFont typeface="Wingdings" panose="05000000000000000000" pitchFamily="2" charset="2"/>
-              <a:buChar char="Ø"/>
+              <a:rPr lang="en-US" dirty="0">
+                <a:solidFill>
+                  <a:sysClr val="windowText" lastClr="000000"/>
+                </a:solidFill>
+              </a:rPr>
+              <a:t>Cleaned using Pandas and </a:t>
+            </a:r>
+            <a:r>
+              <a:rPr lang="en-US" dirty="0" err="1">
+                <a:solidFill>
+                  <a:sysClr val="windowText" lastClr="000000"/>
+                </a:solidFill>
+              </a:rPr>
+              <a:t>Numpy</a:t>
+            </a:r>
+            <a:r>
+              <a:rPr lang="en-US" dirty="0">
+                <a:solidFill>
+                  <a:sysClr val="windowText" lastClr="000000"/>
+                </a:solidFill>
+              </a:rPr>
+              <a:t> </a:t>
+            </a:r>
+          </a:p>
+          <a:p>
+            <a:pPr marL="285750" indent="-285750">
+              <a:buFont typeface="Arial" panose="020B0604020202020204" pitchFamily="34" charset="0"/>
+              <a:buChar char="•"/>
             </a:pPr>
             <a:r>
-              <a:rPr lang="en-US" dirty="0"/>
-              <a:t>Clean data for better storage and modelling</a:t>
-            </a:r>
-          </a:p>
-          <a:p>
-            <a:pPr>
-              <a:buFont typeface="Wingdings" panose="05000000000000000000" pitchFamily="2" charset="2"/>
-              <a:buChar char="Ø"/>
-            </a:pPr>
-            <a:r>
-              <a:rPr lang="en-US" dirty="0"/>
-              <a:t> Database Management</a:t>
-            </a:r>
-          </a:p>
-          <a:p>
-            <a:pPr lvl="1">
-              <a:buFont typeface="Wingdings" panose="05000000000000000000" pitchFamily="2" charset="2"/>
-              <a:buChar char="Ø"/>
-            </a:pPr>
-            <a:r>
-              <a:rPr lang="en-US" dirty="0"/>
-              <a:t>MongoDB to handle large database size</a:t>
-            </a:r>
-          </a:p>
-          <a:p>
-            <a:pPr lvl="1">
-              <a:buFont typeface="Wingdings" panose="05000000000000000000" pitchFamily="2" charset="2"/>
-              <a:buChar char="Ø"/>
-            </a:pPr>
-            <a:r>
-              <a:rPr lang="en-US" dirty="0"/>
-              <a:t>Pandas to handle smaller </a:t>
-            </a:r>
-            <a:r>
-              <a:rPr lang="en-US" dirty="0" err="1"/>
-              <a:t>dataframes</a:t>
-            </a:r>
-            <a:r>
-              <a:rPr lang="en-US" dirty="0"/>
-              <a:t> for coding</a:t>
-            </a:r>
-          </a:p>
-          <a:p>
-            <a:pPr>
-              <a:buFont typeface="Wingdings" panose="05000000000000000000" pitchFamily="2" charset="2"/>
-              <a:buChar char="Ø"/>
-            </a:pPr>
-            <a:r>
-              <a:rPr lang="en-US" dirty="0"/>
-              <a:t>Linear Regression</a:t>
-            </a:r>
-          </a:p>
-          <a:p>
-            <a:pPr lvl="1">
-              <a:buFont typeface="Wingdings" panose="05000000000000000000" pitchFamily="2" charset="2"/>
-              <a:buChar char="Ø"/>
-            </a:pPr>
-            <a:r>
-              <a:rPr lang="en-US" dirty="0"/>
-              <a:t> Evaluate models to get best fit</a:t>
-            </a:r>
-          </a:p>
-          <a:p>
-            <a:pPr>
-              <a:buFont typeface="Wingdings" panose="05000000000000000000" pitchFamily="2" charset="2"/>
-              <a:buChar char="Ø"/>
-            </a:pPr>
-            <a:r>
-              <a:rPr lang="en-US" dirty="0"/>
-              <a:t>Web Deployment</a:t>
-            </a:r>
-          </a:p>
-          <a:p>
-            <a:pPr lvl="1">
-              <a:buFont typeface="Wingdings" panose="05000000000000000000" pitchFamily="2" charset="2"/>
-              <a:buChar char="Ø"/>
-            </a:pPr>
-            <a:r>
-              <a:rPr lang="en-US" dirty="0"/>
-              <a:t>Flask and HTML to make an accessible app </a:t>
-            </a:r>
-          </a:p>
-        </p:txBody>
-      </p:sp>
-      <p:sp>
-        <p:nvSpPr>
-          <p:cNvPr id="4" name="Content Placeholder 3">
+              <a:rPr lang="en-US" dirty="0">
+                <a:solidFill>
+                  <a:sysClr val="windowText" lastClr="000000"/>
+                </a:solidFill>
+              </a:rPr>
+              <a:t>95,909 data entries</a:t>
+            </a:r>
+          </a:p>
+        </p:txBody>
+      </p:sp>
+      <p:sp>
+        <p:nvSpPr>
+          <p:cNvPr id="6" name="Rectangle 5">
             <a:extLst>
               <a:ext uri="{FF2B5EF4-FFF2-40B4-BE49-F238E27FC236}">
-                <a16:creationId xmlns:a16="http://schemas.microsoft.com/office/drawing/2014/main" id="{782B1FF3-D7C1-4D82-A947-7B4D4302A407}"/>
+                <a16:creationId xmlns:a16="http://schemas.microsoft.com/office/drawing/2014/main" id="{4076BA49-A148-4B5C-91DF-FB840D6BA3AA}"/>
               </a:ext>
             </a:extLst>
           </p:cNvPr>
-          <p:cNvSpPr>
-            <a:spLocks noGrp="1"/>
-          </p:cNvSpPr>
-          <p:nvPr>
-            <p:ph sz="half" idx="2"/>
-          </p:nvPr>
+          <p:cNvSpPr/>
+          <p:nvPr/>
         </p:nvSpPr>
         <p:spPr>
           <a:xfrm>
-            <a:off x="6217920" y="1845735"/>
-            <a:ext cx="4876800" cy="4023360"/>
+            <a:off x="6293826" y="1242709"/>
+            <a:ext cx="3228392" cy="2118049"/>
           </a:xfrm>
+          <a:prstGeom prst="rect">
+            <a:avLst/>
+          </a:prstGeom>
+          <a:solidFill>
+            <a:schemeClr val="accent4">
+              <a:lumMod val="40000"/>
+              <a:lumOff val="60000"/>
+            </a:schemeClr>
+          </a:solidFill>
         </p:spPr>
-        <p:txBody>
-          <a:bodyPr>
-            <a:normAutofit lnSpcReduction="10000"/>
+        <p:style>
+          <a:lnRef idx="2">
+            <a:schemeClr val="accent1">
+              <a:shade val="50000"/>
+            </a:schemeClr>
+          </a:lnRef>
+          <a:fillRef idx="1">
+            <a:schemeClr val="accent1"/>
+          </a:fillRef>
+          <a:effectRef idx="0">
+            <a:schemeClr val="accent1"/>
+          </a:effectRef>
+          <a:fontRef idx="minor">
+            <a:schemeClr val="lt1"/>
+          </a:fontRef>
+        </p:style>
+        <p:txBody>
+          <a:bodyPr rtlCol="0" anchor="ctr"/>
+          <a:lstStyle/>
+          <a:p>
+            <a:pPr marL="285750" indent="-285750">
+              <a:buFont typeface="Arial" panose="020B0604020202020204" pitchFamily="34" charset="0"/>
+              <a:buChar char="•"/>
+            </a:pPr>
+            <a:endParaRPr lang="en-US" dirty="0">
+              <a:solidFill>
+                <a:sysClr val="windowText" lastClr="000000"/>
+              </a:solidFill>
+            </a:endParaRPr>
+          </a:p>
+          <a:p>
+            <a:pPr marL="285750" indent="-285750">
+              <a:buFont typeface="Arial" panose="020B0604020202020204" pitchFamily="34" charset="0"/>
+              <a:buChar char="•"/>
+            </a:pPr>
+            <a:endParaRPr lang="en-US" dirty="0">
+              <a:solidFill>
+                <a:sysClr val="windowText" lastClr="000000"/>
+              </a:solidFill>
+            </a:endParaRPr>
+          </a:p>
+          <a:p>
+            <a:pPr marL="285750" indent="-285750">
+              <a:buFont typeface="Arial" panose="020B0604020202020204" pitchFamily="34" charset="0"/>
+              <a:buChar char="•"/>
+            </a:pPr>
+            <a:endParaRPr lang="en-US" dirty="0">
+              <a:solidFill>
+                <a:sysClr val="windowText" lastClr="000000"/>
+              </a:solidFill>
+            </a:endParaRPr>
+          </a:p>
+          <a:p>
+            <a:pPr marL="285750" indent="-285750">
+              <a:buFont typeface="Arial" panose="020B0604020202020204" pitchFamily="34" charset="0"/>
+              <a:buChar char="•"/>
+            </a:pPr>
+            <a:r>
+              <a:rPr lang="en-US" sz="1600" dirty="0">
+                <a:solidFill>
+                  <a:sysClr val="windowText" lastClr="000000"/>
+                </a:solidFill>
+              </a:rPr>
+              <a:t>Stored in </a:t>
+            </a:r>
+            <a:r>
+              <a:rPr lang="en-US" sz="1600" dirty="0" err="1">
+                <a:solidFill>
+                  <a:sysClr val="windowText" lastClr="000000"/>
+                </a:solidFill>
+              </a:rPr>
+              <a:t>scaleable</a:t>
+            </a:r>
+            <a:r>
+              <a:rPr lang="en-US" sz="1600" dirty="0">
+                <a:solidFill>
+                  <a:sysClr val="windowText" lastClr="000000"/>
+                </a:solidFill>
+              </a:rPr>
+              <a:t> database</a:t>
+            </a:r>
+          </a:p>
+          <a:p>
+            <a:pPr marL="285750" indent="-285750">
+              <a:buFont typeface="Arial" panose="020B0604020202020204" pitchFamily="34" charset="0"/>
+              <a:buChar char="•"/>
+            </a:pPr>
+            <a:r>
+              <a:rPr lang="en-US" sz="1600" dirty="0">
+                <a:solidFill>
+                  <a:sysClr val="windowText" lastClr="000000"/>
+                </a:solidFill>
+              </a:rPr>
+              <a:t>Aggregated for visualization</a:t>
+            </a:r>
+          </a:p>
+        </p:txBody>
+      </p:sp>
+      <p:sp>
+        <p:nvSpPr>
+          <p:cNvPr id="7" name="Rectangle 6">
+            <a:extLst>
+              <a:ext uri="{FF2B5EF4-FFF2-40B4-BE49-F238E27FC236}">
+                <a16:creationId xmlns:a16="http://schemas.microsoft.com/office/drawing/2014/main" id="{6EB1AEC2-BA5E-42C1-8418-1757952A2A2F}"/>
+              </a:ext>
+            </a:extLst>
+          </p:cNvPr>
+          <p:cNvSpPr/>
+          <p:nvPr/>
+        </p:nvSpPr>
+        <p:spPr>
+          <a:xfrm>
+            <a:off x="6417692" y="4195538"/>
+            <a:ext cx="3228392" cy="2118049"/>
+          </a:xfrm>
+          <a:prstGeom prst="rect">
+            <a:avLst/>
+          </a:prstGeom>
+          <a:solidFill>
+            <a:schemeClr val="accent4">
+              <a:lumMod val="40000"/>
+              <a:lumOff val="60000"/>
+            </a:schemeClr>
+          </a:solidFill>
+        </p:spPr>
+        <p:style>
+          <a:lnRef idx="2">
+            <a:schemeClr val="accent1">
+              <a:shade val="50000"/>
+            </a:schemeClr>
+          </a:lnRef>
+          <a:fillRef idx="1">
+            <a:schemeClr val="accent1"/>
+          </a:fillRef>
+          <a:effectRef idx="0">
+            <a:schemeClr val="accent1"/>
+          </a:effectRef>
+          <a:fontRef idx="minor">
+            <a:schemeClr val="lt1"/>
+          </a:fontRef>
+        </p:style>
+        <p:txBody>
+          <a:bodyPr rtlCol="0" anchor="ctr"/>
+          <a:lstStyle/>
+          <a:p>
+            <a:pPr marL="285750" indent="-285750">
+              <a:buFont typeface="Arial" panose="020B0604020202020204" pitchFamily="34" charset="0"/>
+              <a:buChar char="•"/>
+            </a:pPr>
+            <a:endParaRPr lang="en-US" dirty="0">
+              <a:solidFill>
+                <a:sysClr val="windowText" lastClr="000000"/>
+              </a:solidFill>
+            </a:endParaRPr>
+          </a:p>
+          <a:p>
+            <a:pPr marL="285750" indent="-285750">
+              <a:buFont typeface="Arial" panose="020B0604020202020204" pitchFamily="34" charset="0"/>
+              <a:buChar char="•"/>
+            </a:pPr>
+            <a:endParaRPr lang="en-US" dirty="0">
+              <a:solidFill>
+                <a:sysClr val="windowText" lastClr="000000"/>
+              </a:solidFill>
+            </a:endParaRPr>
+          </a:p>
+          <a:p>
+            <a:pPr marL="285750" indent="-285750">
+              <a:buFont typeface="Arial" panose="020B0604020202020204" pitchFamily="34" charset="0"/>
+              <a:buChar char="•"/>
+            </a:pPr>
+            <a:endParaRPr lang="en-US" dirty="0">
+              <a:solidFill>
+                <a:sysClr val="windowText" lastClr="000000"/>
+              </a:solidFill>
+            </a:endParaRPr>
+          </a:p>
+          <a:p>
+            <a:pPr marL="285750" indent="-285750">
+              <a:buFont typeface="Arial" panose="020B0604020202020204" pitchFamily="34" charset="0"/>
+              <a:buChar char="•"/>
+            </a:pPr>
+            <a:r>
+              <a:rPr lang="en-US" dirty="0">
+                <a:solidFill>
+                  <a:sysClr val="windowText" lastClr="000000"/>
+                </a:solidFill>
+              </a:rPr>
+              <a:t>Summary statistics of how game has changed</a:t>
+            </a:r>
+          </a:p>
+        </p:txBody>
+      </p:sp>
+      <p:sp>
+        <p:nvSpPr>
+          <p:cNvPr id="8" name="TextBox 7">
+            <a:extLst>
+              <a:ext uri="{FF2B5EF4-FFF2-40B4-BE49-F238E27FC236}">
+                <a16:creationId xmlns:a16="http://schemas.microsoft.com/office/drawing/2014/main" id="{85DCCB99-B6A3-4AB8-AF31-1C9699E79468}"/>
+              </a:ext>
+            </a:extLst>
+          </p:cNvPr>
+          <p:cNvSpPr txBox="1"/>
+          <p:nvPr/>
+        </p:nvSpPr>
+        <p:spPr>
+          <a:xfrm>
+            <a:off x="1501628" y="338174"/>
+            <a:ext cx="8489659" cy="830997"/>
+          </a:xfrm>
+          <a:prstGeom prst="rect">
+            <a:avLst/>
+          </a:prstGeom>
+          <a:noFill/>
+        </p:spPr>
+        <p:txBody>
+          <a:bodyPr wrap="square" rtlCol="0">
+            <a:spAutoFit/>
           </a:bodyPr>
           <a:lstStyle/>
           <a:p>
-            <a:pPr lvl="1">
-              <a:buFont typeface="Wingdings" panose="05000000000000000000" pitchFamily="2" charset="2"/>
-              <a:buChar char="Ø"/>
-            </a:pPr>
-            <a:r>
-              <a:rPr lang="en-US" dirty="0"/>
-              <a:t> Data</a:t>
-            </a:r>
-          </a:p>
-          <a:p>
-            <a:pPr lvl="2">
-              <a:buFont typeface="Wingdings" panose="05000000000000000000" pitchFamily="2" charset="2"/>
-              <a:buChar char="Ø"/>
-            </a:pPr>
-            <a:r>
-              <a:rPr lang="en-US" dirty="0"/>
-              <a:t> Baseball Reference</a:t>
-            </a:r>
-          </a:p>
-          <a:p>
-            <a:pPr lvl="1">
-              <a:buFont typeface="Wingdings" panose="05000000000000000000" pitchFamily="2" charset="2"/>
-              <a:buChar char="Ø"/>
-            </a:pPr>
-            <a:r>
-              <a:rPr lang="en-US" dirty="0"/>
-              <a:t> Scraping</a:t>
-            </a:r>
-          </a:p>
-          <a:p>
-            <a:pPr lvl="2">
-              <a:buFont typeface="Wingdings" panose="05000000000000000000" pitchFamily="2" charset="2"/>
-              <a:buChar char="Ø"/>
-            </a:pPr>
-            <a:r>
-              <a:rPr lang="en-US" dirty="0"/>
-              <a:t>Beautiful Soup &amp; Requests</a:t>
-            </a:r>
-          </a:p>
-          <a:p>
-            <a:pPr lvl="1">
-              <a:buFont typeface="Wingdings" panose="05000000000000000000" pitchFamily="2" charset="2"/>
-              <a:buChar char="Ø"/>
-            </a:pPr>
-            <a:r>
-              <a:rPr lang="en-US" dirty="0"/>
-              <a:t> Database</a:t>
-            </a:r>
-          </a:p>
-          <a:p>
-            <a:pPr lvl="2">
-              <a:buFont typeface="Wingdings" panose="05000000000000000000" pitchFamily="2" charset="2"/>
-              <a:buChar char="Ø"/>
-            </a:pPr>
-            <a:r>
-              <a:rPr lang="en-US" dirty="0"/>
-              <a:t>Pandas, </a:t>
-            </a:r>
-            <a:r>
-              <a:rPr lang="en-US" dirty="0" err="1"/>
-              <a:t>Numpy</a:t>
-            </a:r>
-            <a:r>
-              <a:rPr lang="en-US" dirty="0"/>
-              <a:t>, MongoDB</a:t>
-            </a:r>
-          </a:p>
-          <a:p>
-            <a:pPr lvl="1">
-              <a:buFont typeface="Wingdings" panose="05000000000000000000" pitchFamily="2" charset="2"/>
-              <a:buChar char="Ø"/>
-            </a:pPr>
-            <a:r>
-              <a:rPr lang="en-US" dirty="0"/>
-              <a:t>Linear Regression</a:t>
-            </a:r>
-          </a:p>
-          <a:p>
-            <a:pPr lvl="2">
-              <a:buFont typeface="Wingdings" panose="05000000000000000000" pitchFamily="2" charset="2"/>
-              <a:buChar char="Ø"/>
-            </a:pPr>
-            <a:r>
-              <a:rPr lang="en-US" dirty="0" err="1"/>
-              <a:t>Statsmodels</a:t>
-            </a:r>
-            <a:endParaRPr lang="en-US" dirty="0"/>
-          </a:p>
-          <a:p>
-            <a:pPr lvl="2">
-              <a:buFont typeface="Wingdings" panose="05000000000000000000" pitchFamily="2" charset="2"/>
-              <a:buChar char="Ø"/>
-            </a:pPr>
-            <a:r>
-              <a:rPr lang="en-US" dirty="0"/>
-              <a:t>Seaborn</a:t>
-            </a:r>
-          </a:p>
-          <a:p>
-            <a:pPr lvl="2">
-              <a:buFont typeface="Wingdings" panose="05000000000000000000" pitchFamily="2" charset="2"/>
-              <a:buChar char="Ø"/>
-            </a:pPr>
-            <a:r>
-              <a:rPr lang="en-US" dirty="0"/>
-              <a:t>Matplotlib</a:t>
-            </a:r>
-          </a:p>
-          <a:p>
-            <a:pPr lvl="2">
-              <a:buFont typeface="Wingdings" panose="05000000000000000000" pitchFamily="2" charset="2"/>
-              <a:buChar char="Ø"/>
-            </a:pPr>
-            <a:r>
-              <a:rPr lang="en-US" dirty="0" err="1"/>
-              <a:t>Sklearn</a:t>
-            </a:r>
-            <a:endParaRPr lang="en-US" dirty="0"/>
-          </a:p>
-          <a:p>
-            <a:pPr lvl="1">
-              <a:buFont typeface="Wingdings" panose="05000000000000000000" pitchFamily="2" charset="2"/>
-              <a:buChar char="Ø"/>
-            </a:pPr>
-            <a:r>
-              <a:rPr lang="en-US" dirty="0"/>
-              <a:t>Web Deployment</a:t>
-            </a:r>
-          </a:p>
-          <a:p>
-            <a:pPr lvl="2">
-              <a:buFont typeface="Wingdings" panose="05000000000000000000" pitchFamily="2" charset="2"/>
-              <a:buChar char="Ø"/>
-            </a:pPr>
-            <a:r>
-              <a:rPr lang="en-US" dirty="0"/>
-              <a:t>Flask</a:t>
-            </a:r>
-          </a:p>
-          <a:p>
-            <a:pPr lvl="2">
-              <a:buFont typeface="Wingdings" panose="05000000000000000000" pitchFamily="2" charset="2"/>
-              <a:buChar char="Ø"/>
-            </a:pPr>
-            <a:r>
-              <a:rPr lang="en-US" dirty="0"/>
-              <a:t>Pickle</a:t>
-            </a:r>
-          </a:p>
-          <a:p>
-            <a:pPr lvl="2">
-              <a:buFont typeface="Wingdings" panose="05000000000000000000" pitchFamily="2" charset="2"/>
-              <a:buChar char="Ø"/>
-            </a:pPr>
-            <a:endParaRPr lang="en-US" dirty="0"/>
+            <a:pPr algn="ctr"/>
+            <a:r>
+              <a:rPr lang="en-US" sz="4800" dirty="0"/>
+              <a:t>Pipeline</a:t>
+            </a:r>
+          </a:p>
+        </p:txBody>
+      </p:sp>
+      <p:pic>
+        <p:nvPicPr>
+          <p:cNvPr id="12" name="Picture 11">
+            <a:extLst>
+              <a:ext uri="{FF2B5EF4-FFF2-40B4-BE49-F238E27FC236}">
+                <a16:creationId xmlns:a16="http://schemas.microsoft.com/office/drawing/2014/main" id="{A0E1A578-9929-4367-BAFE-7C7E8A94EAD0}"/>
+              </a:ext>
+            </a:extLst>
+          </p:cNvPr>
+          <p:cNvPicPr>
+            <a:picLocks noChangeAspect="1"/>
+          </p:cNvPicPr>
+          <p:nvPr/>
+        </p:nvPicPr>
+        <p:blipFill>
+          <a:blip r:embed="rId2"/>
+          <a:stretch>
+            <a:fillRect/>
+          </a:stretch>
+        </p:blipFill>
+        <p:spPr>
+          <a:xfrm>
+            <a:off x="1501629" y="4477388"/>
+            <a:ext cx="1733792" cy="666843"/>
+          </a:xfrm>
+          <a:prstGeom prst="rect">
+            <a:avLst/>
+          </a:prstGeom>
+        </p:spPr>
+      </p:pic>
+      <p:pic>
+        <p:nvPicPr>
+          <p:cNvPr id="14" name="Picture 13">
+            <a:extLst>
+              <a:ext uri="{FF2B5EF4-FFF2-40B4-BE49-F238E27FC236}">
+                <a16:creationId xmlns:a16="http://schemas.microsoft.com/office/drawing/2014/main" id="{7767A563-3AFA-4185-8268-27D053626AE1}"/>
+              </a:ext>
+            </a:extLst>
+          </p:cNvPr>
+          <p:cNvPicPr>
+            <a:picLocks noChangeAspect="1"/>
+          </p:cNvPicPr>
+          <p:nvPr/>
+        </p:nvPicPr>
+        <p:blipFill>
+          <a:blip r:embed="rId3"/>
+          <a:stretch>
+            <a:fillRect/>
+          </a:stretch>
+        </p:blipFill>
+        <p:spPr>
+          <a:xfrm>
+            <a:off x="1403556" y="1548331"/>
+            <a:ext cx="2284720" cy="508535"/>
+          </a:xfrm>
+          <a:prstGeom prst="rect">
+            <a:avLst/>
+          </a:prstGeom>
+        </p:spPr>
+      </p:pic>
+      <p:pic>
+        <p:nvPicPr>
+          <p:cNvPr id="16" name="Picture 15">
+            <a:extLst>
+              <a:ext uri="{FF2B5EF4-FFF2-40B4-BE49-F238E27FC236}">
+                <a16:creationId xmlns:a16="http://schemas.microsoft.com/office/drawing/2014/main" id="{63DF7C2F-374F-40E6-8063-F1EBC7638ABC}"/>
+              </a:ext>
+            </a:extLst>
+          </p:cNvPr>
+          <p:cNvPicPr>
+            <a:picLocks noChangeAspect="1"/>
+          </p:cNvPicPr>
+          <p:nvPr/>
+        </p:nvPicPr>
+        <p:blipFill>
+          <a:blip r:embed="rId4"/>
+          <a:stretch>
+            <a:fillRect/>
+          </a:stretch>
+        </p:blipFill>
+        <p:spPr>
+          <a:xfrm>
+            <a:off x="7039347" y="1389942"/>
+            <a:ext cx="1552792" cy="743054"/>
+          </a:xfrm>
+          <a:prstGeom prst="rect">
+            <a:avLst/>
+          </a:prstGeom>
+        </p:spPr>
+      </p:pic>
+      <p:pic>
+        <p:nvPicPr>
+          <p:cNvPr id="18" name="Picture 17">
+            <a:extLst>
+              <a:ext uri="{FF2B5EF4-FFF2-40B4-BE49-F238E27FC236}">
+                <a16:creationId xmlns:a16="http://schemas.microsoft.com/office/drawing/2014/main" id="{542021CF-F636-4242-8018-E3913483E69D}"/>
+              </a:ext>
+            </a:extLst>
+          </p:cNvPr>
+          <p:cNvPicPr>
+            <a:picLocks noChangeAspect="1"/>
+          </p:cNvPicPr>
+          <p:nvPr/>
+        </p:nvPicPr>
+        <p:blipFill>
+          <a:blip r:embed="rId5"/>
+          <a:stretch>
+            <a:fillRect/>
+          </a:stretch>
+        </p:blipFill>
+        <p:spPr>
+          <a:xfrm>
+            <a:off x="6490428" y="4265576"/>
+            <a:ext cx="1417594" cy="995042"/>
+          </a:xfrm>
+          <a:prstGeom prst="rect">
+            <a:avLst/>
+          </a:prstGeom>
+        </p:spPr>
+      </p:pic>
+      <p:pic>
+        <p:nvPicPr>
+          <p:cNvPr id="20" name="Picture 19">
+            <a:extLst>
+              <a:ext uri="{FF2B5EF4-FFF2-40B4-BE49-F238E27FC236}">
+                <a16:creationId xmlns:a16="http://schemas.microsoft.com/office/drawing/2014/main" id="{176643CD-4D33-4B91-93F6-CD9374747960}"/>
+              </a:ext>
+            </a:extLst>
+          </p:cNvPr>
+          <p:cNvPicPr>
+            <a:picLocks noChangeAspect="1"/>
+          </p:cNvPicPr>
+          <p:nvPr/>
+        </p:nvPicPr>
+        <p:blipFill>
+          <a:blip r:embed="rId6"/>
+          <a:stretch>
+            <a:fillRect/>
+          </a:stretch>
+        </p:blipFill>
+        <p:spPr>
+          <a:xfrm>
+            <a:off x="8031888" y="4458254"/>
+            <a:ext cx="1428949" cy="609685"/>
+          </a:xfrm>
+          <a:prstGeom prst="rect">
+            <a:avLst/>
+          </a:prstGeom>
+        </p:spPr>
+      </p:pic>
+      <p:sp>
+        <p:nvSpPr>
+          <p:cNvPr id="23" name="Arrow: Right 22">
+            <a:extLst>
+              <a:ext uri="{FF2B5EF4-FFF2-40B4-BE49-F238E27FC236}">
+                <a16:creationId xmlns:a16="http://schemas.microsoft.com/office/drawing/2014/main" id="{CC8F2332-349A-4CB7-AC7A-781ADD73A761}"/>
+              </a:ext>
+            </a:extLst>
+          </p:cNvPr>
+          <p:cNvSpPr/>
+          <p:nvPr/>
+        </p:nvSpPr>
+        <p:spPr>
+          <a:xfrm rot="5400000">
+            <a:off x="2400754" y="3511342"/>
+            <a:ext cx="673219" cy="508535"/>
+          </a:xfrm>
+          <a:prstGeom prst="rightArrow">
+            <a:avLst/>
+          </a:prstGeom>
+        </p:spPr>
+        <p:style>
+          <a:lnRef idx="2">
+            <a:schemeClr val="accent1">
+              <a:shade val="50000"/>
+            </a:schemeClr>
+          </a:lnRef>
+          <a:fillRef idx="1">
+            <a:schemeClr val="accent1"/>
+          </a:fillRef>
+          <a:effectRef idx="0">
+            <a:schemeClr val="accent1"/>
+          </a:effectRef>
+          <a:fontRef idx="minor">
+            <a:schemeClr val="lt1"/>
+          </a:fontRef>
+        </p:style>
+        <p:txBody>
+          <a:bodyPr rtlCol="0" anchor="ctr"/>
+          <a:lstStyle/>
+          <a:p>
+            <a:pPr algn="ctr"/>
+            <a:endParaRPr lang="en-US"/>
+          </a:p>
+        </p:txBody>
+      </p:sp>
+      <p:sp>
+        <p:nvSpPr>
+          <p:cNvPr id="24" name="Arrow: Right 23">
+            <a:extLst>
+              <a:ext uri="{FF2B5EF4-FFF2-40B4-BE49-F238E27FC236}">
+                <a16:creationId xmlns:a16="http://schemas.microsoft.com/office/drawing/2014/main" id="{8EB0F0D4-FB94-43D3-B5F7-8E1E36ABB1FD}"/>
+              </a:ext>
+            </a:extLst>
+          </p:cNvPr>
+          <p:cNvSpPr/>
+          <p:nvPr/>
+        </p:nvSpPr>
+        <p:spPr>
+          <a:xfrm rot="5400000">
+            <a:off x="7695278" y="3511342"/>
+            <a:ext cx="673219" cy="508535"/>
+          </a:xfrm>
+          <a:prstGeom prst="rightArrow">
+            <a:avLst/>
+          </a:prstGeom>
+        </p:spPr>
+        <p:style>
+          <a:lnRef idx="2">
+            <a:schemeClr val="accent1">
+              <a:shade val="50000"/>
+            </a:schemeClr>
+          </a:lnRef>
+          <a:fillRef idx="1">
+            <a:schemeClr val="accent1"/>
+          </a:fillRef>
+          <a:effectRef idx="0">
+            <a:schemeClr val="accent1"/>
+          </a:effectRef>
+          <a:fontRef idx="minor">
+            <a:schemeClr val="lt1"/>
+          </a:fontRef>
+        </p:style>
+        <p:txBody>
+          <a:bodyPr rtlCol="0" anchor="ctr"/>
+          <a:lstStyle/>
+          <a:p>
+            <a:pPr algn="ctr"/>
+            <a:endParaRPr lang="en-US"/>
+          </a:p>
+        </p:txBody>
+      </p:sp>
+      <p:sp>
+        <p:nvSpPr>
+          <p:cNvPr id="25" name="Arrow: Up 24">
+            <a:extLst>
+              <a:ext uri="{FF2B5EF4-FFF2-40B4-BE49-F238E27FC236}">
+                <a16:creationId xmlns:a16="http://schemas.microsoft.com/office/drawing/2014/main" id="{0F137241-B496-471C-ADFC-5001FD1CBA5D}"/>
+              </a:ext>
+            </a:extLst>
+          </p:cNvPr>
+          <p:cNvSpPr/>
+          <p:nvPr/>
+        </p:nvSpPr>
+        <p:spPr>
+          <a:xfrm rot="2261361">
+            <a:off x="4995182" y="2916971"/>
+            <a:ext cx="628884" cy="2221747"/>
+          </a:xfrm>
+          <a:prstGeom prst="upArrow">
+            <a:avLst/>
+          </a:prstGeom>
+        </p:spPr>
+        <p:style>
+          <a:lnRef idx="2">
+            <a:schemeClr val="accent1">
+              <a:shade val="50000"/>
+            </a:schemeClr>
+          </a:lnRef>
+          <a:fillRef idx="1">
+            <a:schemeClr val="accent1"/>
+          </a:fillRef>
+          <a:effectRef idx="0">
+            <a:schemeClr val="accent1"/>
+          </a:effectRef>
+          <a:fontRef idx="minor">
+            <a:schemeClr val="lt1"/>
+          </a:fontRef>
+        </p:style>
+        <p:txBody>
+          <a:bodyPr rtlCol="0" anchor="ctr"/>
+          <a:lstStyle/>
+          <a:p>
+            <a:pPr algn="ctr"/>
+            <a:endParaRPr lang="en-US"/>
           </a:p>
         </p:txBody>
       </p:sp>
     </p:spTree>
     <p:extLst>
       <p:ext uri="{BB962C8B-B14F-4D97-AF65-F5344CB8AC3E}">
-        <p14:creationId xmlns:p14="http://schemas.microsoft.com/office/powerpoint/2010/main" val="2399050338"/>
+        <p14:creationId xmlns:p14="http://schemas.microsoft.com/office/powerpoint/2010/main" val="2791662064"/>
       </p:ext>
     </p:extLst>
   </p:cSld>
@@ -4508,7 +6908,7 @@
           <p:cNvPr id="2" name="Title 1">
             <a:extLst>
               <a:ext uri="{FF2B5EF4-FFF2-40B4-BE49-F238E27FC236}">
-                <a16:creationId xmlns:a16="http://schemas.microsoft.com/office/drawing/2014/main" id="{FB8F1CBB-9BDF-48D6-B1B9-261C54E6DFD3}"/>
+                <a16:creationId xmlns:a16="http://schemas.microsoft.com/office/drawing/2014/main" id="{2FBBE737-7112-4131-A328-A9BC2B361838}"/>
               </a:ext>
             </a:extLst>
           </p:cNvPr>
@@ -4516,66 +6916,283 @@
             <a:spLocks noGrp="1"/>
           </p:cNvSpPr>
           <p:nvPr>
-            <p:ph type="title" idx="4294967295"/>
-          </p:nvPr>
-        </p:nvSpPr>
-        <p:spPr>
-          <a:xfrm>
-            <a:off x="569119" y="268288"/>
-            <a:ext cx="10058400" cy="785812"/>
-          </a:xfrm>
-        </p:spPr>
+            <p:ph type="title"/>
+          </p:nvPr>
+        </p:nvSpPr>
+        <p:spPr/>
         <p:txBody>
           <a:bodyPr/>
           <a:lstStyle/>
           <a:p>
             <a:r>
               <a:rPr lang="en-US" dirty="0"/>
-              <a:t>Home Runs are Bigger Part of Game</a:t>
-            </a:r>
-          </a:p>
-        </p:txBody>
-      </p:sp>
-      <p:pic>
-        <p:nvPicPr>
-          <p:cNvPr id="5" name="Picture 4" descr="Chart, bar chart, histogram&#10;&#10;Description automatically generated">
+              <a:t>Methodology</a:t>
+            </a:r>
+          </a:p>
+        </p:txBody>
+      </p:sp>
+      <p:sp>
+        <p:nvSpPr>
+          <p:cNvPr id="3" name="Content Placeholder 2">
             <a:extLst>
               <a:ext uri="{FF2B5EF4-FFF2-40B4-BE49-F238E27FC236}">
-                <a16:creationId xmlns:a16="http://schemas.microsoft.com/office/drawing/2014/main" id="{CC0DC179-3BAE-4D2A-99B6-8BF7A7F1DDFE}"/>
+                <a16:creationId xmlns:a16="http://schemas.microsoft.com/office/drawing/2014/main" id="{EBCF1DAD-388A-4E08-9030-1D47CD94437D}"/>
               </a:ext>
             </a:extLst>
           </p:cNvPr>
-          <p:cNvPicPr>
-            <a:picLocks noChangeAspect="1"/>
-          </p:cNvPicPr>
-          <p:nvPr/>
-        </p:nvPicPr>
-        <p:blipFill>
-          <a:blip r:embed="rId2">
+          <p:cNvSpPr>
+            <a:spLocks noGrp="1"/>
+          </p:cNvSpPr>
+          <p:nvPr>
+            <p:ph sz="half" idx="1"/>
+          </p:nvPr>
+        </p:nvSpPr>
+        <p:spPr/>
+        <p:txBody>
+          <a:bodyPr>
+            <a:normAutofit fontScale="92500" lnSpcReduction="10000"/>
+          </a:bodyPr>
+          <a:lstStyle/>
+          <a:p>
+            <a:pPr>
+              <a:buFont typeface="Wingdings" panose="05000000000000000000" pitchFamily="2" charset="2"/>
+              <a:buChar char="Ø"/>
+            </a:pPr>
+            <a:r>
+              <a:rPr lang="en-US" dirty="0"/>
+              <a:t> Web Scrapping</a:t>
+            </a:r>
+          </a:p>
+          <a:p>
+            <a:pPr lvl="1">
+              <a:buFont typeface="Wingdings" panose="05000000000000000000" pitchFamily="2" charset="2"/>
+              <a:buChar char="Ø"/>
+            </a:pPr>
+            <a:r>
+              <a:rPr lang="en-US" dirty="0"/>
+              <a:t>Grab stats of every batter since 1914</a:t>
+            </a:r>
+          </a:p>
+          <a:p>
+            <a:pPr lvl="1">
+              <a:buFont typeface="Wingdings" panose="05000000000000000000" pitchFamily="2" charset="2"/>
+              <a:buChar char="Ø"/>
+            </a:pPr>
+            <a:r>
+              <a:rPr lang="en-US" dirty="0"/>
+              <a:t>Curate list to exclude duplicate entries</a:t>
+            </a:r>
+          </a:p>
+          <a:p>
+            <a:pPr lvl="1">
+              <a:buFont typeface="Wingdings" panose="05000000000000000000" pitchFamily="2" charset="2"/>
+              <a:buChar char="Ø"/>
+            </a:pPr>
+            <a:r>
+              <a:rPr lang="en-US" dirty="0"/>
+              <a:t>Clean data for better storage and modelling</a:t>
+            </a:r>
+          </a:p>
+          <a:p>
+            <a:pPr>
+              <a:buFont typeface="Wingdings" panose="05000000000000000000" pitchFamily="2" charset="2"/>
+              <a:buChar char="Ø"/>
+            </a:pPr>
+            <a:r>
+              <a:rPr lang="en-US" dirty="0"/>
+              <a:t> Database Management</a:t>
+            </a:r>
+          </a:p>
+          <a:p>
+            <a:pPr lvl="1">
+              <a:buFont typeface="Wingdings" panose="05000000000000000000" pitchFamily="2" charset="2"/>
+              <a:buChar char="Ø"/>
+            </a:pPr>
+            <a:r>
+              <a:rPr lang="en-US" dirty="0"/>
+              <a:t>MongoDB to handle large database size</a:t>
+            </a:r>
+          </a:p>
+          <a:p>
+            <a:pPr lvl="1">
+              <a:buFont typeface="Wingdings" panose="05000000000000000000" pitchFamily="2" charset="2"/>
+              <a:buChar char="Ø"/>
+            </a:pPr>
+            <a:r>
+              <a:rPr lang="en-US" dirty="0"/>
+              <a:t>Pandas to handle smaller </a:t>
+            </a:r>
+            <a:r>
+              <a:rPr lang="en-US" dirty="0" err="1"/>
+              <a:t>dataframes</a:t>
+            </a:r>
+            <a:r>
+              <a:rPr lang="en-US" dirty="0"/>
+              <a:t> for coding</a:t>
+            </a:r>
+          </a:p>
+          <a:p>
+            <a:pPr>
+              <a:buFont typeface="Wingdings" panose="05000000000000000000" pitchFamily="2" charset="2"/>
+              <a:buChar char="Ø"/>
+            </a:pPr>
+            <a:r>
+              <a:rPr lang="en-US" dirty="0"/>
+              <a:t>Web Deployment</a:t>
+            </a:r>
+          </a:p>
+          <a:p>
+            <a:pPr lvl="1">
+              <a:buFont typeface="Wingdings" panose="05000000000000000000" pitchFamily="2" charset="2"/>
+              <a:buChar char="Ø"/>
+            </a:pPr>
+            <a:r>
+              <a:rPr lang="en-US" dirty="0"/>
+              <a:t>Visualization of summary statistics</a:t>
+            </a:r>
+          </a:p>
+        </p:txBody>
+      </p:sp>
+      <p:sp>
+        <p:nvSpPr>
+          <p:cNvPr id="4" name="Content Placeholder 3">
             <a:extLst>
-              <a:ext uri="{28A0092B-C50C-407E-A947-70E740481C1C}">
-                <a14:useLocalDpi xmlns:a14="http://schemas.microsoft.com/office/drawing/2010/main" val="0"/>
+              <a:ext uri="{FF2B5EF4-FFF2-40B4-BE49-F238E27FC236}">
+                <a16:creationId xmlns:a16="http://schemas.microsoft.com/office/drawing/2014/main" id="{782B1FF3-D7C1-4D82-A947-7B4D4302A407}"/>
               </a:ext>
             </a:extLst>
-          </a:blip>
-          <a:stretch>
-            <a:fillRect/>
-          </a:stretch>
-        </p:blipFill>
+          </p:cNvPr>
+          <p:cNvSpPr>
+            <a:spLocks noGrp="1"/>
+          </p:cNvSpPr>
+          <p:nvPr>
+            <p:ph sz="half" idx="2"/>
+          </p:nvPr>
+        </p:nvSpPr>
         <p:spPr>
           <a:xfrm>
-            <a:off x="1362075" y="1054100"/>
-            <a:ext cx="8972550" cy="5170158"/>
+            <a:off x="6217920" y="1845735"/>
+            <a:ext cx="4876800" cy="4023360"/>
           </a:xfrm>
-          <a:prstGeom prst="rect">
-            <a:avLst/>
-          </a:prstGeom>
         </p:spPr>
-      </p:pic>
+        <p:txBody>
+          <a:bodyPr>
+            <a:normAutofit fontScale="92500" lnSpcReduction="10000"/>
+          </a:bodyPr>
+          <a:lstStyle/>
+          <a:p>
+            <a:pPr lvl="1">
+              <a:buFont typeface="Wingdings" panose="05000000000000000000" pitchFamily="2" charset="2"/>
+              <a:buChar char="Ø"/>
+            </a:pPr>
+            <a:r>
+              <a:rPr lang="en-US" dirty="0"/>
+              <a:t> Data</a:t>
+            </a:r>
+          </a:p>
+          <a:p>
+            <a:pPr lvl="2">
+              <a:buFont typeface="Wingdings" panose="05000000000000000000" pitchFamily="2" charset="2"/>
+              <a:buChar char="Ø"/>
+            </a:pPr>
+            <a:r>
+              <a:rPr lang="en-US" dirty="0"/>
+              <a:t> Baseball Reference</a:t>
+            </a:r>
+          </a:p>
+          <a:p>
+            <a:pPr lvl="1">
+              <a:buFont typeface="Wingdings" panose="05000000000000000000" pitchFamily="2" charset="2"/>
+              <a:buChar char="Ø"/>
+            </a:pPr>
+            <a:r>
+              <a:rPr lang="en-US" dirty="0"/>
+              <a:t> Scraping</a:t>
+            </a:r>
+          </a:p>
+          <a:p>
+            <a:pPr lvl="2">
+              <a:buFont typeface="Wingdings" panose="05000000000000000000" pitchFamily="2" charset="2"/>
+              <a:buChar char="Ø"/>
+            </a:pPr>
+            <a:r>
+              <a:rPr lang="en-US" dirty="0"/>
+              <a:t>Beautiful Soup &amp; Requests</a:t>
+            </a:r>
+          </a:p>
+          <a:p>
+            <a:pPr lvl="1">
+              <a:buFont typeface="Wingdings" panose="05000000000000000000" pitchFamily="2" charset="2"/>
+              <a:buChar char="Ø"/>
+            </a:pPr>
+            <a:r>
+              <a:rPr lang="en-US" dirty="0"/>
+              <a:t> Database</a:t>
+            </a:r>
+          </a:p>
+          <a:p>
+            <a:pPr lvl="2">
+              <a:buFont typeface="Wingdings" panose="05000000000000000000" pitchFamily="2" charset="2"/>
+              <a:buChar char="Ø"/>
+            </a:pPr>
+            <a:r>
+              <a:rPr lang="en-US" dirty="0"/>
+              <a:t>Pandas, </a:t>
+            </a:r>
+            <a:r>
+              <a:rPr lang="en-US" dirty="0" err="1"/>
+              <a:t>Numpy</a:t>
+            </a:r>
+            <a:r>
+              <a:rPr lang="en-US" dirty="0"/>
+              <a:t>, MongoDB</a:t>
+            </a:r>
+          </a:p>
+          <a:p>
+            <a:pPr lvl="1">
+              <a:buFont typeface="Wingdings" panose="05000000000000000000" pitchFamily="2" charset="2"/>
+              <a:buChar char="Ø"/>
+            </a:pPr>
+            <a:r>
+              <a:rPr lang="en-US" dirty="0"/>
+              <a:t>Web Deployment</a:t>
+            </a:r>
+          </a:p>
+          <a:p>
+            <a:pPr lvl="2">
+              <a:buFont typeface="Wingdings" panose="05000000000000000000" pitchFamily="2" charset="2"/>
+              <a:buChar char="Ø"/>
+            </a:pPr>
+            <a:r>
+              <a:rPr lang="en-US" dirty="0" err="1"/>
+              <a:t>Streamlit</a:t>
+            </a:r>
+            <a:endParaRPr lang="en-US" dirty="0"/>
+          </a:p>
+          <a:p>
+            <a:pPr lvl="2">
+              <a:buFont typeface="Wingdings" panose="05000000000000000000" pitchFamily="2" charset="2"/>
+              <a:buChar char="Ø"/>
+            </a:pPr>
+            <a:r>
+              <a:rPr lang="en-US" dirty="0" err="1"/>
+              <a:t>Plotly</a:t>
+            </a:r>
+            <a:endParaRPr lang="en-US" dirty="0"/>
+          </a:p>
+          <a:p>
+            <a:pPr lvl="2">
+              <a:buFont typeface="Wingdings" panose="05000000000000000000" pitchFamily="2" charset="2"/>
+              <a:buChar char="Ø"/>
+            </a:pPr>
+            <a:endParaRPr lang="en-US" dirty="0"/>
+          </a:p>
+        </p:txBody>
+      </p:sp>
     </p:spTree>
     <p:extLst>
       <p:ext uri="{BB962C8B-B14F-4D97-AF65-F5344CB8AC3E}">
-        <p14:creationId xmlns:p14="http://schemas.microsoft.com/office/powerpoint/2010/main" val="4182340552"/>
+        <p14:creationId xmlns:p14="http://schemas.microsoft.com/office/powerpoint/2010/main" val="2399050338"/>
       </p:ext>
     </p:extLst>
   </p:cSld>
@@ -4602,95 +7219,148 @@
           <a:chExt cx="0" cy="0"/>
         </a:xfrm>
       </p:grpSpPr>
-      <p:pic>
-        <p:nvPicPr>
-          <p:cNvPr id="3" name="Picture 2" descr="Chart, bar chart&#10;&#10;Description automatically generated">
+      <p:sp>
+        <p:nvSpPr>
+          <p:cNvPr id="2" name="Title 1">
             <a:extLst>
               <a:ext uri="{FF2B5EF4-FFF2-40B4-BE49-F238E27FC236}">
-                <a16:creationId xmlns:a16="http://schemas.microsoft.com/office/drawing/2014/main" id="{F38C5D15-E526-4FF8-A92B-15B6E0DB82A9}"/>
+                <a16:creationId xmlns:a16="http://schemas.microsoft.com/office/drawing/2014/main" id="{D3BFE68D-5ACD-4B37-8735-0302FC4CE849}"/>
               </a:ext>
             </a:extLst>
           </p:cNvPr>
-          <p:cNvPicPr>
-            <a:picLocks noChangeAspect="1"/>
-          </p:cNvPicPr>
-          <p:nvPr/>
-        </p:nvPicPr>
-        <p:blipFill>
-          <a:blip r:embed="rId2">
-            <a:extLst>
-              <a:ext uri="{28A0092B-C50C-407E-A947-70E740481C1C}">
-                <a14:useLocalDpi xmlns:a14="http://schemas.microsoft.com/office/drawing/2010/main" val="0"/>
-              </a:ext>
-            </a:extLst>
-          </a:blip>
-          <a:stretch>
-            <a:fillRect/>
-          </a:stretch>
-        </p:blipFill>
-        <p:spPr>
-          <a:xfrm>
-            <a:off x="1600352" y="1054100"/>
-            <a:ext cx="8991296" cy="5086350"/>
-          </a:xfrm>
-          <a:prstGeom prst="rect">
-            <a:avLst/>
-          </a:prstGeom>
-        </p:spPr>
-      </p:pic>
-      <p:sp>
-        <p:nvSpPr>
-          <p:cNvPr id="6" name="Title 1">
+          <p:cNvSpPr>
+            <a:spLocks noGrp="1"/>
+          </p:cNvSpPr>
+          <p:nvPr>
+            <p:ph type="title"/>
+          </p:nvPr>
+        </p:nvSpPr>
+        <p:spPr/>
+        <p:txBody>
+          <a:bodyPr/>
+          <a:lstStyle/>
+          <a:p>
+            <a:r>
+              <a:rPr lang="en-US" dirty="0"/>
+              <a:t>Conclusions</a:t>
+            </a:r>
+          </a:p>
+        </p:txBody>
+      </p:sp>
+      <p:sp>
+        <p:nvSpPr>
+          <p:cNvPr id="3" name="Content Placeholder 2">
             <a:extLst>
               <a:ext uri="{FF2B5EF4-FFF2-40B4-BE49-F238E27FC236}">
-                <a16:creationId xmlns:a16="http://schemas.microsoft.com/office/drawing/2014/main" id="{58B70BEA-A1EB-48BC-8119-CAF377224EA2}"/>
+                <a16:creationId xmlns:a16="http://schemas.microsoft.com/office/drawing/2014/main" id="{3AEB4666-02E5-48F1-A622-59114E432104}"/>
               </a:ext>
             </a:extLst>
           </p:cNvPr>
-          <p:cNvSpPr txBox="1">
-            <a:spLocks/>
-          </p:cNvSpPr>
-          <p:nvPr/>
-        </p:nvSpPr>
-        <p:spPr>
-          <a:xfrm>
-            <a:off x="569119" y="268288"/>
-            <a:ext cx="10058400" cy="785812"/>
-          </a:xfrm>
-          <a:prstGeom prst="rect">
-            <a:avLst/>
-          </a:prstGeom>
-        </p:spPr>
-        <p:txBody>
-          <a:bodyPr vert="horz" lIns="91440" tIns="45720" rIns="91440" bIns="45720" rtlCol="0" anchor="b">
-            <a:normAutofit fontScale="92500"/>
+          <p:cNvSpPr>
+            <a:spLocks noGrp="1"/>
+          </p:cNvSpPr>
+          <p:nvPr>
+            <p:ph idx="1"/>
+          </p:nvPr>
+        </p:nvSpPr>
+        <p:spPr/>
+        <p:txBody>
+          <a:bodyPr>
+            <a:normAutofit/>
           </a:bodyPr>
-          <a:lstStyle>
-            <a:lvl1pPr algn="l" defTabSz="914400" rtl="0" eaLnBrk="1" latinLnBrk="0" hangingPunct="1">
-              <a:lnSpc>
-                <a:spcPct val="85000"/>
-              </a:lnSpc>
-              <a:spcBef>
-                <a:spcPct val="0"/>
-              </a:spcBef>
-              <a:buNone/>
-              <a:defRPr sz="4800" kern="1200" spc="-50" baseline="0">
-                <a:solidFill>
-                  <a:schemeClr val="tx1">
-                    <a:lumMod val="75000"/>
-                    <a:lumOff val="25000"/>
-                  </a:schemeClr>
-                </a:solidFill>
-                <a:latin typeface="+mj-lt"/>
-                <a:ea typeface="+mj-ea"/>
-                <a:cs typeface="+mj-cs"/>
-              </a:defRPr>
-            </a:lvl1pPr>
-          </a:lstStyle>
-          <a:p>
+          <a:lstStyle/>
+          <a:p>
+            <a:pPr>
+              <a:buFont typeface="Wingdings" panose="05000000000000000000" pitchFamily="2" charset="2"/>
+              <a:buChar char="Ø"/>
+            </a:pPr>
             <a:r>
               <a:rPr lang="en-US" dirty="0"/>
-              <a:t>Normalizing for changes to league over time</a:t>
+              <a:t> Baseball is becoming a more volatile game</a:t>
+            </a:r>
+          </a:p>
+          <a:p>
+            <a:pPr>
+              <a:buFont typeface="Wingdings" panose="05000000000000000000" pitchFamily="2" charset="2"/>
+              <a:buChar char="Ø"/>
+            </a:pPr>
+            <a:endParaRPr lang="en-US" dirty="0"/>
+          </a:p>
+          <a:p>
+            <a:pPr>
+              <a:buFont typeface="Wingdings" panose="05000000000000000000" pitchFamily="2" charset="2"/>
+              <a:buChar char="Ø"/>
+            </a:pPr>
+            <a:r>
+              <a:rPr lang="en-US" dirty="0"/>
+              <a:t>After normalizing for Plate Appearances</a:t>
+            </a:r>
+          </a:p>
+          <a:p>
+            <a:pPr lvl="1">
+              <a:buFont typeface="Wingdings" panose="05000000000000000000" pitchFamily="2" charset="2"/>
+              <a:buChar char="Ø"/>
+            </a:pPr>
+            <a:r>
+              <a:rPr lang="en-US" dirty="0"/>
+              <a:t>Home Runs and Strikeouts are dramatically increasing</a:t>
+            </a:r>
+          </a:p>
+          <a:p>
+            <a:pPr lvl="1">
+              <a:buFont typeface="Wingdings" panose="05000000000000000000" pitchFamily="2" charset="2"/>
+              <a:buChar char="Ø"/>
+            </a:pPr>
+            <a:r>
+              <a:rPr lang="en-US" dirty="0"/>
+              <a:t>Walks are slowly increasing</a:t>
+            </a:r>
+          </a:p>
+          <a:p>
+            <a:pPr lvl="1">
+              <a:buFont typeface="Wingdings" panose="05000000000000000000" pitchFamily="2" charset="2"/>
+              <a:buChar char="Ø"/>
+            </a:pPr>
+            <a:r>
+              <a:rPr lang="en-US" dirty="0"/>
+              <a:t>Hits are decreasing </a:t>
+            </a:r>
+          </a:p>
+          <a:p>
+            <a:pPr lvl="1">
+              <a:buFont typeface="Wingdings" panose="05000000000000000000" pitchFamily="2" charset="2"/>
+              <a:buChar char="Ø"/>
+            </a:pPr>
+            <a:endParaRPr lang="en-US" dirty="0"/>
+          </a:p>
+          <a:p>
+            <a:pPr>
+              <a:buFont typeface="Wingdings" panose="05000000000000000000" pitchFamily="2" charset="2"/>
+              <a:buChar char="Ø"/>
+            </a:pPr>
+            <a:r>
+              <a:rPr lang="en-US" dirty="0"/>
+              <a:t> Surprises</a:t>
+            </a:r>
+          </a:p>
+          <a:p>
+            <a:pPr lvl="1">
+              <a:buFont typeface="Wingdings" panose="05000000000000000000" pitchFamily="2" charset="2"/>
+              <a:buChar char="Ø"/>
+            </a:pPr>
+            <a:r>
+              <a:rPr lang="en-US" dirty="0"/>
+              <a:t> How many more players there are now than even 20 years ago</a:t>
+            </a:r>
+          </a:p>
+          <a:p>
+            <a:pPr lvl="1">
+              <a:buFont typeface="Wingdings" panose="05000000000000000000" pitchFamily="2" charset="2"/>
+              <a:buChar char="Ø"/>
+            </a:pPr>
+            <a:r>
+              <a:rPr lang="en-US" dirty="0"/>
+              <a:t> How dramatic the increase in Home Runs has been in past 8 years </a:t>
             </a:r>
           </a:p>
         </p:txBody>
@@ -4698,7 +7368,7 @@
     </p:spTree>
     <p:extLst>
       <p:ext uri="{BB962C8B-B14F-4D97-AF65-F5344CB8AC3E}">
-        <p14:creationId xmlns:p14="http://schemas.microsoft.com/office/powerpoint/2010/main" val="1736107988"/>
+        <p14:creationId xmlns:p14="http://schemas.microsoft.com/office/powerpoint/2010/main" val="2775869257"/>
       </p:ext>
     </p:extLst>
   </p:cSld>
@@ -4709,6 +7379,142 @@
 </file>
 
 <file path=ppt/slides/slide6.xml><?xml version="1.0" encoding="utf-8"?>
+<p:sld xmlns:a="http://schemas.openxmlformats.org/drawingml/2006/main" xmlns:r="http://schemas.openxmlformats.org/officeDocument/2006/relationships" xmlns:p="http://schemas.openxmlformats.org/presentationml/2006/main">
+  <p:cSld>
+    <p:spTree>
+      <p:nvGrpSpPr>
+        <p:cNvPr id="1" name=""/>
+        <p:cNvGrpSpPr/>
+        <p:nvPr/>
+      </p:nvGrpSpPr>
+      <p:grpSpPr>
+        <a:xfrm>
+          <a:off x="0" y="0"/>
+          <a:ext cx="0" cy="0"/>
+          <a:chOff x="0" y="0"/>
+          <a:chExt cx="0" cy="0"/>
+        </a:xfrm>
+      </p:grpSpPr>
+      <p:sp>
+        <p:nvSpPr>
+          <p:cNvPr id="2" name="Title 1">
+            <a:extLst>
+              <a:ext uri="{FF2B5EF4-FFF2-40B4-BE49-F238E27FC236}">
+                <a16:creationId xmlns:a16="http://schemas.microsoft.com/office/drawing/2014/main" id="{D6762125-2035-46A9-A958-45AFCA176A08}"/>
+              </a:ext>
+            </a:extLst>
+          </p:cNvPr>
+          <p:cNvSpPr>
+            <a:spLocks noGrp="1"/>
+          </p:cNvSpPr>
+          <p:nvPr>
+            <p:ph type="title"/>
+          </p:nvPr>
+        </p:nvSpPr>
+        <p:spPr/>
+        <p:txBody>
+          <a:bodyPr/>
+          <a:lstStyle/>
+          <a:p>
+            <a:r>
+              <a:rPr lang="en-US" dirty="0"/>
+              <a:t>Future Work</a:t>
+            </a:r>
+          </a:p>
+        </p:txBody>
+      </p:sp>
+      <p:sp>
+        <p:nvSpPr>
+          <p:cNvPr id="3" name="Content Placeholder 2">
+            <a:extLst>
+              <a:ext uri="{FF2B5EF4-FFF2-40B4-BE49-F238E27FC236}">
+                <a16:creationId xmlns:a16="http://schemas.microsoft.com/office/drawing/2014/main" id="{DB42FB0A-6599-459C-91B9-635199D22CD4}"/>
+              </a:ext>
+            </a:extLst>
+          </p:cNvPr>
+          <p:cNvSpPr>
+            <a:spLocks noGrp="1"/>
+          </p:cNvSpPr>
+          <p:nvPr>
+            <p:ph idx="1"/>
+          </p:nvPr>
+        </p:nvSpPr>
+        <p:spPr/>
+        <p:txBody>
+          <a:bodyPr/>
+          <a:lstStyle/>
+          <a:p>
+            <a:pPr>
+              <a:buFont typeface="Wingdings" panose="05000000000000000000" pitchFamily="2" charset="2"/>
+              <a:buChar char="Ø"/>
+            </a:pPr>
+            <a:r>
+              <a:rPr lang="en-US" dirty="0"/>
+              <a:t> </a:t>
+            </a:r>
+            <a:r>
+              <a:rPr lang="en-US" sz="2400" dirty="0"/>
+              <a:t>Incorporate Linear Regression Model for Predicting Home Runs</a:t>
+            </a:r>
+          </a:p>
+          <a:p>
+            <a:pPr>
+              <a:buFont typeface="Wingdings" panose="05000000000000000000" pitchFamily="2" charset="2"/>
+              <a:buChar char="Ø"/>
+            </a:pPr>
+            <a:r>
+              <a:rPr lang="en-US" sz="2400" dirty="0"/>
+              <a:t> Test more models</a:t>
+            </a:r>
+          </a:p>
+          <a:p>
+            <a:pPr>
+              <a:buFont typeface="Wingdings" panose="05000000000000000000" pitchFamily="2" charset="2"/>
+              <a:buChar char="Ø"/>
+            </a:pPr>
+            <a:r>
+              <a:rPr lang="en-US" sz="2400" dirty="0"/>
+              <a:t> Continue to style Web App</a:t>
+            </a:r>
+          </a:p>
+          <a:p>
+            <a:pPr>
+              <a:buFont typeface="Wingdings" panose="05000000000000000000" pitchFamily="2" charset="2"/>
+              <a:buChar char="Ø"/>
+            </a:pPr>
+            <a:r>
+              <a:rPr lang="en-US" sz="2400" dirty="0"/>
+              <a:t>Create more summary Statistics to emphasize different changes </a:t>
+            </a:r>
+            <a:r>
+              <a:rPr lang="en-US" sz="2400"/>
+              <a:t>to baseball</a:t>
+            </a:r>
+            <a:endParaRPr lang="en-US" sz="2400" dirty="0"/>
+          </a:p>
+          <a:p>
+            <a:pPr>
+              <a:buFont typeface="Wingdings" panose="05000000000000000000" pitchFamily="2" charset="2"/>
+              <a:buChar char="Ø"/>
+            </a:pPr>
+            <a:endParaRPr lang="en-US" dirty="0"/>
+          </a:p>
+        </p:txBody>
+      </p:sp>
+    </p:spTree>
+    <p:extLst>
+      <p:ext uri="{BB962C8B-B14F-4D97-AF65-F5344CB8AC3E}">
+        <p14:creationId xmlns:p14="http://schemas.microsoft.com/office/powerpoint/2010/main" val="2091241199"/>
+      </p:ext>
+    </p:extLst>
+  </p:cSld>
+  <p:clrMapOvr>
+    <a:masterClrMapping/>
+  </p:clrMapOvr>
+</p:sld>
+</file>
+
+<file path=ppt/slides/slide7.xml><?xml version="1.0" encoding="utf-8"?>
 <p:sld xmlns:a="http://schemas.openxmlformats.org/drawingml/2006/main" xmlns:r="http://schemas.openxmlformats.org/officeDocument/2006/relationships" xmlns:p="http://schemas.openxmlformats.org/presentationml/2006/main">
   <p:cSld>
     <p:spTree>
@@ -4821,427 +7627,7 @@
     </p:spTree>
     <p:extLst>
       <p:ext uri="{BB962C8B-B14F-4D97-AF65-F5344CB8AC3E}">
-        <p14:creationId xmlns:p14="http://schemas.microsoft.com/office/powerpoint/2010/main" val="2814493630"/>
-      </p:ext>
-    </p:extLst>
-  </p:cSld>
-  <p:clrMapOvr>
-    <a:masterClrMapping/>
-  </p:clrMapOvr>
-</p:sld>
-</file>
-
-<file path=ppt/slides/slide7.xml><?xml version="1.0" encoding="utf-8"?>
-<p:sld xmlns:a="http://schemas.openxmlformats.org/drawingml/2006/main" xmlns:r="http://schemas.openxmlformats.org/officeDocument/2006/relationships" xmlns:p="http://schemas.openxmlformats.org/presentationml/2006/main">
-  <p:cSld>
-    <p:spTree>
-      <p:nvGrpSpPr>
-        <p:cNvPr id="1" name=""/>
-        <p:cNvGrpSpPr/>
-        <p:nvPr/>
-      </p:nvGrpSpPr>
-      <p:grpSpPr>
-        <a:xfrm>
-          <a:off x="0" y="0"/>
-          <a:ext cx="0" cy="0"/>
-          <a:chOff x="0" y="0"/>
-          <a:chExt cx="0" cy="0"/>
-        </a:xfrm>
-      </p:grpSpPr>
-      <p:pic>
-        <p:nvPicPr>
-          <p:cNvPr id="3" name="Picture 2" descr="Table&#10;&#10;Description automatically generated with medium confidence">
-            <a:extLst>
-              <a:ext uri="{FF2B5EF4-FFF2-40B4-BE49-F238E27FC236}">
-                <a16:creationId xmlns:a16="http://schemas.microsoft.com/office/drawing/2014/main" id="{F6690E6A-D163-46F8-9E32-3D1C7374A0C3}"/>
-              </a:ext>
-            </a:extLst>
-          </p:cNvPr>
-          <p:cNvPicPr>
-            <a:picLocks noChangeAspect="1"/>
-          </p:cNvPicPr>
-          <p:nvPr/>
-        </p:nvPicPr>
-        <p:blipFill>
-          <a:blip r:embed="rId2">
-            <a:extLst>
-              <a:ext uri="{28A0092B-C50C-407E-A947-70E740481C1C}">
-                <a14:useLocalDpi xmlns:a14="http://schemas.microsoft.com/office/drawing/2010/main" val="0"/>
-              </a:ext>
-            </a:extLst>
-          </a:blip>
-          <a:stretch>
-            <a:fillRect/>
-          </a:stretch>
-        </p:blipFill>
-        <p:spPr>
-          <a:xfrm>
-            <a:off x="4414837" y="1600200"/>
-            <a:ext cx="3362325" cy="3657600"/>
-          </a:xfrm>
-          <a:prstGeom prst="rect">
-            <a:avLst/>
-          </a:prstGeom>
-        </p:spPr>
-      </p:pic>
-      <p:sp>
-        <p:nvSpPr>
-          <p:cNvPr id="4" name="Title 1">
-            <a:extLst>
-              <a:ext uri="{FF2B5EF4-FFF2-40B4-BE49-F238E27FC236}">
-                <a16:creationId xmlns:a16="http://schemas.microsoft.com/office/drawing/2014/main" id="{D5D212B6-051A-4E16-9ABF-3F171AE731BC}"/>
-              </a:ext>
-            </a:extLst>
-          </p:cNvPr>
-          <p:cNvSpPr txBox="1">
-            <a:spLocks/>
-          </p:cNvSpPr>
-          <p:nvPr/>
-        </p:nvSpPr>
-        <p:spPr>
-          <a:xfrm>
-            <a:off x="569119" y="268288"/>
-            <a:ext cx="10058400" cy="785812"/>
-          </a:xfrm>
-          <a:prstGeom prst="rect">
-            <a:avLst/>
-          </a:prstGeom>
-        </p:spPr>
-        <p:txBody>
-          <a:bodyPr vert="horz" lIns="91440" tIns="45720" rIns="91440" bIns="45720" rtlCol="0" anchor="b">
-            <a:normAutofit/>
-          </a:bodyPr>
-          <a:lstStyle>
-            <a:lvl1pPr algn="l" defTabSz="914400" rtl="0" eaLnBrk="1" latinLnBrk="0" hangingPunct="1">
-              <a:lnSpc>
-                <a:spcPct val="85000"/>
-              </a:lnSpc>
-              <a:spcBef>
-                <a:spcPct val="0"/>
-              </a:spcBef>
-              <a:buNone/>
-              <a:defRPr sz="4800" kern="1200" spc="-50" baseline="0">
-                <a:solidFill>
-                  <a:schemeClr val="tx1">
-                    <a:lumMod val="75000"/>
-                    <a:lumOff val="25000"/>
-                  </a:schemeClr>
-                </a:solidFill>
-                <a:latin typeface="+mj-lt"/>
-                <a:ea typeface="+mj-ea"/>
-                <a:cs typeface="+mj-cs"/>
-              </a:defRPr>
-            </a:lvl1pPr>
-          </a:lstStyle>
-          <a:p>
-            <a:r>
-              <a:rPr lang="en-US" dirty="0"/>
-              <a:t>Flask Web App</a:t>
-            </a:r>
-          </a:p>
-        </p:txBody>
-      </p:sp>
-    </p:spTree>
-    <p:extLst>
-      <p:ext uri="{BB962C8B-B14F-4D97-AF65-F5344CB8AC3E}">
-        <p14:creationId xmlns:p14="http://schemas.microsoft.com/office/powerpoint/2010/main" val="3723221745"/>
-      </p:ext>
-    </p:extLst>
-  </p:cSld>
-  <p:clrMapOvr>
-    <a:masterClrMapping/>
-  </p:clrMapOvr>
-</p:sld>
-</file>
-
-<file path=ppt/slides/slide8.xml><?xml version="1.0" encoding="utf-8"?>
-<p:sld xmlns:a="http://schemas.openxmlformats.org/drawingml/2006/main" xmlns:r="http://schemas.openxmlformats.org/officeDocument/2006/relationships" xmlns:p="http://schemas.openxmlformats.org/presentationml/2006/main">
-  <p:cSld>
-    <p:spTree>
-      <p:nvGrpSpPr>
-        <p:cNvPr id="1" name=""/>
-        <p:cNvGrpSpPr/>
-        <p:nvPr/>
-      </p:nvGrpSpPr>
-      <p:grpSpPr>
-        <a:xfrm>
-          <a:off x="0" y="0"/>
-          <a:ext cx="0" cy="0"/>
-          <a:chOff x="0" y="0"/>
-          <a:chExt cx="0" cy="0"/>
-        </a:xfrm>
-      </p:grpSpPr>
-      <p:sp>
-        <p:nvSpPr>
-          <p:cNvPr id="2" name="Title 1">
-            <a:extLst>
-              <a:ext uri="{FF2B5EF4-FFF2-40B4-BE49-F238E27FC236}">
-                <a16:creationId xmlns:a16="http://schemas.microsoft.com/office/drawing/2014/main" id="{D3BFE68D-5ACD-4B37-8735-0302FC4CE849}"/>
-              </a:ext>
-            </a:extLst>
-          </p:cNvPr>
-          <p:cNvSpPr>
-            <a:spLocks noGrp="1"/>
-          </p:cNvSpPr>
-          <p:nvPr>
-            <p:ph type="title"/>
-          </p:nvPr>
-        </p:nvSpPr>
-        <p:spPr/>
-        <p:txBody>
-          <a:bodyPr/>
-          <a:lstStyle/>
-          <a:p>
-            <a:r>
-              <a:rPr lang="en-US" dirty="0"/>
-              <a:t>Conclusions</a:t>
-            </a:r>
-          </a:p>
-        </p:txBody>
-      </p:sp>
-      <p:sp>
-        <p:nvSpPr>
-          <p:cNvPr id="3" name="Content Placeholder 2">
-            <a:extLst>
-              <a:ext uri="{FF2B5EF4-FFF2-40B4-BE49-F238E27FC236}">
-                <a16:creationId xmlns:a16="http://schemas.microsoft.com/office/drawing/2014/main" id="{3AEB4666-02E5-48F1-A622-59114E432104}"/>
-              </a:ext>
-            </a:extLst>
-          </p:cNvPr>
-          <p:cNvSpPr>
-            <a:spLocks noGrp="1"/>
-          </p:cNvSpPr>
-          <p:nvPr>
-            <p:ph idx="1"/>
-          </p:nvPr>
-        </p:nvSpPr>
-        <p:spPr/>
-        <p:txBody>
-          <a:bodyPr/>
-          <a:lstStyle/>
-          <a:p>
-            <a:pPr>
-              <a:buFont typeface="Wingdings" panose="05000000000000000000" pitchFamily="2" charset="2"/>
-              <a:buChar char="Ø"/>
-            </a:pPr>
-            <a:r>
-              <a:rPr lang="en-US" dirty="0"/>
-              <a:t> Final Model = Linear Model</a:t>
-            </a:r>
-          </a:p>
-          <a:p>
-            <a:pPr lvl="1">
-              <a:buFont typeface="Wingdings" panose="05000000000000000000" pitchFamily="2" charset="2"/>
-              <a:buChar char="Ø"/>
-            </a:pPr>
-            <a:r>
-              <a:rPr lang="en-US" dirty="0"/>
-              <a:t> Training set: R-squared = .892</a:t>
-            </a:r>
-          </a:p>
-          <a:p>
-            <a:pPr lvl="1">
-              <a:buFont typeface="Wingdings" panose="05000000000000000000" pitchFamily="2" charset="2"/>
-              <a:buChar char="Ø"/>
-            </a:pPr>
-            <a:r>
-              <a:rPr lang="en-US" dirty="0"/>
-              <a:t> Testing set: R-squared = .897</a:t>
-            </a:r>
-          </a:p>
-          <a:p>
-            <a:pPr>
-              <a:buFont typeface="Wingdings" panose="05000000000000000000" pitchFamily="2" charset="2"/>
-              <a:buChar char="Ø"/>
-            </a:pPr>
-            <a:r>
-              <a:rPr lang="en-US" dirty="0"/>
-              <a:t> Chosen variables</a:t>
-            </a:r>
-          </a:p>
-          <a:p>
-            <a:pPr lvl="1">
-              <a:buFont typeface="Wingdings" panose="05000000000000000000" pitchFamily="2" charset="2"/>
-              <a:buChar char="Ø"/>
-            </a:pPr>
-            <a:r>
-              <a:rPr lang="en-US" dirty="0"/>
-              <a:t> PA, R, H, RBI, Db, BB, SO</a:t>
-            </a:r>
-          </a:p>
-          <a:p>
-            <a:pPr lvl="1">
-              <a:buFont typeface="Wingdings" panose="05000000000000000000" pitchFamily="2" charset="2"/>
-              <a:buChar char="Ø"/>
-            </a:pPr>
-            <a:r>
-              <a:rPr lang="en-US" dirty="0"/>
-              <a:t> More accessible to wider audience</a:t>
-            </a:r>
-          </a:p>
-          <a:p>
-            <a:pPr>
-              <a:buFont typeface="Wingdings" panose="05000000000000000000" pitchFamily="2" charset="2"/>
-              <a:buChar char="Ø"/>
-            </a:pPr>
-            <a:r>
-              <a:rPr lang="en-US" dirty="0"/>
-              <a:t> Surprises</a:t>
-            </a:r>
-          </a:p>
-          <a:p>
-            <a:pPr lvl="1">
-              <a:buFont typeface="Wingdings" panose="05000000000000000000" pitchFamily="2" charset="2"/>
-              <a:buChar char="Ø"/>
-            </a:pPr>
-            <a:r>
-              <a:rPr lang="en-US" dirty="0"/>
-              <a:t> How many more players there are now than even 20 years ago</a:t>
-            </a:r>
-          </a:p>
-          <a:p>
-            <a:pPr lvl="1">
-              <a:buFont typeface="Wingdings" panose="05000000000000000000" pitchFamily="2" charset="2"/>
-              <a:buChar char="Ø"/>
-            </a:pPr>
-            <a:r>
-              <a:rPr lang="en-US" dirty="0"/>
-              <a:t> How dramatic the increase in Home Runs has been in past 8 years </a:t>
-            </a:r>
-          </a:p>
-        </p:txBody>
-      </p:sp>
-    </p:spTree>
-    <p:extLst>
-      <p:ext uri="{BB962C8B-B14F-4D97-AF65-F5344CB8AC3E}">
-        <p14:creationId xmlns:p14="http://schemas.microsoft.com/office/powerpoint/2010/main" val="2775869257"/>
-      </p:ext>
-    </p:extLst>
-  </p:cSld>
-  <p:clrMapOvr>
-    <a:masterClrMapping/>
-  </p:clrMapOvr>
-</p:sld>
-</file>
-
-<file path=ppt/slides/slide9.xml><?xml version="1.0" encoding="utf-8"?>
-<p:sld xmlns:a="http://schemas.openxmlformats.org/drawingml/2006/main" xmlns:r="http://schemas.openxmlformats.org/officeDocument/2006/relationships" xmlns:p="http://schemas.openxmlformats.org/presentationml/2006/main">
-  <p:cSld>
-    <p:spTree>
-      <p:nvGrpSpPr>
-        <p:cNvPr id="1" name=""/>
-        <p:cNvGrpSpPr/>
-        <p:nvPr/>
-      </p:nvGrpSpPr>
-      <p:grpSpPr>
-        <a:xfrm>
-          <a:off x="0" y="0"/>
-          <a:ext cx="0" cy="0"/>
-          <a:chOff x="0" y="0"/>
-          <a:chExt cx="0" cy="0"/>
-        </a:xfrm>
-      </p:grpSpPr>
-      <p:sp>
-        <p:nvSpPr>
-          <p:cNvPr id="2" name="Title 1">
-            <a:extLst>
-              <a:ext uri="{FF2B5EF4-FFF2-40B4-BE49-F238E27FC236}">
-                <a16:creationId xmlns:a16="http://schemas.microsoft.com/office/drawing/2014/main" id="{D6762125-2035-46A9-A958-45AFCA176A08}"/>
-              </a:ext>
-            </a:extLst>
-          </p:cNvPr>
-          <p:cNvSpPr>
-            <a:spLocks noGrp="1"/>
-          </p:cNvSpPr>
-          <p:nvPr>
-            <p:ph type="title"/>
-          </p:nvPr>
-        </p:nvSpPr>
-        <p:spPr/>
-        <p:txBody>
-          <a:bodyPr/>
-          <a:lstStyle/>
-          <a:p>
-            <a:r>
-              <a:rPr lang="en-US" dirty="0"/>
-              <a:t>Future Work</a:t>
-            </a:r>
-          </a:p>
-        </p:txBody>
-      </p:sp>
-      <p:sp>
-        <p:nvSpPr>
-          <p:cNvPr id="3" name="Content Placeholder 2">
-            <a:extLst>
-              <a:ext uri="{FF2B5EF4-FFF2-40B4-BE49-F238E27FC236}">
-                <a16:creationId xmlns:a16="http://schemas.microsoft.com/office/drawing/2014/main" id="{DB42FB0A-6599-459C-91B9-635199D22CD4}"/>
-              </a:ext>
-            </a:extLst>
-          </p:cNvPr>
-          <p:cNvSpPr>
-            <a:spLocks noGrp="1"/>
-          </p:cNvSpPr>
-          <p:nvPr>
-            <p:ph idx="1"/>
-          </p:nvPr>
-        </p:nvSpPr>
-        <p:spPr/>
-        <p:txBody>
-          <a:bodyPr/>
-          <a:lstStyle/>
-          <a:p>
-            <a:pPr>
-              <a:buFont typeface="Wingdings" panose="05000000000000000000" pitchFamily="2" charset="2"/>
-              <a:buChar char="Ø"/>
-            </a:pPr>
-            <a:r>
-              <a:rPr lang="en-US" dirty="0"/>
-              <a:t> Test new variables</a:t>
-            </a:r>
-          </a:p>
-          <a:p>
-            <a:pPr>
-              <a:buFont typeface="Wingdings" panose="05000000000000000000" pitchFamily="2" charset="2"/>
-              <a:buChar char="Ø"/>
-            </a:pPr>
-            <a:r>
-              <a:rPr lang="en-US" dirty="0"/>
-              <a:t> Test more models</a:t>
-            </a:r>
-          </a:p>
-          <a:p>
-            <a:pPr>
-              <a:buFont typeface="Wingdings" panose="05000000000000000000" pitchFamily="2" charset="2"/>
-              <a:buChar char="Ø"/>
-            </a:pPr>
-            <a:r>
-              <a:rPr lang="en-US" dirty="0"/>
-              <a:t> Continue to style Web App</a:t>
-            </a:r>
-          </a:p>
-          <a:p>
-            <a:pPr>
-              <a:buFont typeface="Wingdings" panose="05000000000000000000" pitchFamily="2" charset="2"/>
-              <a:buChar char="Ø"/>
-            </a:pPr>
-            <a:r>
-              <a:rPr lang="en-US" dirty="0"/>
-              <a:t> Evaluate model differences between different time periods</a:t>
-            </a:r>
-          </a:p>
-          <a:p>
-            <a:pPr>
-              <a:buFont typeface="Wingdings" panose="05000000000000000000" pitchFamily="2" charset="2"/>
-              <a:buChar char="Ø"/>
-            </a:pPr>
-            <a:endParaRPr lang="en-US" dirty="0"/>
-          </a:p>
-        </p:txBody>
-      </p:sp>
-    </p:spTree>
-    <p:extLst>
-      <p:ext uri="{BB962C8B-B14F-4D97-AF65-F5344CB8AC3E}">
-        <p14:creationId xmlns:p14="http://schemas.microsoft.com/office/powerpoint/2010/main" val="2091241199"/>
+        <p14:creationId xmlns:p14="http://schemas.microsoft.com/office/powerpoint/2010/main" val="1254196227"/>
       </p:ext>
     </p:extLst>
   </p:cSld>
@@ -5252,9 +7638,9 @@
 </file>
 
 <file path=ppt/theme/theme1.xml><?xml version="1.0" encoding="utf-8"?>
-<a:theme xmlns:a="http://schemas.openxmlformats.org/drawingml/2006/main" name="Retrospect">
+<a:theme xmlns:a="http://schemas.openxmlformats.org/drawingml/2006/main" name="Facet">
   <a:themeElements>
-    <a:clrScheme name="Retrospect">
+    <a:clrScheme name="Facet">
       <a:dk1>
         <a:sysClr val="windowText" lastClr="000000"/>
       </a:dk1>
@@ -5262,52 +7648,52 @@
         <a:sysClr val="window" lastClr="FFFFFF"/>
       </a:lt1>
       <a:dk2>
-        <a:srgbClr val="344068"/>
+        <a:srgbClr val="2C3C43"/>
       </a:dk2>
       <a:lt2>
-        <a:srgbClr val="D9E0E6"/>
+        <a:srgbClr val="EBEBEB"/>
       </a:lt2>
       <a:accent1>
-        <a:srgbClr val="1CADE4"/>
+        <a:srgbClr val="90C226"/>
       </a:accent1>
       <a:accent2>
-        <a:srgbClr val="2683C6"/>
+        <a:srgbClr val="54A021"/>
       </a:accent2>
       <a:accent3>
-        <a:srgbClr val="28C4CC"/>
+        <a:srgbClr val="E6B91E"/>
       </a:accent3>
       <a:accent4>
-        <a:srgbClr val="42BA97"/>
+        <a:srgbClr val="E76618"/>
       </a:accent4>
       <a:accent5>
-        <a:srgbClr val="3E8853"/>
+        <a:srgbClr val="C42F1A"/>
       </a:accent5>
       <a:accent6>
-        <a:srgbClr val="62A39F"/>
+        <a:srgbClr val="918655"/>
       </a:accent6>
       <a:hlink>
-        <a:srgbClr val="6EAC1C"/>
+        <a:srgbClr val="99CA3C"/>
       </a:hlink>
       <a:folHlink>
-        <a:srgbClr val="B26B02"/>
+        <a:srgbClr val="B9D181"/>
       </a:folHlink>
     </a:clrScheme>
-    <a:fontScheme name="Retrospect">
+    <a:fontScheme name="Facet">
       <a:majorFont>
-        <a:latin typeface="Calibri Light" panose="020F0302020204030204"/>
+        <a:latin typeface="Trebuchet MS" panose="020B0603020202020204"/>
         <a:ea typeface=""/>
         <a:cs typeface=""/>
-        <a:font script="Jpan" typeface="ＭＳ Ｐゴシック"/>
+        <a:font script="Jpan" typeface="メイリオ"/>
         <a:font script="Hang" typeface="맑은 고딕"/>
-        <a:font script="Hans" typeface="宋体"/>
-        <a:font script="Hant" typeface="新細明體"/>
-        <a:font script="Arab" typeface="Times New Roman"/>
-        <a:font script="Hebr" typeface="Times New Roman"/>
-        <a:font script="Thai" typeface="Angsana New"/>
+        <a:font script="Hans" typeface="方正姚体"/>
+        <a:font script="Hant" typeface="微軟正黑體"/>
+        <a:font script="Arab" typeface="Tahoma"/>
+        <a:font script="Hebr" typeface="Arial"/>
+        <a:font script="Thai" typeface="Cordia New"/>
         <a:font script="Ethi" typeface="Nyala"/>
         <a:font script="Beng" typeface="Vrinda"/>
         <a:font script="Gujr" typeface="Shruti"/>
-        <a:font script="Khmr" typeface="MoolBoran"/>
+        <a:font script="Khmr" typeface="DaunPenh"/>
         <a:font script="Knda" typeface="Tunga"/>
         <a:font script="Guru" typeface="Raavi"/>
         <a:font script="Cans" typeface="Euphemia"/>
@@ -5324,21 +7710,21 @@
         <a:font script="Laoo" typeface="DokChampa"/>
         <a:font script="Sinh" typeface="Iskoola Pota"/>
         <a:font script="Mong" typeface="Mongolian Baiti"/>
-        <a:font script="Viet" typeface="Times New Roman"/>
+        <a:font script="Viet" typeface="Tahoma"/>
         <a:font script="Uigh" typeface="Microsoft Uighur"/>
         <a:font script="Geor" typeface="Sylfaen"/>
       </a:majorFont>
       <a:minorFont>
-        <a:latin typeface="Calibri" panose="020F0502020204030204"/>
+        <a:latin typeface="Trebuchet MS" panose="020B0603020202020204"/>
         <a:ea typeface=""/>
         <a:cs typeface=""/>
-        <a:font script="Jpan" typeface="ＭＳ Ｐゴシック"/>
-        <a:font script="Hang" typeface="맑은 고딕"/>
-        <a:font script="Hans" typeface="宋体"/>
-        <a:font script="Hant" typeface="新細明體"/>
-        <a:font script="Arab" typeface="Arial"/>
-        <a:font script="Hebr" typeface="Arial"/>
-        <a:font script="Thai" typeface="Cordia New"/>
+        <a:font script="Jpan" typeface="メイリオ"/>
+        <a:font script="Hang" typeface="HY그래픽M"/>
+        <a:font script="Hans" typeface="华文新魏"/>
+        <a:font script="Hant" typeface="微軟正黑體"/>
+        <a:font script="Arab" typeface="Tahoma"/>
+        <a:font script="Hebr" typeface="Gisha"/>
+        <a:font script="Thai" typeface="IrisUPC"/>
         <a:font script="Ethi" typeface="Nyala"/>
         <a:font script="Beng" typeface="Vrinda"/>
         <a:font script="Gujr" typeface="Shruti"/>
@@ -5364,7 +7750,7 @@
         <a:font script="Geor" typeface="Sylfaen"/>
       </a:minorFont>
     </a:fontScheme>
-    <a:fmtScheme name="Retrospect">
+    <a:fmtScheme name="Facet">
       <a:fillStyleLst>
         <a:solidFill>
           <a:schemeClr val="phClr"/>
@@ -5374,76 +7760,49 @@
             <a:gs pos="0">
               <a:schemeClr val="phClr">
                 <a:tint val="65000"/>
-                <a:shade val="92000"/>
-                <a:satMod val="130000"/>
+                <a:lumMod val="110000"/>
               </a:schemeClr>
             </a:gs>
-            <a:gs pos="45000">
+            <a:gs pos="88000">
               <a:schemeClr val="phClr">
-                <a:tint val="60000"/>
-                <a:shade val="99000"/>
-                <a:satMod val="120000"/>
-              </a:schemeClr>
-            </a:gs>
-            <a:gs pos="100000">
-              <a:schemeClr val="phClr">
-                <a:tint val="55000"/>
-                <a:satMod val="140000"/>
+                <a:tint val="90000"/>
               </a:schemeClr>
             </a:gs>
           </a:gsLst>
-          <a:path path="circle">
-            <a:fillToRect l="100000" t="100000" r="100000" b="100000"/>
-          </a:path>
+          <a:lin ang="5400000" scaled="0"/>
         </a:gradFill>
         <a:gradFill rotWithShape="1">
           <a:gsLst>
             <a:gs pos="0">
               <a:schemeClr val="phClr">
-                <a:shade val="85000"/>
-                <a:satMod val="130000"/>
+                <a:tint val="96000"/>
+                <a:lumMod val="100000"/>
               </a:schemeClr>
             </a:gs>
-            <a:gs pos="34000">
+            <a:gs pos="78000">
               <a:schemeClr val="phClr">
-                <a:shade val="87000"/>
-                <a:satMod val="125000"/>
-              </a:schemeClr>
-            </a:gs>
-            <a:gs pos="70000">
-              <a:schemeClr val="phClr">
-                <a:tint val="100000"/>
-                <a:shade val="90000"/>
-                <a:satMod val="130000"/>
-              </a:schemeClr>
-            </a:gs>
-            <a:gs pos="100000">
-              <a:schemeClr val="phClr">
-                <a:tint val="100000"/>
-                <a:shade val="100000"/>
-                <a:satMod val="110000"/>
+                <a:shade val="94000"/>
+                <a:lumMod val="94000"/>
               </a:schemeClr>
             </a:gs>
           </a:gsLst>
-          <a:path path="circle">
-            <a:fillToRect l="100000" t="100000" r="100000" b="100000"/>
-          </a:path>
+          <a:lin ang="5400000" scaled="0"/>
         </a:gradFill>
       </a:fillStyleLst>
       <a:lnStyleLst>
-        <a:ln w="12700" cap="flat" cmpd="sng" algn="ctr">
+        <a:ln w="12700" cap="rnd" cmpd="sng" algn="ctr">
           <a:solidFill>
             <a:schemeClr val="phClr"/>
           </a:solidFill>
           <a:prstDash val="solid"/>
         </a:ln>
-        <a:ln w="15875" cap="flat" cmpd="sng" algn="ctr">
+        <a:ln w="19050" cap="rnd" cmpd="sng" algn="ctr">
           <a:solidFill>
             <a:schemeClr val="phClr"/>
           </a:solidFill>
           <a:prstDash val="solid"/>
         </a:ln>
-        <a:ln w="25400" cap="flat" cmpd="sng" algn="ctr">
+        <a:ln w="25400" cap="rnd" cmpd="sng" algn="ctr">
           <a:solidFill>
             <a:schemeClr val="phClr"/>
           </a:solidFill>
@@ -5456,18 +7815,18 @@
         </a:effectStyle>
         <a:effectStyle>
           <a:effectLst>
-            <a:outerShdw blurRad="38100" dist="25400" dir="2700000" algn="br" rotWithShape="0">
+            <a:outerShdw blurRad="38100" dist="25400" dir="5400000" rotWithShape="0">
               <a:srgbClr val="000000">
-                <a:alpha val="60000"/>
+                <a:alpha val="35000"/>
               </a:srgbClr>
             </a:outerShdw>
           </a:effectLst>
         </a:effectStyle>
         <a:effectStyle>
           <a:effectLst>
-            <a:outerShdw blurRad="44450" dist="25400" dir="2700000" algn="br" rotWithShape="0">
+            <a:outerShdw blurRad="50800" dist="38100" dir="5400000" rotWithShape="0">
               <a:srgbClr val="000000">
-                <a:alpha val="60000"/>
+                <a:alpha val="35000"/>
               </a:srgbClr>
             </a:outerShdw>
           </a:effectLst>
@@ -5475,12 +7834,10 @@
             <a:camera prst="orthographicFront">
               <a:rot lat="0" lon="0" rev="0"/>
             </a:camera>
-            <a:lightRig rig="threePt" dir="t">
-              <a:rot lat="0" lon="0" rev="19800000"/>
-            </a:lightRig>
+            <a:lightRig rig="threePt" dir="tl"/>
           </a:scene3d>
-          <a:sp3d prstMaterial="flat">
-            <a:bevelT w="25400" h="31750"/>
+          <a:sp3d prstMaterial="plastic">
+            <a:bevelT w="0" h="0"/>
           </a:sp3d>
         </a:effectStyle>
       </a:effectStyleLst>
@@ -5488,38 +7845,41 @@
         <a:solidFill>
           <a:schemeClr val="phClr"/>
         </a:solidFill>
-        <a:solidFill>
-          <a:schemeClr val="phClr">
-            <a:tint val="90000"/>
-            <a:shade val="97000"/>
-            <a:satMod val="130000"/>
-          </a:schemeClr>
-        </a:solidFill>
         <a:gradFill rotWithShape="1">
           <a:gsLst>
             <a:gs pos="0">
               <a:schemeClr val="phClr">
-                <a:tint val="96000"/>
-                <a:shade val="99000"/>
-                <a:satMod val="140000"/>
+                <a:tint val="90000"/>
+                <a:lumMod val="104000"/>
               </a:schemeClr>
             </a:gs>
-            <a:gs pos="65000">
+            <a:gs pos="94000">
               <a:schemeClr val="phClr">
-                <a:tint val="100000"/>
-                <a:shade val="80000"/>
-                <a:satMod val="130000"/>
+                <a:shade val="96000"/>
+                <a:lumMod val="82000"/>
+              </a:schemeClr>
+            </a:gs>
+          </a:gsLst>
+          <a:lin ang="5400000" scaled="0"/>
+        </a:gradFill>
+        <a:gradFill rotWithShape="1">
+          <a:gsLst>
+            <a:gs pos="0">
+              <a:schemeClr val="phClr">
+                <a:tint val="90000"/>
+                <a:lumMod val="110000"/>
               </a:schemeClr>
             </a:gs>
             <a:gs pos="100000">
               <a:schemeClr val="phClr">
-                <a:tint val="100000"/>
-                <a:shade val="48000"/>
-                <a:satMod val="120000"/>
+                <a:shade val="94000"/>
+                <a:lumMod val="96000"/>
               </a:schemeClr>
             </a:gs>
           </a:gsLst>
-          <a:lin ang="16200000" scaled="0"/>
+          <a:path path="circle">
+            <a:fillToRect l="50000" t="50000" r="100000" b="100000"/>
+          </a:path>
         </a:gradFill>
       </a:bgFillStyleLst>
     </a:fmtScheme>
@@ -5528,7 +7888,7 @@
   <a:extraClrSchemeLst/>
   <a:extLst>
     <a:ext uri="{05A4C25C-085E-4340-85A3-A5531E510DB2}">
-      <thm15:themeFamily xmlns:thm15="http://schemas.microsoft.com/office/thememl/2012/main" name="Retrospect" id="{5F128B03-DCCA-4EEB-AB3B-CF2899314A46}" vid="{9CC26709-368C-4D72-9060-94E5B3FF3CD6}"/>
+      <thm15:themeFamily xmlns:thm15="http://schemas.microsoft.com/office/thememl/2012/main" name="Facet" id="{C0C680CD-088A-49FC-A102-D699147F32B2}" vid="{CFBC31BA-B70F-4F30-BCAA-4F3011E16C4D}"/>
     </a:ext>
   </a:extLst>
 </a:theme>
